--- a/docs/slides/05-DoS.pptx
+++ b/docs/slides/05-DoS.pptx
@@ -246,7 +246,7 @@
           <a:p>
             <a:fld id="{C489DC69-7FD6-374A-A9ED-9FD6B5D82017}" type="datetimeFigureOut">
               <a:rPr lang="en-US" smtClean="0"/>
-              <a:t>1/31/22</a:t>
+              <a:t>1/23/23</a:t>
             </a:fld>
             <a:endParaRPr lang="en-US"/>
           </a:p>
@@ -702,7 +702,7 @@
           <a:ln/>
           <a:extLst>
             <a:ext uri="{FAA26D3D-D897-4be2-8F04-BA451C77F1D7}">
-              <ma14:placeholderFlag xmlns="" xmlns:ma14="http://schemas.microsoft.com/office/mac/drawingml/2011/main" val="1"/>
+              <ma14:placeholderFlag xmlns:ma14="http://schemas.microsoft.com/office/mac/drawingml/2011/main" xmlns="" val="1"/>
             </a:ext>
           </a:extLst>
         </p:spPr>
@@ -798,7 +798,7 @@
           <a:ln/>
           <a:extLst>
             <a:ext uri="{FAA26D3D-D897-4be2-8F04-BA451C77F1D7}">
-              <ma14:placeholderFlag xmlns="" xmlns:ma14="http://schemas.microsoft.com/office/mac/drawingml/2011/main" val="1"/>
+              <ma14:placeholderFlag xmlns:ma14="http://schemas.microsoft.com/office/mac/drawingml/2011/main" xmlns="" val="1"/>
             </a:ext>
           </a:extLst>
         </p:spPr>
@@ -906,7 +906,7 @@
           <a:ln/>
           <a:extLst>
             <a:ext uri="{FAA26D3D-D897-4be2-8F04-BA451C77F1D7}">
-              <ma14:placeholderFlag xmlns="" xmlns:ma14="http://schemas.microsoft.com/office/mac/drawingml/2011/main" val="1"/>
+              <ma14:placeholderFlag xmlns:ma14="http://schemas.microsoft.com/office/mac/drawingml/2011/main" xmlns="" val="1"/>
             </a:ext>
           </a:extLst>
         </p:spPr>
@@ -1017,7 +1017,7 @@
           <a:ln/>
           <a:extLst>
             <a:ext uri="{FAA26D3D-D897-4be2-8F04-BA451C77F1D7}">
-              <ma14:placeholderFlag xmlns="" xmlns:ma14="http://schemas.microsoft.com/office/mac/drawingml/2011/main" val="1"/>
+              <ma14:placeholderFlag xmlns:ma14="http://schemas.microsoft.com/office/mac/drawingml/2011/main" xmlns="" val="1"/>
             </a:ext>
           </a:extLst>
         </p:spPr>
@@ -1129,7 +1129,7 @@
           <a:ln/>
           <a:extLst>
             <a:ext uri="{FAA26D3D-D897-4be2-8F04-BA451C77F1D7}">
-              <ma14:placeholderFlag xmlns="" xmlns:ma14="http://schemas.microsoft.com/office/mac/drawingml/2011/main" val="1"/>
+              <ma14:placeholderFlag xmlns:ma14="http://schemas.microsoft.com/office/mac/drawingml/2011/main" xmlns="" val="1"/>
             </a:ext>
           </a:extLst>
         </p:spPr>
@@ -1353,7 +1353,7 @@
           <a:ln/>
           <a:extLst>
             <a:ext uri="{FAA26D3D-D897-4be2-8F04-BA451C77F1D7}">
-              <ma14:placeholderFlag xmlns="" xmlns:ma14="http://schemas.microsoft.com/office/mac/drawingml/2011/main" val="1"/>
+              <ma14:placeholderFlag xmlns:ma14="http://schemas.microsoft.com/office/mac/drawingml/2011/main" xmlns="" val="1"/>
             </a:ext>
           </a:extLst>
         </p:spPr>
@@ -1577,7 +1577,7 @@
           <a:ln/>
           <a:extLst>
             <a:ext uri="{FAA26D3D-D897-4be2-8F04-BA451C77F1D7}">
-              <ma14:placeholderFlag xmlns="" xmlns:ma14="http://schemas.microsoft.com/office/mac/drawingml/2011/main" val="1"/>
+              <ma14:placeholderFlag xmlns:ma14="http://schemas.microsoft.com/office/mac/drawingml/2011/main" xmlns="" val="1"/>
             </a:ext>
           </a:extLst>
         </p:spPr>
@@ -1790,7 +1790,7 @@
           <a:ln/>
           <a:extLst>
             <a:ext uri="{FAA26D3D-D897-4be2-8F04-BA451C77F1D7}">
-              <ma14:placeholderFlag xmlns="" xmlns:ma14="http://schemas.microsoft.com/office/mac/drawingml/2011/main" val="1"/>
+              <ma14:placeholderFlag xmlns:ma14="http://schemas.microsoft.com/office/mac/drawingml/2011/main" xmlns="" val="1"/>
             </a:ext>
           </a:extLst>
         </p:spPr>
@@ -1891,7 +1891,7 @@
           <a:ln/>
           <a:extLst>
             <a:ext uri="{FAA26D3D-D897-4be2-8F04-BA451C77F1D7}">
-              <ma14:placeholderFlag xmlns="" xmlns:ma14="http://schemas.microsoft.com/office/mac/drawingml/2011/main" val="1"/>
+              <ma14:placeholderFlag xmlns:ma14="http://schemas.microsoft.com/office/mac/drawingml/2011/main" xmlns="" val="1"/>
             </a:ext>
           </a:extLst>
         </p:spPr>
@@ -1992,7 +1992,7 @@
           <a:ln/>
           <a:extLst>
             <a:ext uri="{FAA26D3D-D897-4be2-8F04-BA451C77F1D7}">
-              <ma14:placeholderFlag xmlns="" xmlns:ma14="http://schemas.microsoft.com/office/mac/drawingml/2011/main" val="1"/>
+              <ma14:placeholderFlag xmlns:ma14="http://schemas.microsoft.com/office/mac/drawingml/2011/main" xmlns="" val="1"/>
             </a:ext>
           </a:extLst>
         </p:spPr>
@@ -2194,7 +2194,7 @@
           <a:ln/>
           <a:extLst>
             <a:ext uri="{FAA26D3D-D897-4be2-8F04-BA451C77F1D7}">
-              <ma14:placeholderFlag xmlns="" xmlns:ma14="http://schemas.microsoft.com/office/mac/drawingml/2011/main" val="1"/>
+              <ma14:placeholderFlag xmlns:ma14="http://schemas.microsoft.com/office/mac/drawingml/2011/main" xmlns="" val="1"/>
             </a:ext>
           </a:extLst>
         </p:spPr>
@@ -2306,7 +2306,7 @@
           <a:ln/>
           <a:extLst>
             <a:ext uri="{FAA26D3D-D897-4be2-8F04-BA451C77F1D7}">
-              <ma14:placeholderFlag xmlns="" xmlns:ma14="http://schemas.microsoft.com/office/mac/drawingml/2011/main" val="1"/>
+              <ma14:placeholderFlag xmlns:ma14="http://schemas.microsoft.com/office/mac/drawingml/2011/main" xmlns="" val="1"/>
             </a:ext>
           </a:extLst>
         </p:spPr>
@@ -2530,7 +2530,7 @@
           <a:ln/>
           <a:extLst>
             <a:ext uri="{FAA26D3D-D897-4be2-8F04-BA451C77F1D7}">
-              <ma14:placeholderFlag xmlns="" xmlns:ma14="http://schemas.microsoft.com/office/mac/drawingml/2011/main" val="1"/>
+              <ma14:placeholderFlag xmlns:ma14="http://schemas.microsoft.com/office/mac/drawingml/2011/main" xmlns="" val="1"/>
             </a:ext>
           </a:extLst>
         </p:spPr>
@@ -2754,7 +2754,7 @@
           <a:ln/>
           <a:extLst>
             <a:ext uri="{FAA26D3D-D897-4be2-8F04-BA451C77F1D7}">
-              <ma14:placeholderFlag xmlns="" xmlns:ma14="http://schemas.microsoft.com/office/mac/drawingml/2011/main" val="1"/>
+              <ma14:placeholderFlag xmlns:ma14="http://schemas.microsoft.com/office/mac/drawingml/2011/main" xmlns="" val="1"/>
             </a:ext>
           </a:extLst>
         </p:spPr>
@@ -2978,7 +2978,7 @@
           <a:ln/>
           <a:extLst>
             <a:ext uri="{FAA26D3D-D897-4be2-8F04-BA451C77F1D7}">
-              <ma14:placeholderFlag xmlns="" xmlns:ma14="http://schemas.microsoft.com/office/mac/drawingml/2011/main" val="1"/>
+              <ma14:placeholderFlag xmlns:ma14="http://schemas.microsoft.com/office/mac/drawingml/2011/main" xmlns="" val="1"/>
             </a:ext>
           </a:extLst>
         </p:spPr>
@@ -3188,7 +3188,7 @@
           <a:ln/>
           <a:extLst>
             <a:ext uri="{FAA26D3D-D897-4be2-8F04-BA451C77F1D7}">
-              <ma14:placeholderFlag xmlns="" xmlns:ma14="http://schemas.microsoft.com/office/mac/drawingml/2011/main" val="1"/>
+              <ma14:placeholderFlag xmlns:ma14="http://schemas.microsoft.com/office/mac/drawingml/2011/main" xmlns="" val="1"/>
             </a:ext>
           </a:extLst>
         </p:spPr>
@@ -3412,7 +3412,7 @@
           <a:p>
             <a:fld id="{F3D5891B-EC81-2D4E-B0F5-DB55AA43B06E}" type="datetimeFigureOut">
               <a:rPr lang="en-US" smtClean="0"/>
-              <a:t>1/31/22</a:t>
+              <a:t>1/23/23</a:t>
             </a:fld>
             <a:endParaRPr lang="en-US"/>
           </a:p>
@@ -3580,7 +3580,7 @@
           <a:p>
             <a:fld id="{F3D5891B-EC81-2D4E-B0F5-DB55AA43B06E}" type="datetimeFigureOut">
               <a:rPr lang="en-US" smtClean="0"/>
-              <a:t>1/31/22</a:t>
+              <a:t>1/23/23</a:t>
             </a:fld>
             <a:endParaRPr lang="en-US"/>
           </a:p>
@@ -3758,7 +3758,7 @@
           <a:p>
             <a:fld id="{F3D5891B-EC81-2D4E-B0F5-DB55AA43B06E}" type="datetimeFigureOut">
               <a:rPr lang="en-US" smtClean="0"/>
-              <a:t>1/31/22</a:t>
+              <a:t>1/23/23</a:t>
             </a:fld>
             <a:endParaRPr lang="en-US"/>
           </a:p>
@@ -3926,7 +3926,7 @@
           <a:p>
             <a:fld id="{F3D5891B-EC81-2D4E-B0F5-DB55AA43B06E}" type="datetimeFigureOut">
               <a:rPr lang="en-US" smtClean="0"/>
-              <a:t>1/31/22</a:t>
+              <a:t>1/23/23</a:t>
             </a:fld>
             <a:endParaRPr lang="en-US"/>
           </a:p>
@@ -4171,7 +4171,7 @@
           <a:p>
             <a:fld id="{F3D5891B-EC81-2D4E-B0F5-DB55AA43B06E}" type="datetimeFigureOut">
               <a:rPr lang="en-US" smtClean="0"/>
-              <a:t>1/31/22</a:t>
+              <a:t>1/23/23</a:t>
             </a:fld>
             <a:endParaRPr lang="en-US"/>
           </a:p>
@@ -4456,7 +4456,7 @@
           <a:p>
             <a:fld id="{F3D5891B-EC81-2D4E-B0F5-DB55AA43B06E}" type="datetimeFigureOut">
               <a:rPr lang="en-US" smtClean="0"/>
-              <a:t>1/31/22</a:t>
+              <a:t>1/23/23</a:t>
             </a:fld>
             <a:endParaRPr lang="en-US"/>
           </a:p>
@@ -4875,7 +4875,7 @@
           <a:p>
             <a:fld id="{F3D5891B-EC81-2D4E-B0F5-DB55AA43B06E}" type="datetimeFigureOut">
               <a:rPr lang="en-US" smtClean="0"/>
-              <a:t>1/31/22</a:t>
+              <a:t>1/23/23</a:t>
             </a:fld>
             <a:endParaRPr lang="en-US"/>
           </a:p>
@@ -4992,7 +4992,7 @@
           <a:p>
             <a:fld id="{F3D5891B-EC81-2D4E-B0F5-DB55AA43B06E}" type="datetimeFigureOut">
               <a:rPr lang="en-US" smtClean="0"/>
-              <a:t>1/31/22</a:t>
+              <a:t>1/23/23</a:t>
             </a:fld>
             <a:endParaRPr lang="en-US"/>
           </a:p>
@@ -5087,7 +5087,7 @@
           <a:p>
             <a:fld id="{F3D5891B-EC81-2D4E-B0F5-DB55AA43B06E}" type="datetimeFigureOut">
               <a:rPr lang="en-US" smtClean="0"/>
-              <a:t>1/31/22</a:t>
+              <a:t>1/23/23</a:t>
             </a:fld>
             <a:endParaRPr lang="en-US"/>
           </a:p>
@@ -5362,7 +5362,7 @@
           <a:p>
             <a:fld id="{F3D5891B-EC81-2D4E-B0F5-DB55AA43B06E}" type="datetimeFigureOut">
               <a:rPr lang="en-US" smtClean="0"/>
-              <a:t>1/31/22</a:t>
+              <a:t>1/23/23</a:t>
             </a:fld>
             <a:endParaRPr lang="en-US"/>
           </a:p>
@@ -5614,7 +5614,7 @@
           <a:p>
             <a:fld id="{F3D5891B-EC81-2D4E-B0F5-DB55AA43B06E}" type="datetimeFigureOut">
               <a:rPr lang="en-US" smtClean="0"/>
-              <a:t>1/31/22</a:t>
+              <a:t>1/23/23</a:t>
             </a:fld>
             <a:endParaRPr lang="en-US"/>
           </a:p>
@@ -5825,7 +5825,7 @@
           <a:p>
             <a:fld id="{F3D5891B-EC81-2D4E-B0F5-DB55AA43B06E}" type="datetimeFigureOut">
               <a:rPr lang="en-US" smtClean="0"/>
-              <a:t>1/31/22</a:t>
+              <a:t>1/23/23</a:t>
             </a:fld>
             <a:endParaRPr lang="en-US"/>
           </a:p>
@@ -6653,7 +6653,7 @@
           <a:noFill/>
           <a:extLst>
             <a:ext uri="{909E8E84-426E-40dd-AFC4-6F175D3DCCD1}">
-              <a14:hiddenFill xmlns="" xmlns:a14="http://schemas.microsoft.com/office/drawing/2010/main">
+              <a14:hiddenFill xmlns:a14="http://schemas.microsoft.com/office/drawing/2010/main" xmlns="">
                 <a:solidFill>
                   <a:srgbClr val="FFFFFF"/>
                 </a:solidFill>
@@ -6694,7 +6694,7 @@
           <a:noFill/>
           <a:extLst>
             <a:ext uri="{909E8E84-426E-40dd-AFC4-6F175D3DCCD1}">
-              <a14:hiddenFill xmlns="" xmlns:a14="http://schemas.microsoft.com/office/drawing/2010/main">
+              <a14:hiddenFill xmlns:a14="http://schemas.microsoft.com/office/drawing/2010/main" xmlns="">
                 <a:solidFill>
                   <a:srgbClr val="FFFFFF"/>
                 </a:solidFill>
@@ -6735,7 +6735,7 @@
           <a:noFill/>
           <a:extLst>
             <a:ext uri="{909E8E84-426E-40dd-AFC4-6F175D3DCCD1}">
-              <a14:hiddenFill xmlns="" xmlns:a14="http://schemas.microsoft.com/office/drawing/2010/main">
+              <a14:hiddenFill xmlns:a14="http://schemas.microsoft.com/office/drawing/2010/main" xmlns="">
                 <a:solidFill>
                   <a:srgbClr val="FFFFFF"/>
                 </a:solidFill>
@@ -6827,12 +6827,12 @@
           <a:effectLst/>
           <a:extLst>
             <a:ext uri="{909E8E84-426E-40dd-AFC4-6F175D3DCCD1}">
-              <a14:hiddenFill xmlns="" xmlns:a14="http://schemas.microsoft.com/office/drawing/2010/main">
+              <a14:hiddenFill xmlns:a14="http://schemas.microsoft.com/office/drawing/2010/main" xmlns="">
                 <a:noFill/>
               </a14:hiddenFill>
             </a:ext>
             <a:ext uri="{AF507438-7753-43e0-B8FC-AC1667EBCBE1}">
-              <a14:hiddenEffects xmlns="" xmlns:a14="http://schemas.microsoft.com/office/drawing/2010/main">
+              <a14:hiddenEffects xmlns:a14="http://schemas.microsoft.com/office/drawing/2010/main" xmlns="">
                 <a:effectLst>
                   <a:outerShdw blurRad="63500" dist="38099" dir="2700000" algn="ctr" rotWithShape="0">
                     <a:srgbClr val="000000">
@@ -6880,12 +6880,12 @@
           <a:effectLst/>
           <a:extLst>
             <a:ext uri="{909E8E84-426E-40dd-AFC4-6F175D3DCCD1}">
-              <a14:hiddenFill xmlns="" xmlns:a14="http://schemas.microsoft.com/office/drawing/2010/main">
+              <a14:hiddenFill xmlns:a14="http://schemas.microsoft.com/office/drawing/2010/main" xmlns="">
                 <a:noFill/>
               </a14:hiddenFill>
             </a:ext>
             <a:ext uri="{AF507438-7753-43e0-B8FC-AC1667EBCBE1}">
-              <a14:hiddenEffects xmlns="" xmlns:a14="http://schemas.microsoft.com/office/drawing/2010/main">
+              <a14:hiddenEffects xmlns:a14="http://schemas.microsoft.com/office/drawing/2010/main" xmlns="">
                 <a:effectLst>
                   <a:outerShdw blurRad="63500" dist="38099" dir="2700000" algn="ctr" rotWithShape="0">
                     <a:srgbClr val="000000">
@@ -6933,12 +6933,12 @@
           <a:effectLst/>
           <a:extLst>
             <a:ext uri="{909E8E84-426E-40dd-AFC4-6F175D3DCCD1}">
-              <a14:hiddenFill xmlns="" xmlns:a14="http://schemas.microsoft.com/office/drawing/2010/main">
+              <a14:hiddenFill xmlns:a14="http://schemas.microsoft.com/office/drawing/2010/main" xmlns="">
                 <a:noFill/>
               </a14:hiddenFill>
             </a:ext>
             <a:ext uri="{AF507438-7753-43e0-B8FC-AC1667EBCBE1}">
-              <a14:hiddenEffects xmlns="" xmlns:a14="http://schemas.microsoft.com/office/drawing/2010/main">
+              <a14:hiddenEffects xmlns:a14="http://schemas.microsoft.com/office/drawing/2010/main" xmlns="">
                 <a:effectLst>
                   <a:outerShdw blurRad="63500" dist="38099" dir="2700000" algn="ctr" rotWithShape="0">
                     <a:srgbClr val="000000">
@@ -6986,12 +6986,12 @@
           <a:effectLst/>
           <a:extLst>
             <a:ext uri="{909E8E84-426E-40dd-AFC4-6F175D3DCCD1}">
-              <a14:hiddenFill xmlns="" xmlns:a14="http://schemas.microsoft.com/office/drawing/2010/main">
+              <a14:hiddenFill xmlns:a14="http://schemas.microsoft.com/office/drawing/2010/main" xmlns="">
                 <a:noFill/>
               </a14:hiddenFill>
             </a:ext>
             <a:ext uri="{AF507438-7753-43e0-B8FC-AC1667EBCBE1}">
-              <a14:hiddenEffects xmlns="" xmlns:a14="http://schemas.microsoft.com/office/drawing/2010/main">
+              <a14:hiddenEffects xmlns:a14="http://schemas.microsoft.com/office/drawing/2010/main" xmlns="">
                 <a:effectLst>
                   <a:outerShdw blurRad="63500" dist="38099" dir="2700000" algn="ctr" rotWithShape="0">
                     <a:srgbClr val="000000">
@@ -7043,7 +7043,7 @@
           <a:noFill/>
           <a:extLst>
             <a:ext uri="{909E8E84-426E-40dd-AFC4-6F175D3DCCD1}">
-              <a14:hiddenFill xmlns="" xmlns:a14="http://schemas.microsoft.com/office/drawing/2010/main">
+              <a14:hiddenFill xmlns:a14="http://schemas.microsoft.com/office/drawing/2010/main" xmlns="">
                 <a:solidFill>
                   <a:srgbClr val="FFFFFF"/>
                 </a:solidFill>
@@ -7075,14 +7075,14 @@
           <a:effectLst/>
           <a:extLst>
             <a:ext uri="{909E8E84-426E-40dd-AFC4-6F175D3DCCD1}">
-              <a14:hiddenFill xmlns="" xmlns:a14="http://schemas.microsoft.com/office/drawing/2010/main">
+              <a14:hiddenFill xmlns:a14="http://schemas.microsoft.com/office/drawing/2010/main" xmlns="">
                 <a:solidFill>
                   <a:schemeClr val="accent1"/>
                 </a:solidFill>
               </a14:hiddenFill>
             </a:ext>
             <a:ext uri="{91240B29-F687-4f45-9708-019B960494DF}">
-              <a14:hiddenLine xmlns="" xmlns:a14="http://schemas.microsoft.com/office/drawing/2010/main" w="9525">
+              <a14:hiddenLine xmlns:a14="http://schemas.microsoft.com/office/drawing/2010/main" xmlns="" w="9525">
                 <a:solidFill>
                   <a:schemeClr val="tx1"/>
                 </a:solidFill>
@@ -7092,7 +7092,7 @@
               </a14:hiddenLine>
             </a:ext>
             <a:ext uri="{AF507438-7753-43e0-B8FC-AC1667EBCBE1}">
-              <a14:hiddenEffects xmlns="" xmlns:a14="http://schemas.microsoft.com/office/drawing/2010/main">
+              <a14:hiddenEffects xmlns:a14="http://schemas.microsoft.com/office/drawing/2010/main" xmlns="">
                 <a:effectLst>
                   <a:outerShdw blurRad="63500" dist="38099" dir="2700000" algn="ctr" rotWithShape="0">
                     <a:srgbClr val="000000">
@@ -7164,7 +7164,7 @@
           <a:noFill/>
           <a:extLst>
             <a:ext uri="{909E8E84-426E-40dd-AFC4-6F175D3DCCD1}">
-              <a14:hiddenFill xmlns="" xmlns:a14="http://schemas.microsoft.com/office/drawing/2010/main">
+              <a14:hiddenFill xmlns:a14="http://schemas.microsoft.com/office/drawing/2010/main" xmlns="">
                 <a:solidFill>
                   <a:srgbClr val="FFFFFF"/>
                 </a:solidFill>
@@ -7196,14 +7196,14 @@
           <a:effectLst/>
           <a:extLst>
             <a:ext uri="{909E8E84-426E-40dd-AFC4-6F175D3DCCD1}">
-              <a14:hiddenFill xmlns="" xmlns:a14="http://schemas.microsoft.com/office/drawing/2010/main">
+              <a14:hiddenFill xmlns:a14="http://schemas.microsoft.com/office/drawing/2010/main" xmlns="">
                 <a:solidFill>
                   <a:schemeClr val="accent1"/>
                 </a:solidFill>
               </a14:hiddenFill>
             </a:ext>
             <a:ext uri="{91240B29-F687-4f45-9708-019B960494DF}">
-              <a14:hiddenLine xmlns="" xmlns:a14="http://schemas.microsoft.com/office/drawing/2010/main" w="9525">
+              <a14:hiddenLine xmlns:a14="http://schemas.microsoft.com/office/drawing/2010/main" xmlns="" w="9525">
                 <a:solidFill>
                   <a:schemeClr val="tx1"/>
                 </a:solidFill>
@@ -7213,7 +7213,7 @@
               </a14:hiddenLine>
             </a:ext>
             <a:ext uri="{AF507438-7753-43e0-B8FC-AC1667EBCBE1}">
-              <a14:hiddenEffects xmlns="" xmlns:a14="http://schemas.microsoft.com/office/drawing/2010/main">
+              <a14:hiddenEffects xmlns:a14="http://schemas.microsoft.com/office/drawing/2010/main" xmlns="">
                 <a:effectLst>
                   <a:outerShdw blurRad="63500" dist="38099" dir="2700000" algn="ctr" rotWithShape="0">
                     <a:srgbClr val="000000">
@@ -7297,12 +7297,12 @@
             <a:effectLst/>
             <a:extLst>
               <a:ext uri="{909E8E84-426E-40dd-AFC4-6F175D3DCCD1}">
-                <a14:hiddenFill xmlns="" xmlns:a14="http://schemas.microsoft.com/office/drawing/2010/main">
+                <a14:hiddenFill xmlns:a14="http://schemas.microsoft.com/office/drawing/2010/main" xmlns="">
                   <a:noFill/>
                 </a14:hiddenFill>
               </a:ext>
               <a:ext uri="{AF507438-7753-43e0-B8FC-AC1667EBCBE1}">
-                <a14:hiddenEffects xmlns="" xmlns:a14="http://schemas.microsoft.com/office/drawing/2010/main">
+                <a14:hiddenEffects xmlns:a14="http://schemas.microsoft.com/office/drawing/2010/main" xmlns="">
                   <a:effectLst>
                     <a:outerShdw blurRad="63500" dist="38099" dir="2700000" algn="ctr" rotWithShape="0">
                       <a:srgbClr val="000000">
@@ -7350,12 +7350,12 @@
             <a:effectLst/>
             <a:extLst>
               <a:ext uri="{909E8E84-426E-40dd-AFC4-6F175D3DCCD1}">
-                <a14:hiddenFill xmlns="" xmlns:a14="http://schemas.microsoft.com/office/drawing/2010/main">
+                <a14:hiddenFill xmlns:a14="http://schemas.microsoft.com/office/drawing/2010/main" xmlns="">
                   <a:noFill/>
                 </a14:hiddenFill>
               </a:ext>
               <a:ext uri="{AF507438-7753-43e0-B8FC-AC1667EBCBE1}">
-                <a14:hiddenEffects xmlns="" xmlns:a14="http://schemas.microsoft.com/office/drawing/2010/main">
+                <a14:hiddenEffects xmlns:a14="http://schemas.microsoft.com/office/drawing/2010/main" xmlns="">
                   <a:effectLst>
                     <a:outerShdw blurRad="63500" dist="38099" dir="2700000" algn="ctr" rotWithShape="0">
                       <a:srgbClr val="000000">
@@ -7398,14 +7398,14 @@
             <a:effectLst/>
             <a:extLst>
               <a:ext uri="{909E8E84-426E-40dd-AFC4-6F175D3DCCD1}">
-                <a14:hiddenFill xmlns="" xmlns:a14="http://schemas.microsoft.com/office/drawing/2010/main">
+                <a14:hiddenFill xmlns:a14="http://schemas.microsoft.com/office/drawing/2010/main" xmlns="">
                   <a:solidFill>
                     <a:schemeClr val="accent1"/>
                   </a:solidFill>
                 </a14:hiddenFill>
               </a:ext>
               <a:ext uri="{91240B29-F687-4f45-9708-019B960494DF}">
-                <a14:hiddenLine xmlns="" xmlns:a14="http://schemas.microsoft.com/office/drawing/2010/main" w="9525">
+                <a14:hiddenLine xmlns:a14="http://schemas.microsoft.com/office/drawing/2010/main" xmlns="" w="9525">
                   <a:solidFill>
                     <a:schemeClr val="hlink"/>
                   </a:solidFill>
@@ -7415,7 +7415,7 @@
                 </a14:hiddenLine>
               </a:ext>
               <a:ext uri="{AF507438-7753-43e0-B8FC-AC1667EBCBE1}">
-                <a14:hiddenEffects xmlns="" xmlns:a14="http://schemas.microsoft.com/office/drawing/2010/main">
+                <a14:hiddenEffects xmlns:a14="http://schemas.microsoft.com/office/drawing/2010/main" xmlns="">
                   <a:effectLst>
                     <a:outerShdw blurRad="63500" dist="38099" dir="2700000" algn="ctr" rotWithShape="0">
                       <a:srgbClr val="000000">
@@ -7527,12 +7527,12 @@
             <a:effectLst/>
             <a:extLst>
               <a:ext uri="{909E8E84-426E-40dd-AFC4-6F175D3DCCD1}">
-                <a14:hiddenFill xmlns="" xmlns:a14="http://schemas.microsoft.com/office/drawing/2010/main">
+                <a14:hiddenFill xmlns:a14="http://schemas.microsoft.com/office/drawing/2010/main" xmlns="">
                   <a:noFill/>
                 </a14:hiddenFill>
               </a:ext>
               <a:ext uri="{AF507438-7753-43e0-B8FC-AC1667EBCBE1}">
-                <a14:hiddenEffects xmlns="" xmlns:a14="http://schemas.microsoft.com/office/drawing/2010/main">
+                <a14:hiddenEffects xmlns:a14="http://schemas.microsoft.com/office/drawing/2010/main" xmlns="">
                   <a:effectLst>
                     <a:outerShdw blurRad="63500" dist="38099" dir="2700000" algn="ctr" rotWithShape="0">
                       <a:srgbClr val="000000">
@@ -7580,12 +7580,12 @@
             <a:effectLst/>
             <a:extLst>
               <a:ext uri="{909E8E84-426E-40dd-AFC4-6F175D3DCCD1}">
-                <a14:hiddenFill xmlns="" xmlns:a14="http://schemas.microsoft.com/office/drawing/2010/main">
+                <a14:hiddenFill xmlns:a14="http://schemas.microsoft.com/office/drawing/2010/main" xmlns="">
                   <a:noFill/>
                 </a14:hiddenFill>
               </a:ext>
               <a:ext uri="{AF507438-7753-43e0-B8FC-AC1667EBCBE1}">
-                <a14:hiddenEffects xmlns="" xmlns:a14="http://schemas.microsoft.com/office/drawing/2010/main">
+                <a14:hiddenEffects xmlns:a14="http://schemas.microsoft.com/office/drawing/2010/main" xmlns="">
                   <a:effectLst>
                     <a:outerShdw blurRad="63500" dist="38099" dir="2700000" algn="ctr" rotWithShape="0">
                       <a:srgbClr val="000000">
@@ -7628,14 +7628,14 @@
             <a:effectLst/>
             <a:extLst>
               <a:ext uri="{909E8E84-426E-40dd-AFC4-6F175D3DCCD1}">
-                <a14:hiddenFill xmlns="" xmlns:a14="http://schemas.microsoft.com/office/drawing/2010/main">
+                <a14:hiddenFill xmlns:a14="http://schemas.microsoft.com/office/drawing/2010/main" xmlns="">
                   <a:solidFill>
                     <a:schemeClr val="accent1"/>
                   </a:solidFill>
                 </a14:hiddenFill>
               </a:ext>
               <a:ext uri="{91240B29-F687-4f45-9708-019B960494DF}">
-                <a14:hiddenLine xmlns="" xmlns:a14="http://schemas.microsoft.com/office/drawing/2010/main" w="38100">
+                <a14:hiddenLine xmlns:a14="http://schemas.microsoft.com/office/drawing/2010/main" xmlns="" w="38100">
                   <a:solidFill>
                     <a:schemeClr val="hlink"/>
                   </a:solidFill>
@@ -7645,7 +7645,7 @@
                 </a14:hiddenLine>
               </a:ext>
               <a:ext uri="{AF507438-7753-43e0-B8FC-AC1667EBCBE1}">
-                <a14:hiddenEffects xmlns="" xmlns:a14="http://schemas.microsoft.com/office/drawing/2010/main">
+                <a14:hiddenEffects xmlns:a14="http://schemas.microsoft.com/office/drawing/2010/main" xmlns="">
                   <a:effectLst>
                     <a:outerShdw blurRad="63500" dist="38099" dir="2700000" algn="ctr" rotWithShape="0">
                       <a:srgbClr val="000000">
@@ -7994,14 +7994,14 @@
           </a:ln>
           <a:extLst>
             <a:ext uri="{909E8E84-426E-40dd-AFC4-6F175D3DCCD1}">
-              <a14:hiddenFill xmlns="" xmlns:a14="http://schemas.microsoft.com/office/drawing/2010/main">
+              <a14:hiddenFill xmlns:a14="http://schemas.microsoft.com/office/drawing/2010/main" xmlns="">
                 <a:solidFill>
                   <a:srgbClr val="FFFFFF"/>
                 </a:solidFill>
               </a14:hiddenFill>
             </a:ext>
             <a:ext uri="{91240B29-F687-4f45-9708-019B960494DF}">
-              <a14:hiddenLine xmlns="" xmlns:a14="http://schemas.microsoft.com/office/drawing/2010/main" w="9525">
+              <a14:hiddenLine xmlns:a14="http://schemas.microsoft.com/office/drawing/2010/main" xmlns="" w="9525">
                 <a:solidFill>
                   <a:srgbClr val="000000"/>
                 </a:solidFill>
@@ -8429,7 +8429,7 @@
           </a:xfrm>
           <a:extLst>
             <a:ext uri="{91240B29-F687-4f45-9708-019B960494DF}">
-              <a14:hiddenLine xmlns="" xmlns:a14="http://schemas.microsoft.com/office/drawing/2010/main" w="9525">
+              <a14:hiddenLine xmlns:a14="http://schemas.microsoft.com/office/drawing/2010/main" xmlns="" w="9525">
                 <a:solidFill>
                   <a:srgbClr val="000000"/>
                 </a:solidFill>
@@ -8508,7 +8508,7 @@
           </a:ln>
           <a:extLst>
             <a:ext uri="{909E8E84-426E-40dd-AFC4-6F175D3DCCD1}">
-              <a14:hiddenFill xmlns="" xmlns:a14="http://schemas.microsoft.com/office/drawing/2010/main">
+              <a14:hiddenFill xmlns:a14="http://schemas.microsoft.com/office/drawing/2010/main" xmlns="">
                 <a:noFill/>
               </a14:hiddenFill>
             </a:ext>
@@ -8549,7 +8549,7 @@
           </a:ln>
           <a:extLst>
             <a:ext uri="{909E8E84-426E-40dd-AFC4-6F175D3DCCD1}">
-              <a14:hiddenFill xmlns="" xmlns:a14="http://schemas.microsoft.com/office/drawing/2010/main">
+              <a14:hiddenFill xmlns:a14="http://schemas.microsoft.com/office/drawing/2010/main" xmlns="">
                 <a:noFill/>
               </a14:hiddenFill>
             </a:ext>
@@ -8590,7 +8590,7 @@
           </a:ln>
           <a:extLst>
             <a:ext uri="{909E8E84-426E-40dd-AFC4-6F175D3DCCD1}">
-              <a14:hiddenFill xmlns="" xmlns:a14="http://schemas.microsoft.com/office/drawing/2010/main">
+              <a14:hiddenFill xmlns:a14="http://schemas.microsoft.com/office/drawing/2010/main" xmlns="">
                 <a:noFill/>
               </a14:hiddenFill>
             </a:ext>
@@ -8644,14 +8644,14 @@
             </a:ln>
             <a:extLst>
               <a:ext uri="{909E8E84-426E-40dd-AFC4-6F175D3DCCD1}">
-                <a14:hiddenFill xmlns="" xmlns:a14="http://schemas.microsoft.com/office/drawing/2010/main">
+                <a14:hiddenFill xmlns:a14="http://schemas.microsoft.com/office/drawing/2010/main" xmlns="">
                   <a:solidFill>
                     <a:srgbClr val="FFFFFF"/>
                   </a:solidFill>
                 </a14:hiddenFill>
               </a:ext>
               <a:ext uri="{91240B29-F687-4f45-9708-019B960494DF}">
-                <a14:hiddenLine xmlns="" xmlns:a14="http://schemas.microsoft.com/office/drawing/2010/main" w="9525">
+                <a14:hiddenLine xmlns:a14="http://schemas.microsoft.com/office/drawing/2010/main" xmlns="" w="9525">
                   <a:solidFill>
                     <a:srgbClr val="000000"/>
                   </a:solidFill>
@@ -8694,14 +8694,14 @@
             </a:ln>
             <a:extLst>
               <a:ext uri="{909E8E84-426E-40dd-AFC4-6F175D3DCCD1}">
-                <a14:hiddenFill xmlns="" xmlns:a14="http://schemas.microsoft.com/office/drawing/2010/main">
+                <a14:hiddenFill xmlns:a14="http://schemas.microsoft.com/office/drawing/2010/main" xmlns="">
                   <a:solidFill>
                     <a:srgbClr val="FFFFFF"/>
                   </a:solidFill>
                 </a14:hiddenFill>
               </a:ext>
               <a:ext uri="{91240B29-F687-4f45-9708-019B960494DF}">
-                <a14:hiddenLine xmlns="" xmlns:a14="http://schemas.microsoft.com/office/drawing/2010/main" w="9525">
+                <a14:hiddenLine xmlns:a14="http://schemas.microsoft.com/office/drawing/2010/main" xmlns="" w="9525">
                   <a:solidFill>
                     <a:srgbClr val="000000"/>
                   </a:solidFill>
@@ -8803,14 +8803,14 @@
             </a:ln>
             <a:extLst>
               <a:ext uri="{909E8E84-426E-40dd-AFC4-6F175D3DCCD1}">
-                <a14:hiddenFill xmlns="" xmlns:a14="http://schemas.microsoft.com/office/drawing/2010/main">
+                <a14:hiddenFill xmlns:a14="http://schemas.microsoft.com/office/drawing/2010/main" xmlns="">
                   <a:solidFill>
                     <a:srgbClr val="FFFFFF"/>
                   </a:solidFill>
                 </a14:hiddenFill>
               </a:ext>
               <a:ext uri="{91240B29-F687-4f45-9708-019B960494DF}">
-                <a14:hiddenLine xmlns="" xmlns:a14="http://schemas.microsoft.com/office/drawing/2010/main" w="9525">
+                <a14:hiddenLine xmlns:a14="http://schemas.microsoft.com/office/drawing/2010/main" xmlns="" w="9525">
                   <a:solidFill>
                     <a:srgbClr val="000000"/>
                   </a:solidFill>
@@ -8853,14 +8853,14 @@
             </a:ln>
             <a:extLst>
               <a:ext uri="{909E8E84-426E-40dd-AFC4-6F175D3DCCD1}">
-                <a14:hiddenFill xmlns="" xmlns:a14="http://schemas.microsoft.com/office/drawing/2010/main">
+                <a14:hiddenFill xmlns:a14="http://schemas.microsoft.com/office/drawing/2010/main" xmlns="">
                   <a:solidFill>
                     <a:srgbClr val="FFFFFF"/>
                   </a:solidFill>
                 </a14:hiddenFill>
               </a:ext>
               <a:ext uri="{91240B29-F687-4f45-9708-019B960494DF}">
-                <a14:hiddenLine xmlns="" xmlns:a14="http://schemas.microsoft.com/office/drawing/2010/main" w="9525">
+                <a14:hiddenLine xmlns:a14="http://schemas.microsoft.com/office/drawing/2010/main" xmlns="" w="9525">
                   <a:solidFill>
                     <a:srgbClr val="000000"/>
                   </a:solidFill>
@@ -8962,14 +8962,14 @@
             </a:ln>
             <a:extLst>
               <a:ext uri="{909E8E84-426E-40dd-AFC4-6F175D3DCCD1}">
-                <a14:hiddenFill xmlns="" xmlns:a14="http://schemas.microsoft.com/office/drawing/2010/main">
+                <a14:hiddenFill xmlns:a14="http://schemas.microsoft.com/office/drawing/2010/main" xmlns="">
                   <a:solidFill>
                     <a:srgbClr val="FFFFFF"/>
                   </a:solidFill>
                 </a14:hiddenFill>
               </a:ext>
               <a:ext uri="{91240B29-F687-4f45-9708-019B960494DF}">
-                <a14:hiddenLine xmlns="" xmlns:a14="http://schemas.microsoft.com/office/drawing/2010/main" w="9525">
+                <a14:hiddenLine xmlns:a14="http://schemas.microsoft.com/office/drawing/2010/main" xmlns="" w="9525">
                   <a:solidFill>
                     <a:srgbClr val="000000"/>
                   </a:solidFill>
@@ -9012,14 +9012,14 @@
             </a:ln>
             <a:extLst>
               <a:ext uri="{909E8E84-426E-40dd-AFC4-6F175D3DCCD1}">
-                <a14:hiddenFill xmlns="" xmlns:a14="http://schemas.microsoft.com/office/drawing/2010/main">
+                <a14:hiddenFill xmlns:a14="http://schemas.microsoft.com/office/drawing/2010/main" xmlns="">
                   <a:solidFill>
                     <a:srgbClr val="FFFFFF"/>
                   </a:solidFill>
                 </a14:hiddenFill>
               </a:ext>
               <a:ext uri="{91240B29-F687-4f45-9708-019B960494DF}">
-                <a14:hiddenLine xmlns="" xmlns:a14="http://schemas.microsoft.com/office/drawing/2010/main" w="9525">
+                <a14:hiddenLine xmlns:a14="http://schemas.microsoft.com/office/drawing/2010/main" xmlns="" w="9525">
                   <a:solidFill>
                     <a:srgbClr val="000000"/>
                   </a:solidFill>
@@ -9130,14 +9130,14 @@
             </a:ln>
             <a:extLst>
               <a:ext uri="{909E8E84-426E-40dd-AFC4-6F175D3DCCD1}">
-                <a14:hiddenFill xmlns="" xmlns:a14="http://schemas.microsoft.com/office/drawing/2010/main">
+                <a14:hiddenFill xmlns:a14="http://schemas.microsoft.com/office/drawing/2010/main" xmlns="">
                   <a:solidFill>
                     <a:srgbClr val="FFFFFF"/>
                   </a:solidFill>
                 </a14:hiddenFill>
               </a:ext>
               <a:ext uri="{91240B29-F687-4f45-9708-019B960494DF}">
-                <a14:hiddenLine xmlns="" xmlns:a14="http://schemas.microsoft.com/office/drawing/2010/main" w="9525">
+                <a14:hiddenLine xmlns:a14="http://schemas.microsoft.com/office/drawing/2010/main" xmlns="" w="9525">
                   <a:solidFill>
                     <a:srgbClr val="000000"/>
                   </a:solidFill>
@@ -9180,14 +9180,14 @@
             </a:ln>
             <a:extLst>
               <a:ext uri="{909E8E84-426E-40dd-AFC4-6F175D3DCCD1}">
-                <a14:hiddenFill xmlns="" xmlns:a14="http://schemas.microsoft.com/office/drawing/2010/main">
+                <a14:hiddenFill xmlns:a14="http://schemas.microsoft.com/office/drawing/2010/main" xmlns="">
                   <a:solidFill>
                     <a:srgbClr val="FFFFFF"/>
                   </a:solidFill>
                 </a14:hiddenFill>
               </a:ext>
               <a:ext uri="{91240B29-F687-4f45-9708-019B960494DF}">
-                <a14:hiddenLine xmlns="" xmlns:a14="http://schemas.microsoft.com/office/drawing/2010/main" w="9525">
+                <a14:hiddenLine xmlns:a14="http://schemas.microsoft.com/office/drawing/2010/main" xmlns="" w="9525">
                   <a:solidFill>
                     <a:srgbClr val="000000"/>
                   </a:solidFill>
@@ -9316,14 +9316,14 @@
             </a:ln>
             <a:extLst>
               <a:ext uri="{909E8E84-426E-40dd-AFC4-6F175D3DCCD1}">
-                <a14:hiddenFill xmlns="" xmlns:a14="http://schemas.microsoft.com/office/drawing/2010/main">
+                <a14:hiddenFill xmlns:a14="http://schemas.microsoft.com/office/drawing/2010/main" xmlns="">
                   <a:solidFill>
                     <a:srgbClr val="FFFFFF"/>
                   </a:solidFill>
                 </a14:hiddenFill>
               </a:ext>
               <a:ext uri="{91240B29-F687-4f45-9708-019B960494DF}">
-                <a14:hiddenLine xmlns="" xmlns:a14="http://schemas.microsoft.com/office/drawing/2010/main" w="9525">
+                <a14:hiddenLine xmlns:a14="http://schemas.microsoft.com/office/drawing/2010/main" xmlns="" w="9525">
                   <a:solidFill>
                     <a:srgbClr val="000000"/>
                   </a:solidFill>
@@ -9366,14 +9366,14 @@
             </a:ln>
             <a:extLst>
               <a:ext uri="{909E8E84-426E-40dd-AFC4-6F175D3DCCD1}">
-                <a14:hiddenFill xmlns="" xmlns:a14="http://schemas.microsoft.com/office/drawing/2010/main">
+                <a14:hiddenFill xmlns:a14="http://schemas.microsoft.com/office/drawing/2010/main" xmlns="">
                   <a:solidFill>
                     <a:srgbClr val="FFFFFF"/>
                   </a:solidFill>
                 </a14:hiddenFill>
               </a:ext>
               <a:ext uri="{91240B29-F687-4f45-9708-019B960494DF}">
-                <a14:hiddenLine xmlns="" xmlns:a14="http://schemas.microsoft.com/office/drawing/2010/main" w="9525">
+                <a14:hiddenLine xmlns:a14="http://schemas.microsoft.com/office/drawing/2010/main" xmlns="" w="9525">
                   <a:solidFill>
                     <a:srgbClr val="000000"/>
                   </a:solidFill>
@@ -9471,7 +9471,7 @@
           </a:ln>
           <a:extLst>
             <a:ext uri="{909E8E84-426E-40dd-AFC4-6F175D3DCCD1}">
-              <a14:hiddenFill xmlns="" xmlns:a14="http://schemas.microsoft.com/office/drawing/2010/main">
+              <a14:hiddenFill xmlns:a14="http://schemas.microsoft.com/office/drawing/2010/main" xmlns="">
                 <a:noFill/>
               </a14:hiddenFill>
             </a:ext>
@@ -9512,7 +9512,7 @@
           </a:ln>
           <a:extLst>
             <a:ext uri="{909E8E84-426E-40dd-AFC4-6F175D3DCCD1}">
-              <a14:hiddenFill xmlns="" xmlns:a14="http://schemas.microsoft.com/office/drawing/2010/main">
+              <a14:hiddenFill xmlns:a14="http://schemas.microsoft.com/office/drawing/2010/main" xmlns="">
                 <a:noFill/>
               </a14:hiddenFill>
             </a:ext>
@@ -9553,7 +9553,7 @@
           </a:ln>
           <a:extLst>
             <a:ext uri="{909E8E84-426E-40dd-AFC4-6F175D3DCCD1}">
-              <a14:hiddenFill xmlns="" xmlns:a14="http://schemas.microsoft.com/office/drawing/2010/main">
+              <a14:hiddenFill xmlns:a14="http://schemas.microsoft.com/office/drawing/2010/main" xmlns="">
                 <a:noFill/>
               </a14:hiddenFill>
             </a:ext>
@@ -9594,7 +9594,7 @@
           </a:ln>
           <a:extLst>
             <a:ext uri="{909E8E84-426E-40dd-AFC4-6F175D3DCCD1}">
-              <a14:hiddenFill xmlns="" xmlns:a14="http://schemas.microsoft.com/office/drawing/2010/main">
+              <a14:hiddenFill xmlns:a14="http://schemas.microsoft.com/office/drawing/2010/main" xmlns="">
                 <a:noFill/>
               </a14:hiddenFill>
             </a:ext>
@@ -9635,7 +9635,7 @@
           </a:ln>
           <a:extLst>
             <a:ext uri="{909E8E84-426E-40dd-AFC4-6F175D3DCCD1}">
-              <a14:hiddenFill xmlns="" xmlns:a14="http://schemas.microsoft.com/office/drawing/2010/main">
+              <a14:hiddenFill xmlns:a14="http://schemas.microsoft.com/office/drawing/2010/main" xmlns="">
                 <a:noFill/>
               </a14:hiddenFill>
             </a:ext>
@@ -9676,7 +9676,7 @@
           </a:ln>
           <a:extLst>
             <a:ext uri="{909E8E84-426E-40dd-AFC4-6F175D3DCCD1}">
-              <a14:hiddenFill xmlns="" xmlns:a14="http://schemas.microsoft.com/office/drawing/2010/main">
+              <a14:hiddenFill xmlns:a14="http://schemas.microsoft.com/office/drawing/2010/main" xmlns="">
                 <a:noFill/>
               </a14:hiddenFill>
             </a:ext>
@@ -9717,7 +9717,7 @@
           </a:ln>
           <a:extLst>
             <a:ext uri="{909E8E84-426E-40dd-AFC4-6F175D3DCCD1}">
-              <a14:hiddenFill xmlns="" xmlns:a14="http://schemas.microsoft.com/office/drawing/2010/main">
+              <a14:hiddenFill xmlns:a14="http://schemas.microsoft.com/office/drawing/2010/main" xmlns="">
                 <a:noFill/>
               </a14:hiddenFill>
             </a:ext>
@@ -9758,7 +9758,7 @@
           </a:ln>
           <a:extLst>
             <a:ext uri="{909E8E84-426E-40dd-AFC4-6F175D3DCCD1}">
-              <a14:hiddenFill xmlns="" xmlns:a14="http://schemas.microsoft.com/office/drawing/2010/main">
+              <a14:hiddenFill xmlns:a14="http://schemas.microsoft.com/office/drawing/2010/main" xmlns="">
                 <a:noFill/>
               </a14:hiddenFill>
             </a:ext>
@@ -9812,14 +9812,14 @@
             </a:ln>
             <a:extLst>
               <a:ext uri="{909E8E84-426E-40dd-AFC4-6F175D3DCCD1}">
-                <a14:hiddenFill xmlns="" xmlns:a14="http://schemas.microsoft.com/office/drawing/2010/main">
+                <a14:hiddenFill xmlns:a14="http://schemas.microsoft.com/office/drawing/2010/main" xmlns="">
                   <a:solidFill>
                     <a:srgbClr val="FFFFFF"/>
                   </a:solidFill>
                 </a14:hiddenFill>
               </a:ext>
               <a:ext uri="{91240B29-F687-4f45-9708-019B960494DF}">
-                <a14:hiddenLine xmlns="" xmlns:a14="http://schemas.microsoft.com/office/drawing/2010/main" w="9525">
+                <a14:hiddenLine xmlns:a14="http://schemas.microsoft.com/office/drawing/2010/main" xmlns="" w="9525">
                   <a:solidFill>
                     <a:srgbClr val="000000"/>
                   </a:solidFill>
@@ -9862,14 +9862,14 @@
             </a:ln>
             <a:extLst>
               <a:ext uri="{909E8E84-426E-40dd-AFC4-6F175D3DCCD1}">
-                <a14:hiddenFill xmlns="" xmlns:a14="http://schemas.microsoft.com/office/drawing/2010/main">
+                <a14:hiddenFill xmlns:a14="http://schemas.microsoft.com/office/drawing/2010/main" xmlns="">
                   <a:solidFill>
                     <a:srgbClr val="FFFFFF"/>
                   </a:solidFill>
                 </a14:hiddenFill>
               </a:ext>
               <a:ext uri="{91240B29-F687-4f45-9708-019B960494DF}">
-                <a14:hiddenLine xmlns="" xmlns:a14="http://schemas.microsoft.com/office/drawing/2010/main" w="9525">
+                <a14:hiddenLine xmlns:a14="http://schemas.microsoft.com/office/drawing/2010/main" xmlns="" w="9525">
                   <a:solidFill>
                     <a:srgbClr val="000000"/>
                   </a:solidFill>
@@ -9971,14 +9971,14 @@
             </a:ln>
             <a:extLst>
               <a:ext uri="{909E8E84-426E-40dd-AFC4-6F175D3DCCD1}">
-                <a14:hiddenFill xmlns="" xmlns:a14="http://schemas.microsoft.com/office/drawing/2010/main">
+                <a14:hiddenFill xmlns:a14="http://schemas.microsoft.com/office/drawing/2010/main" xmlns="">
                   <a:solidFill>
                     <a:srgbClr val="FFFFFF"/>
                   </a:solidFill>
                 </a14:hiddenFill>
               </a:ext>
               <a:ext uri="{91240B29-F687-4f45-9708-019B960494DF}">
-                <a14:hiddenLine xmlns="" xmlns:a14="http://schemas.microsoft.com/office/drawing/2010/main" w="9525">
+                <a14:hiddenLine xmlns:a14="http://schemas.microsoft.com/office/drawing/2010/main" xmlns="" w="9525">
                   <a:solidFill>
                     <a:srgbClr val="FF0000"/>
                   </a:solidFill>
@@ -10021,14 +10021,14 @@
             </a:ln>
             <a:extLst>
               <a:ext uri="{909E8E84-426E-40dd-AFC4-6F175D3DCCD1}">
-                <a14:hiddenFill xmlns="" xmlns:a14="http://schemas.microsoft.com/office/drawing/2010/main">
+                <a14:hiddenFill xmlns:a14="http://schemas.microsoft.com/office/drawing/2010/main" xmlns="">
                   <a:solidFill>
                     <a:srgbClr val="FFFFFF"/>
                   </a:solidFill>
                 </a14:hiddenFill>
               </a:ext>
               <a:ext uri="{91240B29-F687-4f45-9708-019B960494DF}">
-                <a14:hiddenLine xmlns="" xmlns:a14="http://schemas.microsoft.com/office/drawing/2010/main" w="9525">
+                <a14:hiddenLine xmlns:a14="http://schemas.microsoft.com/office/drawing/2010/main" xmlns="" w="9525">
                   <a:solidFill>
                     <a:srgbClr val="FF0000"/>
                   </a:solidFill>
@@ -10130,14 +10130,14 @@
             </a:ln>
             <a:extLst>
               <a:ext uri="{909E8E84-426E-40dd-AFC4-6F175D3DCCD1}">
-                <a14:hiddenFill xmlns="" xmlns:a14="http://schemas.microsoft.com/office/drawing/2010/main">
+                <a14:hiddenFill xmlns:a14="http://schemas.microsoft.com/office/drawing/2010/main" xmlns="">
                   <a:solidFill>
                     <a:srgbClr val="FFFFFF"/>
                   </a:solidFill>
                 </a14:hiddenFill>
               </a:ext>
               <a:ext uri="{91240B29-F687-4f45-9708-019B960494DF}">
-                <a14:hiddenLine xmlns="" xmlns:a14="http://schemas.microsoft.com/office/drawing/2010/main" w="9525">
+                <a14:hiddenLine xmlns:a14="http://schemas.microsoft.com/office/drawing/2010/main" xmlns="" w="9525">
                   <a:solidFill>
                     <a:schemeClr val="accent2"/>
                   </a:solidFill>
@@ -10180,14 +10180,14 @@
             </a:ln>
             <a:extLst>
               <a:ext uri="{909E8E84-426E-40dd-AFC4-6F175D3DCCD1}">
-                <a14:hiddenFill xmlns="" xmlns:a14="http://schemas.microsoft.com/office/drawing/2010/main">
+                <a14:hiddenFill xmlns:a14="http://schemas.microsoft.com/office/drawing/2010/main" xmlns="">
                   <a:solidFill>
                     <a:srgbClr val="FFFFFF"/>
                   </a:solidFill>
                 </a14:hiddenFill>
               </a:ext>
               <a:ext uri="{91240B29-F687-4f45-9708-019B960494DF}">
-                <a14:hiddenLine xmlns="" xmlns:a14="http://schemas.microsoft.com/office/drawing/2010/main" w="9525">
+                <a14:hiddenLine xmlns:a14="http://schemas.microsoft.com/office/drawing/2010/main" xmlns="" w="9525">
                   <a:solidFill>
                     <a:schemeClr val="accent2"/>
                   </a:solidFill>
@@ -10289,14 +10289,14 @@
             </a:ln>
             <a:extLst>
               <a:ext uri="{909E8E84-426E-40dd-AFC4-6F175D3DCCD1}">
-                <a14:hiddenFill xmlns="" xmlns:a14="http://schemas.microsoft.com/office/drawing/2010/main">
+                <a14:hiddenFill xmlns:a14="http://schemas.microsoft.com/office/drawing/2010/main" xmlns="">
                   <a:solidFill>
                     <a:srgbClr val="FFFFFF"/>
                   </a:solidFill>
                 </a14:hiddenFill>
               </a:ext>
               <a:ext uri="{91240B29-F687-4f45-9708-019B960494DF}">
-                <a14:hiddenLine xmlns="" xmlns:a14="http://schemas.microsoft.com/office/drawing/2010/main" w="9525">
+                <a14:hiddenLine xmlns:a14="http://schemas.microsoft.com/office/drawing/2010/main" xmlns="" w="9525">
                   <a:solidFill>
                     <a:srgbClr val="000000"/>
                   </a:solidFill>
@@ -10339,14 +10339,14 @@
             </a:ln>
             <a:extLst>
               <a:ext uri="{909E8E84-426E-40dd-AFC4-6F175D3DCCD1}">
-                <a14:hiddenFill xmlns="" xmlns:a14="http://schemas.microsoft.com/office/drawing/2010/main">
+                <a14:hiddenFill xmlns:a14="http://schemas.microsoft.com/office/drawing/2010/main" xmlns="">
                   <a:solidFill>
                     <a:srgbClr val="FFFFFF"/>
                   </a:solidFill>
                 </a14:hiddenFill>
               </a:ext>
               <a:ext uri="{91240B29-F687-4f45-9708-019B960494DF}">
-                <a14:hiddenLine xmlns="" xmlns:a14="http://schemas.microsoft.com/office/drawing/2010/main" w="9525">
+                <a14:hiddenLine xmlns:a14="http://schemas.microsoft.com/office/drawing/2010/main" xmlns="" w="9525">
                   <a:solidFill>
                     <a:srgbClr val="000000"/>
                   </a:solidFill>
@@ -10485,7 +10485,7 @@
           </a:xfrm>
           <a:extLst>
             <a:ext uri="{91240B29-F687-4f45-9708-019B960494DF}">
-              <a14:hiddenLine xmlns="" xmlns:a14="http://schemas.microsoft.com/office/drawing/2010/main" w="9525">
+              <a14:hiddenLine xmlns:a14="http://schemas.microsoft.com/office/drawing/2010/main" xmlns="" w="9525">
                 <a:solidFill>
                   <a:srgbClr val="000000"/>
                 </a:solidFill>
@@ -10554,7 +10554,7 @@
           </a:xfrm>
           <a:extLst>
             <a:ext uri="{91240B29-F687-4f45-9708-019B960494DF}">
-              <a14:hiddenLine xmlns="" xmlns:a14="http://schemas.microsoft.com/office/drawing/2010/main" w="9525">
+              <a14:hiddenLine xmlns:a14="http://schemas.microsoft.com/office/drawing/2010/main" xmlns="" w="9525">
                 <a:solidFill>
                   <a:srgbClr val="000000"/>
                 </a:solidFill>
@@ -10926,7 +10926,7 @@
           </a:xfrm>
           <a:extLst>
             <a:ext uri="{91240B29-F687-4f45-9708-019B960494DF}">
-              <a14:hiddenLine xmlns="" xmlns:a14="http://schemas.microsoft.com/office/drawing/2010/main" w="9525">
+              <a14:hiddenLine xmlns:a14="http://schemas.microsoft.com/office/drawing/2010/main" xmlns="" w="9525">
                 <a:solidFill>
                   <a:srgbClr val="000000"/>
                 </a:solidFill>
@@ -10995,7 +10995,7 @@
           </a:xfrm>
           <a:extLst>
             <a:ext uri="{91240B29-F687-4f45-9708-019B960494DF}">
-              <a14:hiddenLine xmlns="" xmlns:a14="http://schemas.microsoft.com/office/drawing/2010/main" w="9525">
+              <a14:hiddenLine xmlns:a14="http://schemas.microsoft.com/office/drawing/2010/main" xmlns="" w="9525">
                 <a:solidFill>
                   <a:srgbClr val="000000"/>
                 </a:solidFill>
@@ -11317,7 +11317,7 @@
           </a:xfrm>
           <a:extLst>
             <a:ext uri="{91240B29-F687-4f45-9708-019B960494DF}">
-              <a14:hiddenLine xmlns="" xmlns:a14="http://schemas.microsoft.com/office/drawing/2010/main" w="9525">
+              <a14:hiddenLine xmlns:a14="http://schemas.microsoft.com/office/drawing/2010/main" xmlns="" w="9525">
                 <a:solidFill>
                   <a:srgbClr val="000000"/>
                 </a:solidFill>
@@ -11396,7 +11396,7 @@
           </a:ln>
           <a:extLst>
             <a:ext uri="{909E8E84-426E-40dd-AFC4-6F175D3DCCD1}">
-              <a14:hiddenFill xmlns="" xmlns:a14="http://schemas.microsoft.com/office/drawing/2010/main">
+              <a14:hiddenFill xmlns:a14="http://schemas.microsoft.com/office/drawing/2010/main" xmlns="">
                 <a:noFill/>
               </a14:hiddenFill>
             </a:ext>
@@ -11450,14 +11450,14 @@
             </a:ln>
             <a:extLst>
               <a:ext uri="{909E8E84-426E-40dd-AFC4-6F175D3DCCD1}">
-                <a14:hiddenFill xmlns="" xmlns:a14="http://schemas.microsoft.com/office/drawing/2010/main">
+                <a14:hiddenFill xmlns:a14="http://schemas.microsoft.com/office/drawing/2010/main" xmlns="">
                   <a:solidFill>
                     <a:srgbClr val="FFFFFF"/>
                   </a:solidFill>
                 </a14:hiddenFill>
               </a:ext>
               <a:ext uri="{91240B29-F687-4f45-9708-019B960494DF}">
-                <a14:hiddenLine xmlns="" xmlns:a14="http://schemas.microsoft.com/office/drawing/2010/main" w="9525">
+                <a14:hiddenLine xmlns:a14="http://schemas.microsoft.com/office/drawing/2010/main" xmlns="" w="9525">
                   <a:solidFill>
                     <a:srgbClr val="000000"/>
                   </a:solidFill>
@@ -11500,14 +11500,14 @@
             </a:ln>
             <a:extLst>
               <a:ext uri="{909E8E84-426E-40dd-AFC4-6F175D3DCCD1}">
-                <a14:hiddenFill xmlns="" xmlns:a14="http://schemas.microsoft.com/office/drawing/2010/main">
+                <a14:hiddenFill xmlns:a14="http://schemas.microsoft.com/office/drawing/2010/main" xmlns="">
                   <a:solidFill>
                     <a:srgbClr val="FFFFFF"/>
                   </a:solidFill>
                 </a14:hiddenFill>
               </a:ext>
               <a:ext uri="{91240B29-F687-4f45-9708-019B960494DF}">
-                <a14:hiddenLine xmlns="" xmlns:a14="http://schemas.microsoft.com/office/drawing/2010/main" w="9525">
+                <a14:hiddenLine xmlns:a14="http://schemas.microsoft.com/office/drawing/2010/main" xmlns="" w="9525">
                   <a:solidFill>
                     <a:srgbClr val="000000"/>
                   </a:solidFill>
@@ -11609,14 +11609,14 @@
             </a:ln>
             <a:extLst>
               <a:ext uri="{909E8E84-426E-40dd-AFC4-6F175D3DCCD1}">
-                <a14:hiddenFill xmlns="" xmlns:a14="http://schemas.microsoft.com/office/drawing/2010/main">
+                <a14:hiddenFill xmlns:a14="http://schemas.microsoft.com/office/drawing/2010/main" xmlns="">
                   <a:solidFill>
                     <a:srgbClr val="FFFFFF"/>
                   </a:solidFill>
                 </a14:hiddenFill>
               </a:ext>
               <a:ext uri="{91240B29-F687-4f45-9708-019B960494DF}">
-                <a14:hiddenLine xmlns="" xmlns:a14="http://schemas.microsoft.com/office/drawing/2010/main" w="9525">
+                <a14:hiddenLine xmlns:a14="http://schemas.microsoft.com/office/drawing/2010/main" xmlns="" w="9525">
                   <a:solidFill>
                     <a:srgbClr val="000000"/>
                   </a:solidFill>
@@ -11659,14 +11659,14 @@
             </a:ln>
             <a:extLst>
               <a:ext uri="{909E8E84-426E-40dd-AFC4-6F175D3DCCD1}">
-                <a14:hiddenFill xmlns="" xmlns:a14="http://schemas.microsoft.com/office/drawing/2010/main">
+                <a14:hiddenFill xmlns:a14="http://schemas.microsoft.com/office/drawing/2010/main" xmlns="">
                   <a:solidFill>
                     <a:srgbClr val="FFFFFF"/>
                   </a:solidFill>
                 </a14:hiddenFill>
               </a:ext>
               <a:ext uri="{91240B29-F687-4f45-9708-019B960494DF}">
-                <a14:hiddenLine xmlns="" xmlns:a14="http://schemas.microsoft.com/office/drawing/2010/main" w="9525">
+                <a14:hiddenLine xmlns:a14="http://schemas.microsoft.com/office/drawing/2010/main" xmlns="" w="9525">
                   <a:solidFill>
                     <a:srgbClr val="000000"/>
                   </a:solidFill>
@@ -11768,14 +11768,14 @@
             </a:ln>
             <a:extLst>
               <a:ext uri="{909E8E84-426E-40dd-AFC4-6F175D3DCCD1}">
-                <a14:hiddenFill xmlns="" xmlns:a14="http://schemas.microsoft.com/office/drawing/2010/main">
+                <a14:hiddenFill xmlns:a14="http://schemas.microsoft.com/office/drawing/2010/main" xmlns="">
                   <a:solidFill>
                     <a:srgbClr val="FFFFFF"/>
                   </a:solidFill>
                 </a14:hiddenFill>
               </a:ext>
               <a:ext uri="{91240B29-F687-4f45-9708-019B960494DF}">
-                <a14:hiddenLine xmlns="" xmlns:a14="http://schemas.microsoft.com/office/drawing/2010/main" w="9525">
+                <a14:hiddenLine xmlns:a14="http://schemas.microsoft.com/office/drawing/2010/main" xmlns="" w="9525">
                   <a:solidFill>
                     <a:srgbClr val="000000"/>
                   </a:solidFill>
@@ -11818,14 +11818,14 @@
             </a:ln>
             <a:extLst>
               <a:ext uri="{909E8E84-426E-40dd-AFC4-6F175D3DCCD1}">
-                <a14:hiddenFill xmlns="" xmlns:a14="http://schemas.microsoft.com/office/drawing/2010/main">
+                <a14:hiddenFill xmlns:a14="http://schemas.microsoft.com/office/drawing/2010/main" xmlns="">
                   <a:solidFill>
                     <a:srgbClr val="FFFFFF"/>
                   </a:solidFill>
                 </a14:hiddenFill>
               </a:ext>
               <a:ext uri="{91240B29-F687-4f45-9708-019B960494DF}">
-                <a14:hiddenLine xmlns="" xmlns:a14="http://schemas.microsoft.com/office/drawing/2010/main" w="9525">
+                <a14:hiddenLine xmlns:a14="http://schemas.microsoft.com/office/drawing/2010/main" xmlns="" w="9525">
                   <a:solidFill>
                     <a:srgbClr val="000000"/>
                   </a:solidFill>
@@ -11923,7 +11923,7 @@
           </a:ln>
           <a:extLst>
             <a:ext uri="{909E8E84-426E-40dd-AFC4-6F175D3DCCD1}">
-              <a14:hiddenFill xmlns="" xmlns:a14="http://schemas.microsoft.com/office/drawing/2010/main">
+              <a14:hiddenFill xmlns:a14="http://schemas.microsoft.com/office/drawing/2010/main" xmlns="">
                 <a:noFill/>
               </a14:hiddenFill>
             </a:ext>
@@ -11964,7 +11964,7 @@
           </a:ln>
           <a:extLst>
             <a:ext uri="{909E8E84-426E-40dd-AFC4-6F175D3DCCD1}">
-              <a14:hiddenFill xmlns="" xmlns:a14="http://schemas.microsoft.com/office/drawing/2010/main">
+              <a14:hiddenFill xmlns:a14="http://schemas.microsoft.com/office/drawing/2010/main" xmlns="">
                 <a:noFill/>
               </a14:hiddenFill>
             </a:ext>
@@ -12018,14 +12018,14 @@
             </a:ln>
             <a:extLst>
               <a:ext uri="{909E8E84-426E-40dd-AFC4-6F175D3DCCD1}">
-                <a14:hiddenFill xmlns="" xmlns:a14="http://schemas.microsoft.com/office/drawing/2010/main">
+                <a14:hiddenFill xmlns:a14="http://schemas.microsoft.com/office/drawing/2010/main" xmlns="">
                   <a:solidFill>
                     <a:srgbClr val="FFFFFF"/>
                   </a:solidFill>
                 </a14:hiddenFill>
               </a:ext>
               <a:ext uri="{91240B29-F687-4f45-9708-019B960494DF}">
-                <a14:hiddenLine xmlns="" xmlns:a14="http://schemas.microsoft.com/office/drawing/2010/main" w="9525">
+                <a14:hiddenLine xmlns:a14="http://schemas.microsoft.com/office/drawing/2010/main" xmlns="" w="9525">
                   <a:solidFill>
                     <a:srgbClr val="FF0000"/>
                   </a:solidFill>
@@ -12068,14 +12068,14 @@
             </a:ln>
             <a:extLst>
               <a:ext uri="{909E8E84-426E-40dd-AFC4-6F175D3DCCD1}">
-                <a14:hiddenFill xmlns="" xmlns:a14="http://schemas.microsoft.com/office/drawing/2010/main">
+                <a14:hiddenFill xmlns:a14="http://schemas.microsoft.com/office/drawing/2010/main" xmlns="">
                   <a:solidFill>
                     <a:srgbClr val="FFFFFF"/>
                   </a:solidFill>
                 </a14:hiddenFill>
               </a:ext>
               <a:ext uri="{91240B29-F687-4f45-9708-019B960494DF}">
-                <a14:hiddenLine xmlns="" xmlns:a14="http://schemas.microsoft.com/office/drawing/2010/main" w="9525">
+                <a14:hiddenLine xmlns:a14="http://schemas.microsoft.com/office/drawing/2010/main" xmlns="" w="9525">
                   <a:solidFill>
                     <a:srgbClr val="FF0000"/>
                   </a:solidFill>
@@ -12177,14 +12177,14 @@
             </a:ln>
             <a:extLst>
               <a:ext uri="{909E8E84-426E-40dd-AFC4-6F175D3DCCD1}">
-                <a14:hiddenFill xmlns="" xmlns:a14="http://schemas.microsoft.com/office/drawing/2010/main">
+                <a14:hiddenFill xmlns:a14="http://schemas.microsoft.com/office/drawing/2010/main" xmlns="">
                   <a:solidFill>
                     <a:srgbClr val="FFFFFF"/>
                   </a:solidFill>
                 </a14:hiddenFill>
               </a:ext>
               <a:ext uri="{91240B29-F687-4f45-9708-019B960494DF}">
-                <a14:hiddenLine xmlns="" xmlns:a14="http://schemas.microsoft.com/office/drawing/2010/main" w="9525">
+                <a14:hiddenLine xmlns:a14="http://schemas.microsoft.com/office/drawing/2010/main" xmlns="" w="9525">
                   <a:solidFill>
                     <a:srgbClr val="FF0000"/>
                   </a:solidFill>
@@ -12227,14 +12227,14 @@
             </a:ln>
             <a:extLst>
               <a:ext uri="{909E8E84-426E-40dd-AFC4-6F175D3DCCD1}">
-                <a14:hiddenFill xmlns="" xmlns:a14="http://schemas.microsoft.com/office/drawing/2010/main">
+                <a14:hiddenFill xmlns:a14="http://schemas.microsoft.com/office/drawing/2010/main" xmlns="">
                   <a:solidFill>
                     <a:srgbClr val="FFFFFF"/>
                   </a:solidFill>
                 </a14:hiddenFill>
               </a:ext>
               <a:ext uri="{91240B29-F687-4f45-9708-019B960494DF}">
-                <a14:hiddenLine xmlns="" xmlns:a14="http://schemas.microsoft.com/office/drawing/2010/main" w="9525">
+                <a14:hiddenLine xmlns:a14="http://schemas.microsoft.com/office/drawing/2010/main" xmlns="" w="9525">
                   <a:solidFill>
                     <a:srgbClr val="FF0000"/>
                   </a:solidFill>
@@ -12323,7 +12323,7 @@
           </a:ln>
           <a:extLst>
             <a:ext uri="{909E8E84-426E-40dd-AFC4-6F175D3DCCD1}">
-              <a14:hiddenFill xmlns="" xmlns:a14="http://schemas.microsoft.com/office/drawing/2010/main">
+              <a14:hiddenFill xmlns:a14="http://schemas.microsoft.com/office/drawing/2010/main" xmlns="">
                 <a:noFill/>
               </a14:hiddenFill>
             </a:ext>
@@ -12364,7 +12364,7 @@
           </a:ln>
           <a:extLst>
             <a:ext uri="{909E8E84-426E-40dd-AFC4-6F175D3DCCD1}">
-              <a14:hiddenFill xmlns="" xmlns:a14="http://schemas.microsoft.com/office/drawing/2010/main">
+              <a14:hiddenFill xmlns:a14="http://schemas.microsoft.com/office/drawing/2010/main" xmlns="">
                 <a:noFill/>
               </a14:hiddenFill>
             </a:ext>
@@ -12418,14 +12418,14 @@
             </a:ln>
             <a:extLst>
               <a:ext uri="{909E8E84-426E-40dd-AFC4-6F175D3DCCD1}">
-                <a14:hiddenFill xmlns="" xmlns:a14="http://schemas.microsoft.com/office/drawing/2010/main">
+                <a14:hiddenFill xmlns:a14="http://schemas.microsoft.com/office/drawing/2010/main" xmlns="">
                   <a:solidFill>
                     <a:srgbClr val="FFFFFF"/>
                   </a:solidFill>
                 </a14:hiddenFill>
               </a:ext>
               <a:ext uri="{91240B29-F687-4f45-9708-019B960494DF}">
-                <a14:hiddenLine xmlns="" xmlns:a14="http://schemas.microsoft.com/office/drawing/2010/main" w="9525">
+                <a14:hiddenLine xmlns:a14="http://schemas.microsoft.com/office/drawing/2010/main" xmlns="" w="9525">
                   <a:solidFill>
                     <a:srgbClr val="000000"/>
                   </a:solidFill>
@@ -12468,14 +12468,14 @@
             </a:ln>
             <a:extLst>
               <a:ext uri="{909E8E84-426E-40dd-AFC4-6F175D3DCCD1}">
-                <a14:hiddenFill xmlns="" xmlns:a14="http://schemas.microsoft.com/office/drawing/2010/main">
+                <a14:hiddenFill xmlns:a14="http://schemas.microsoft.com/office/drawing/2010/main" xmlns="">
                   <a:solidFill>
                     <a:srgbClr val="FFFFFF"/>
                   </a:solidFill>
                 </a14:hiddenFill>
               </a:ext>
               <a:ext uri="{91240B29-F687-4f45-9708-019B960494DF}">
-                <a14:hiddenLine xmlns="" xmlns:a14="http://schemas.microsoft.com/office/drawing/2010/main" w="9525">
+                <a14:hiddenLine xmlns:a14="http://schemas.microsoft.com/office/drawing/2010/main" xmlns="" w="9525">
                   <a:solidFill>
                     <a:srgbClr val="000000"/>
                   </a:solidFill>
@@ -12573,7 +12573,7 @@
           </a:ln>
           <a:extLst>
             <a:ext uri="{909E8E84-426E-40dd-AFC4-6F175D3DCCD1}">
-              <a14:hiddenFill xmlns="" xmlns:a14="http://schemas.microsoft.com/office/drawing/2010/main">
+              <a14:hiddenFill xmlns:a14="http://schemas.microsoft.com/office/drawing/2010/main" xmlns="">
                 <a:noFill/>
               </a14:hiddenFill>
             </a:ext>
@@ -12614,7 +12614,7 @@
           </a:ln>
           <a:extLst>
             <a:ext uri="{909E8E84-426E-40dd-AFC4-6F175D3DCCD1}">
-              <a14:hiddenFill xmlns="" xmlns:a14="http://schemas.microsoft.com/office/drawing/2010/main">
+              <a14:hiddenFill xmlns:a14="http://schemas.microsoft.com/office/drawing/2010/main" xmlns="">
                 <a:noFill/>
               </a14:hiddenFill>
             </a:ext>
@@ -12668,14 +12668,14 @@
             </a:ln>
             <a:extLst>
               <a:ext uri="{909E8E84-426E-40dd-AFC4-6F175D3DCCD1}">
-                <a14:hiddenFill xmlns="" xmlns:a14="http://schemas.microsoft.com/office/drawing/2010/main">
+                <a14:hiddenFill xmlns:a14="http://schemas.microsoft.com/office/drawing/2010/main" xmlns="">
                   <a:solidFill>
                     <a:srgbClr val="FFFFFF"/>
                   </a:solidFill>
                 </a14:hiddenFill>
               </a:ext>
               <a:ext uri="{91240B29-F687-4f45-9708-019B960494DF}">
-                <a14:hiddenLine xmlns="" xmlns:a14="http://schemas.microsoft.com/office/drawing/2010/main" w="9525">
+                <a14:hiddenLine xmlns:a14="http://schemas.microsoft.com/office/drawing/2010/main" xmlns="" w="9525">
                   <a:solidFill>
                     <a:srgbClr val="000000"/>
                   </a:solidFill>
@@ -12718,14 +12718,14 @@
             </a:ln>
             <a:extLst>
               <a:ext uri="{909E8E84-426E-40dd-AFC4-6F175D3DCCD1}">
-                <a14:hiddenFill xmlns="" xmlns:a14="http://schemas.microsoft.com/office/drawing/2010/main">
+                <a14:hiddenFill xmlns:a14="http://schemas.microsoft.com/office/drawing/2010/main" xmlns="">
                   <a:solidFill>
                     <a:srgbClr val="FFFFFF"/>
                   </a:solidFill>
                 </a14:hiddenFill>
               </a:ext>
               <a:ext uri="{91240B29-F687-4f45-9708-019B960494DF}">
-                <a14:hiddenLine xmlns="" xmlns:a14="http://schemas.microsoft.com/office/drawing/2010/main" w="9525">
+                <a14:hiddenLine xmlns:a14="http://schemas.microsoft.com/office/drawing/2010/main" xmlns="" w="9525">
                   <a:solidFill>
                     <a:srgbClr val="000000"/>
                   </a:solidFill>
@@ -12823,7 +12823,7 @@
           </a:ln>
           <a:extLst>
             <a:ext uri="{909E8E84-426E-40dd-AFC4-6F175D3DCCD1}">
-              <a14:hiddenFill xmlns="" xmlns:a14="http://schemas.microsoft.com/office/drawing/2010/main">
+              <a14:hiddenFill xmlns:a14="http://schemas.microsoft.com/office/drawing/2010/main" xmlns="">
                 <a:noFill/>
               </a14:hiddenFill>
             </a:ext>
@@ -12864,7 +12864,7 @@
           </a:ln>
           <a:extLst>
             <a:ext uri="{909E8E84-426E-40dd-AFC4-6F175D3DCCD1}">
-              <a14:hiddenFill xmlns="" xmlns:a14="http://schemas.microsoft.com/office/drawing/2010/main">
+              <a14:hiddenFill xmlns:a14="http://schemas.microsoft.com/office/drawing/2010/main" xmlns="">
                 <a:noFill/>
               </a14:hiddenFill>
             </a:ext>
@@ -12918,14 +12918,14 @@
             </a:ln>
             <a:extLst>
               <a:ext uri="{909E8E84-426E-40dd-AFC4-6F175D3DCCD1}">
-                <a14:hiddenFill xmlns="" xmlns:a14="http://schemas.microsoft.com/office/drawing/2010/main">
+                <a14:hiddenFill xmlns:a14="http://schemas.microsoft.com/office/drawing/2010/main" xmlns="">
                   <a:solidFill>
                     <a:srgbClr val="FFFFFF"/>
                   </a:solidFill>
                 </a14:hiddenFill>
               </a:ext>
               <a:ext uri="{91240B29-F687-4f45-9708-019B960494DF}">
-                <a14:hiddenLine xmlns="" xmlns:a14="http://schemas.microsoft.com/office/drawing/2010/main" w="9525">
+                <a14:hiddenLine xmlns:a14="http://schemas.microsoft.com/office/drawing/2010/main" xmlns="" w="9525">
                   <a:solidFill>
                     <a:srgbClr val="000000"/>
                   </a:solidFill>
@@ -12968,14 +12968,14 @@
             </a:ln>
             <a:extLst>
               <a:ext uri="{909E8E84-426E-40dd-AFC4-6F175D3DCCD1}">
-                <a14:hiddenFill xmlns="" xmlns:a14="http://schemas.microsoft.com/office/drawing/2010/main">
+                <a14:hiddenFill xmlns:a14="http://schemas.microsoft.com/office/drawing/2010/main" xmlns="">
                   <a:solidFill>
                     <a:srgbClr val="FFFFFF"/>
                   </a:solidFill>
                 </a14:hiddenFill>
               </a:ext>
               <a:ext uri="{91240B29-F687-4f45-9708-019B960494DF}">
-                <a14:hiddenLine xmlns="" xmlns:a14="http://schemas.microsoft.com/office/drawing/2010/main" w="9525">
+                <a14:hiddenLine xmlns:a14="http://schemas.microsoft.com/office/drawing/2010/main" xmlns="" w="9525">
                   <a:solidFill>
                     <a:srgbClr val="000000"/>
                   </a:solidFill>
@@ -13073,7 +13073,7 @@
           </a:ln>
           <a:extLst>
             <a:ext uri="{909E8E84-426E-40dd-AFC4-6F175D3DCCD1}">
-              <a14:hiddenFill xmlns="" xmlns:a14="http://schemas.microsoft.com/office/drawing/2010/main">
+              <a14:hiddenFill xmlns:a14="http://schemas.microsoft.com/office/drawing/2010/main" xmlns="">
                 <a:noFill/>
               </a14:hiddenFill>
             </a:ext>
@@ -13114,7 +13114,7 @@
           </a:ln>
           <a:extLst>
             <a:ext uri="{909E8E84-426E-40dd-AFC4-6F175D3DCCD1}">
-              <a14:hiddenFill xmlns="" xmlns:a14="http://schemas.microsoft.com/office/drawing/2010/main">
+              <a14:hiddenFill xmlns:a14="http://schemas.microsoft.com/office/drawing/2010/main" xmlns="">
                 <a:noFill/>
               </a14:hiddenFill>
             </a:ext>
@@ -13168,14 +13168,14 @@
             </a:ln>
             <a:extLst>
               <a:ext uri="{909E8E84-426E-40dd-AFC4-6F175D3DCCD1}">
-                <a14:hiddenFill xmlns="" xmlns:a14="http://schemas.microsoft.com/office/drawing/2010/main">
+                <a14:hiddenFill xmlns:a14="http://schemas.microsoft.com/office/drawing/2010/main" xmlns="">
                   <a:solidFill>
                     <a:srgbClr val="FFFFFF"/>
                   </a:solidFill>
                 </a14:hiddenFill>
               </a:ext>
               <a:ext uri="{91240B29-F687-4f45-9708-019B960494DF}">
-                <a14:hiddenLine xmlns="" xmlns:a14="http://schemas.microsoft.com/office/drawing/2010/main" w="9525">
+                <a14:hiddenLine xmlns:a14="http://schemas.microsoft.com/office/drawing/2010/main" xmlns="" w="9525">
                   <a:solidFill>
                     <a:srgbClr val="000000"/>
                   </a:solidFill>
@@ -13218,14 +13218,14 @@
             </a:ln>
             <a:extLst>
               <a:ext uri="{909E8E84-426E-40dd-AFC4-6F175D3DCCD1}">
-                <a14:hiddenFill xmlns="" xmlns:a14="http://schemas.microsoft.com/office/drawing/2010/main">
+                <a14:hiddenFill xmlns:a14="http://schemas.microsoft.com/office/drawing/2010/main" xmlns="">
                   <a:solidFill>
                     <a:srgbClr val="FFFFFF"/>
                   </a:solidFill>
                 </a14:hiddenFill>
               </a:ext>
               <a:ext uri="{91240B29-F687-4f45-9708-019B960494DF}">
-                <a14:hiddenLine xmlns="" xmlns:a14="http://schemas.microsoft.com/office/drawing/2010/main" w="9525">
+                <a14:hiddenLine xmlns:a14="http://schemas.microsoft.com/office/drawing/2010/main" xmlns="" w="9525">
                   <a:solidFill>
                     <a:srgbClr val="000000"/>
                   </a:solidFill>
@@ -13323,7 +13323,7 @@
           </a:ln>
           <a:extLst>
             <a:ext uri="{909E8E84-426E-40dd-AFC4-6F175D3DCCD1}">
-              <a14:hiddenFill xmlns="" xmlns:a14="http://schemas.microsoft.com/office/drawing/2010/main">
+              <a14:hiddenFill xmlns:a14="http://schemas.microsoft.com/office/drawing/2010/main" xmlns="">
                 <a:noFill/>
               </a14:hiddenFill>
             </a:ext>
@@ -14304,7 +14304,7 @@
           <a:effectLst/>
           <a:extLst>
             <a:ext uri="{91240B29-F687-4f45-9708-019B960494DF}">
-              <a14:hiddenLine xmlns="" xmlns:a14="http://schemas.microsoft.com/office/drawing/2010/main" w="12700">
+              <a14:hiddenLine xmlns:a14="http://schemas.microsoft.com/office/drawing/2010/main" xmlns="" w="12700">
                 <a:solidFill>
                   <a:schemeClr val="tx1"/>
                 </a:solidFill>
@@ -14314,7 +14314,7 @@
               </a14:hiddenLine>
             </a:ext>
             <a:ext uri="{AF507438-7753-43e0-B8FC-AC1667EBCBE1}">
-              <a14:hiddenEffects xmlns="" xmlns:a14="http://schemas.microsoft.com/office/drawing/2010/main">
+              <a14:hiddenEffects xmlns:a14="http://schemas.microsoft.com/office/drawing/2010/main" xmlns="">
                 <a:effectLst>
                   <a:outerShdw blurRad="63500" dist="38099" dir="2700000" algn="ctr" rotWithShape="0">
                     <a:schemeClr val="bg2">
@@ -14577,14 +14577,14 @@
           <a:effectLst/>
           <a:extLst>
             <a:ext uri="{909E8E84-426E-40dd-AFC4-6F175D3DCCD1}">
-              <a14:hiddenFill xmlns="" xmlns:a14="http://schemas.microsoft.com/office/drawing/2010/main">
+              <a14:hiddenFill xmlns:a14="http://schemas.microsoft.com/office/drawing/2010/main" xmlns="">
                 <a:solidFill>
                   <a:schemeClr val="accent1"/>
                 </a:solidFill>
               </a14:hiddenFill>
             </a:ext>
             <a:ext uri="{91240B29-F687-4f45-9708-019B960494DF}">
-              <a14:hiddenLine xmlns="" xmlns:a14="http://schemas.microsoft.com/office/drawing/2010/main" w="9525">
+              <a14:hiddenLine xmlns:a14="http://schemas.microsoft.com/office/drawing/2010/main" xmlns="" w="9525">
                 <a:solidFill>
                   <a:schemeClr val="tx1"/>
                 </a:solidFill>
@@ -14594,7 +14594,7 @@
               </a14:hiddenLine>
             </a:ext>
             <a:ext uri="{AF507438-7753-43e0-B8FC-AC1667EBCBE1}">
-              <a14:hiddenEffects xmlns="" xmlns:a14="http://schemas.microsoft.com/office/drawing/2010/main">
+              <a14:hiddenEffects xmlns:a14="http://schemas.microsoft.com/office/drawing/2010/main" xmlns="">
                 <a:effectLst>
                   <a:outerShdw blurRad="63500" dist="38099" dir="2700000" algn="ctr" rotWithShape="0">
                     <a:srgbClr val="000000">
@@ -14661,7 +14661,7 @@
           <a:effectLst/>
           <a:extLst>
             <a:ext uri="{AF507438-7753-43e0-B8FC-AC1667EBCBE1}">
-              <a14:hiddenEffects xmlns="" xmlns:a14="http://schemas.microsoft.com/office/drawing/2010/main">
+              <a14:hiddenEffects xmlns:a14="http://schemas.microsoft.com/office/drawing/2010/main" xmlns="">
                 <a:effectLst>
                   <a:outerShdw blurRad="63500" dist="38099" dir="2700000" algn="ctr" rotWithShape="0">
                     <a:srgbClr val="000000">
@@ -14731,7 +14731,7 @@
           <a:noFill/>
           <a:extLst>
             <a:ext uri="{909E8E84-426E-40dd-AFC4-6F175D3DCCD1}">
-              <a14:hiddenFill xmlns="" xmlns:a14="http://schemas.microsoft.com/office/drawing/2010/main">
+              <a14:hiddenFill xmlns:a14="http://schemas.microsoft.com/office/drawing/2010/main" xmlns="">
                 <a:solidFill>
                   <a:srgbClr val="FFFFFF"/>
                 </a:solidFill>
@@ -14763,14 +14763,14 @@
           <a:effectLst/>
           <a:extLst>
             <a:ext uri="{909E8E84-426E-40dd-AFC4-6F175D3DCCD1}">
-              <a14:hiddenFill xmlns="" xmlns:a14="http://schemas.microsoft.com/office/drawing/2010/main">
+              <a14:hiddenFill xmlns:a14="http://schemas.microsoft.com/office/drawing/2010/main" xmlns="">
                 <a:solidFill>
                   <a:schemeClr val="accent1"/>
                 </a:solidFill>
               </a14:hiddenFill>
             </a:ext>
             <a:ext uri="{91240B29-F687-4f45-9708-019B960494DF}">
-              <a14:hiddenLine xmlns="" xmlns:a14="http://schemas.microsoft.com/office/drawing/2010/main" w="9525">
+              <a14:hiddenLine xmlns:a14="http://schemas.microsoft.com/office/drawing/2010/main" xmlns="" w="9525">
                 <a:solidFill>
                   <a:schemeClr val="tx1"/>
                 </a:solidFill>
@@ -14780,7 +14780,7 @@
               </a14:hiddenLine>
             </a:ext>
             <a:ext uri="{AF507438-7753-43e0-B8FC-AC1667EBCBE1}">
-              <a14:hiddenEffects xmlns="" xmlns:a14="http://schemas.microsoft.com/office/drawing/2010/main">
+              <a14:hiddenEffects xmlns:a14="http://schemas.microsoft.com/office/drawing/2010/main" xmlns="">
                 <a:effectLst>
                   <a:outerShdw blurRad="63500" dist="38099" dir="2700000" algn="ctr" rotWithShape="0">
                     <a:srgbClr val="000000">
@@ -14852,7 +14852,7 @@
           <a:noFill/>
           <a:extLst>
             <a:ext uri="{909E8E84-426E-40dd-AFC4-6F175D3DCCD1}">
-              <a14:hiddenFill xmlns="" xmlns:a14="http://schemas.microsoft.com/office/drawing/2010/main">
+              <a14:hiddenFill xmlns:a14="http://schemas.microsoft.com/office/drawing/2010/main" xmlns="">
                 <a:solidFill>
                   <a:srgbClr val="FFFFFF"/>
                 </a:solidFill>
@@ -14884,14 +14884,14 @@
           <a:effectLst/>
           <a:extLst>
             <a:ext uri="{909E8E84-426E-40dd-AFC4-6F175D3DCCD1}">
-              <a14:hiddenFill xmlns="" xmlns:a14="http://schemas.microsoft.com/office/drawing/2010/main">
+              <a14:hiddenFill xmlns:a14="http://schemas.microsoft.com/office/drawing/2010/main" xmlns="">
                 <a:solidFill>
                   <a:schemeClr val="accent1"/>
                 </a:solidFill>
               </a14:hiddenFill>
             </a:ext>
             <a:ext uri="{91240B29-F687-4f45-9708-019B960494DF}">
-              <a14:hiddenLine xmlns="" xmlns:a14="http://schemas.microsoft.com/office/drawing/2010/main" w="9525">
+              <a14:hiddenLine xmlns:a14="http://schemas.microsoft.com/office/drawing/2010/main" xmlns="" w="9525">
                 <a:solidFill>
                   <a:schemeClr val="tx1"/>
                 </a:solidFill>
@@ -14901,7 +14901,7 @@
               </a14:hiddenLine>
             </a:ext>
             <a:ext uri="{AF507438-7753-43e0-B8FC-AC1667EBCBE1}">
-              <a14:hiddenEffects xmlns="" xmlns:a14="http://schemas.microsoft.com/office/drawing/2010/main">
+              <a14:hiddenEffects xmlns:a14="http://schemas.microsoft.com/office/drawing/2010/main" xmlns="">
                 <a:effectLst>
                   <a:outerShdw blurRad="63500" dist="38099" dir="2700000" algn="ctr" rotWithShape="0">
                     <a:srgbClr val="000000">
@@ -14985,12 +14985,12 @@
             <a:effectLst/>
             <a:extLst>
               <a:ext uri="{909E8E84-426E-40dd-AFC4-6F175D3DCCD1}">
-                <a14:hiddenFill xmlns="" xmlns:a14="http://schemas.microsoft.com/office/drawing/2010/main">
+                <a14:hiddenFill xmlns:a14="http://schemas.microsoft.com/office/drawing/2010/main" xmlns="">
                   <a:noFill/>
                 </a14:hiddenFill>
               </a:ext>
               <a:ext uri="{AF507438-7753-43e0-B8FC-AC1667EBCBE1}">
-                <a14:hiddenEffects xmlns="" xmlns:a14="http://schemas.microsoft.com/office/drawing/2010/main">
+                <a14:hiddenEffects xmlns:a14="http://schemas.microsoft.com/office/drawing/2010/main" xmlns="">
                   <a:effectLst>
                     <a:outerShdw blurRad="63500" dist="38099" dir="2700000" algn="ctr" rotWithShape="0">
                       <a:srgbClr val="000000">
@@ -15038,12 +15038,12 @@
             <a:effectLst/>
             <a:extLst>
               <a:ext uri="{909E8E84-426E-40dd-AFC4-6F175D3DCCD1}">
-                <a14:hiddenFill xmlns="" xmlns:a14="http://schemas.microsoft.com/office/drawing/2010/main">
+                <a14:hiddenFill xmlns:a14="http://schemas.microsoft.com/office/drawing/2010/main" xmlns="">
                   <a:noFill/>
                 </a14:hiddenFill>
               </a:ext>
               <a:ext uri="{AF507438-7753-43e0-B8FC-AC1667EBCBE1}">
-                <a14:hiddenEffects xmlns="" xmlns:a14="http://schemas.microsoft.com/office/drawing/2010/main">
+                <a14:hiddenEffects xmlns:a14="http://schemas.microsoft.com/office/drawing/2010/main" xmlns="">
                   <a:effectLst>
                     <a:outerShdw blurRad="63500" dist="38099" dir="2700000" algn="ctr" rotWithShape="0">
                       <a:srgbClr val="000000">
@@ -15086,14 +15086,14 @@
             <a:effectLst/>
             <a:extLst>
               <a:ext uri="{909E8E84-426E-40dd-AFC4-6F175D3DCCD1}">
-                <a14:hiddenFill xmlns="" xmlns:a14="http://schemas.microsoft.com/office/drawing/2010/main">
+                <a14:hiddenFill xmlns:a14="http://schemas.microsoft.com/office/drawing/2010/main" xmlns="">
                   <a:solidFill>
                     <a:schemeClr val="accent1"/>
                   </a:solidFill>
                 </a14:hiddenFill>
               </a:ext>
               <a:ext uri="{91240B29-F687-4f45-9708-019B960494DF}">
-                <a14:hiddenLine xmlns="" xmlns:a14="http://schemas.microsoft.com/office/drawing/2010/main" w="9525">
+                <a14:hiddenLine xmlns:a14="http://schemas.microsoft.com/office/drawing/2010/main" xmlns="" w="9525">
                   <a:solidFill>
                     <a:schemeClr val="hlink"/>
                   </a:solidFill>
@@ -15103,7 +15103,7 @@
                 </a14:hiddenLine>
               </a:ext>
               <a:ext uri="{AF507438-7753-43e0-B8FC-AC1667EBCBE1}">
-                <a14:hiddenEffects xmlns="" xmlns:a14="http://schemas.microsoft.com/office/drawing/2010/main">
+                <a14:hiddenEffects xmlns:a14="http://schemas.microsoft.com/office/drawing/2010/main" xmlns="">
                   <a:effectLst>
                     <a:outerShdw blurRad="63500" dist="38099" dir="2700000" algn="ctr" rotWithShape="0">
                       <a:srgbClr val="000000">
@@ -15202,12 +15202,12 @@
             <a:effectLst/>
             <a:extLst>
               <a:ext uri="{909E8E84-426E-40dd-AFC4-6F175D3DCCD1}">
-                <a14:hiddenFill xmlns="" xmlns:a14="http://schemas.microsoft.com/office/drawing/2010/main">
+                <a14:hiddenFill xmlns:a14="http://schemas.microsoft.com/office/drawing/2010/main" xmlns="">
                   <a:noFill/>
                 </a14:hiddenFill>
               </a:ext>
               <a:ext uri="{AF507438-7753-43e0-B8FC-AC1667EBCBE1}">
-                <a14:hiddenEffects xmlns="" xmlns:a14="http://schemas.microsoft.com/office/drawing/2010/main">
+                <a14:hiddenEffects xmlns:a14="http://schemas.microsoft.com/office/drawing/2010/main" xmlns="">
                   <a:effectLst>
                     <a:outerShdw blurRad="63500" dist="38099" dir="2700000" algn="ctr" rotWithShape="0">
                       <a:srgbClr val="000000">
@@ -15255,12 +15255,12 @@
             <a:effectLst/>
             <a:extLst>
               <a:ext uri="{909E8E84-426E-40dd-AFC4-6F175D3DCCD1}">
-                <a14:hiddenFill xmlns="" xmlns:a14="http://schemas.microsoft.com/office/drawing/2010/main">
+                <a14:hiddenFill xmlns:a14="http://schemas.microsoft.com/office/drawing/2010/main" xmlns="">
                   <a:noFill/>
                 </a14:hiddenFill>
               </a:ext>
               <a:ext uri="{AF507438-7753-43e0-B8FC-AC1667EBCBE1}">
-                <a14:hiddenEffects xmlns="" xmlns:a14="http://schemas.microsoft.com/office/drawing/2010/main">
+                <a14:hiddenEffects xmlns:a14="http://schemas.microsoft.com/office/drawing/2010/main" xmlns="">
                   <a:effectLst>
                     <a:outerShdw blurRad="63500" dist="38099" dir="2700000" algn="ctr" rotWithShape="0">
                       <a:srgbClr val="000000">
@@ -15303,14 +15303,14 @@
             <a:effectLst/>
             <a:extLst>
               <a:ext uri="{909E8E84-426E-40dd-AFC4-6F175D3DCCD1}">
-                <a14:hiddenFill xmlns="" xmlns:a14="http://schemas.microsoft.com/office/drawing/2010/main">
+                <a14:hiddenFill xmlns:a14="http://schemas.microsoft.com/office/drawing/2010/main" xmlns="">
                   <a:solidFill>
                     <a:schemeClr val="accent1"/>
                   </a:solidFill>
                 </a14:hiddenFill>
               </a:ext>
               <a:ext uri="{91240B29-F687-4f45-9708-019B960494DF}">
-                <a14:hiddenLine xmlns="" xmlns:a14="http://schemas.microsoft.com/office/drawing/2010/main" w="38100">
+                <a14:hiddenLine xmlns:a14="http://schemas.microsoft.com/office/drawing/2010/main" xmlns="" w="38100">
                   <a:solidFill>
                     <a:schemeClr val="hlink"/>
                   </a:solidFill>
@@ -15320,7 +15320,7 @@
                 </a14:hiddenLine>
               </a:ext>
               <a:ext uri="{AF507438-7753-43e0-B8FC-AC1667EBCBE1}">
-                <a14:hiddenEffects xmlns="" xmlns:a14="http://schemas.microsoft.com/office/drawing/2010/main">
+                <a14:hiddenEffects xmlns:a14="http://schemas.microsoft.com/office/drawing/2010/main" xmlns="">
                   <a:effectLst>
                     <a:outerShdw blurRad="63500" dist="38099" dir="2700000" algn="ctr" rotWithShape="0">
                       <a:srgbClr val="000000">
@@ -15413,14 +15413,14 @@
           <a:effectLst/>
           <a:extLst>
             <a:ext uri="{909E8E84-426E-40dd-AFC4-6F175D3DCCD1}">
-              <a14:hiddenFill xmlns="" xmlns:a14="http://schemas.microsoft.com/office/drawing/2010/main">
+              <a14:hiddenFill xmlns:a14="http://schemas.microsoft.com/office/drawing/2010/main" xmlns="">
                 <a:solidFill>
                   <a:schemeClr val="accent1"/>
                 </a:solidFill>
               </a14:hiddenFill>
             </a:ext>
             <a:ext uri="{91240B29-F687-4f45-9708-019B960494DF}">
-              <a14:hiddenLine xmlns="" xmlns:a14="http://schemas.microsoft.com/office/drawing/2010/main" w="12700">
+              <a14:hiddenLine xmlns:a14="http://schemas.microsoft.com/office/drawing/2010/main" xmlns="" w="12700">
                 <a:solidFill>
                   <a:schemeClr val="tx1"/>
                 </a:solidFill>
@@ -15430,7 +15430,7 @@
               </a14:hiddenLine>
             </a:ext>
             <a:ext uri="{AF507438-7753-43e0-B8FC-AC1667EBCBE1}">
-              <a14:hiddenEffects xmlns="" xmlns:a14="http://schemas.microsoft.com/office/drawing/2010/main">
+              <a14:hiddenEffects xmlns:a14="http://schemas.microsoft.com/office/drawing/2010/main" xmlns="">
                 <a:effectLst>
                   <a:outerShdw blurRad="63500" dist="38099" dir="2700000" algn="ctr" rotWithShape="0">
                     <a:schemeClr val="bg2">
@@ -15709,7 +15709,7 @@
           <a:effectLst/>
           <a:extLst>
             <a:ext uri="{91240B29-F687-4f45-9708-019B960494DF}">
-              <a14:hiddenLine xmlns="" xmlns:a14="http://schemas.microsoft.com/office/drawing/2010/main" w="12700">
+              <a14:hiddenLine xmlns:a14="http://schemas.microsoft.com/office/drawing/2010/main" xmlns="" w="12700">
                 <a:solidFill>
                   <a:schemeClr val="tx1"/>
                 </a:solidFill>
@@ -15719,7 +15719,7 @@
               </a14:hiddenLine>
             </a:ext>
             <a:ext uri="{AF507438-7753-43e0-B8FC-AC1667EBCBE1}">
-              <a14:hiddenEffects xmlns="" xmlns:a14="http://schemas.microsoft.com/office/drawing/2010/main">
+              <a14:hiddenEffects xmlns:a14="http://schemas.microsoft.com/office/drawing/2010/main" xmlns="">
                 <a:effectLst>
                   <a:outerShdw blurRad="63500" dist="38099" dir="2700000" algn="ctr" rotWithShape="0">
                     <a:schemeClr val="bg2">
@@ -15938,7 +15938,7 @@
           <a:noFill/>
           <a:extLst>
             <a:ext uri="{909E8E84-426E-40dd-AFC4-6F175D3DCCD1}">
-              <a14:hiddenFill xmlns="" xmlns:a14="http://schemas.microsoft.com/office/drawing/2010/main">
+              <a14:hiddenFill xmlns:a14="http://schemas.microsoft.com/office/drawing/2010/main" xmlns="">
                 <a:solidFill>
                   <a:srgbClr val="FFFFFF"/>
                 </a:solidFill>
@@ -15977,7 +15977,7 @@
           <a:effectLst/>
           <a:extLst>
             <a:ext uri="{AF507438-7753-43e0-B8FC-AC1667EBCBE1}">
-              <a14:hiddenEffects xmlns="" xmlns:a14="http://schemas.microsoft.com/office/drawing/2010/main">
+              <a14:hiddenEffects xmlns:a14="http://schemas.microsoft.com/office/drawing/2010/main" xmlns="">
                 <a:effectLst>
                   <a:outerShdw blurRad="63500" dist="38099" dir="2700000" algn="ctr" rotWithShape="0">
                     <a:schemeClr val="bg2">
@@ -16052,12 +16052,12 @@
             <a:effectLst/>
             <a:extLst>
               <a:ext uri="{909E8E84-426E-40dd-AFC4-6F175D3DCCD1}">
-                <a14:hiddenFill xmlns="" xmlns:a14="http://schemas.microsoft.com/office/drawing/2010/main">
+                <a14:hiddenFill xmlns:a14="http://schemas.microsoft.com/office/drawing/2010/main" xmlns="">
                   <a:noFill/>
                 </a14:hiddenFill>
               </a:ext>
               <a:ext uri="{AF507438-7753-43e0-B8FC-AC1667EBCBE1}">
-                <a14:hiddenEffects xmlns="" xmlns:a14="http://schemas.microsoft.com/office/drawing/2010/main">
+                <a14:hiddenEffects xmlns:a14="http://schemas.microsoft.com/office/drawing/2010/main" xmlns="">
                   <a:effectLst>
                     <a:outerShdw blurRad="63500" dist="38099" dir="2700000" algn="ctr" rotWithShape="0">
                       <a:schemeClr val="bg2">
@@ -16100,14 +16100,14 @@
             <a:effectLst/>
             <a:extLst>
               <a:ext uri="{909E8E84-426E-40dd-AFC4-6F175D3DCCD1}">
-                <a14:hiddenFill xmlns="" xmlns:a14="http://schemas.microsoft.com/office/drawing/2010/main">
+                <a14:hiddenFill xmlns:a14="http://schemas.microsoft.com/office/drawing/2010/main" xmlns="">
                   <a:solidFill>
                     <a:schemeClr val="accent1"/>
                   </a:solidFill>
                 </a14:hiddenFill>
               </a:ext>
               <a:ext uri="{91240B29-F687-4f45-9708-019B960494DF}">
-                <a14:hiddenLine xmlns="" xmlns:a14="http://schemas.microsoft.com/office/drawing/2010/main" w="12700">
+                <a14:hiddenLine xmlns:a14="http://schemas.microsoft.com/office/drawing/2010/main" xmlns="" w="12700">
                   <a:solidFill>
                     <a:schemeClr val="tx1"/>
                   </a:solidFill>
@@ -16117,7 +16117,7 @@
                 </a14:hiddenLine>
               </a:ext>
               <a:ext uri="{AF507438-7753-43e0-B8FC-AC1667EBCBE1}">
-                <a14:hiddenEffects xmlns="" xmlns:a14="http://schemas.microsoft.com/office/drawing/2010/main">
+                <a14:hiddenEffects xmlns:a14="http://schemas.microsoft.com/office/drawing/2010/main" xmlns="">
                   <a:effectLst>
                     <a:outerShdw blurRad="63500" dist="38099" dir="2700000" algn="ctr" rotWithShape="0">
                       <a:schemeClr val="bg2">
@@ -16187,12 +16187,12 @@
             <a:effectLst/>
             <a:extLst>
               <a:ext uri="{909E8E84-426E-40dd-AFC4-6F175D3DCCD1}">
-                <a14:hiddenFill xmlns="" xmlns:a14="http://schemas.microsoft.com/office/drawing/2010/main">
+                <a14:hiddenFill xmlns:a14="http://schemas.microsoft.com/office/drawing/2010/main" xmlns="">
                   <a:noFill/>
                 </a14:hiddenFill>
               </a:ext>
               <a:ext uri="{AF507438-7753-43e0-B8FC-AC1667EBCBE1}">
-                <a14:hiddenEffects xmlns="" xmlns:a14="http://schemas.microsoft.com/office/drawing/2010/main">
+                <a14:hiddenEffects xmlns:a14="http://schemas.microsoft.com/office/drawing/2010/main" xmlns="">
                   <a:effectLst>
                     <a:outerShdw blurRad="63500" dist="38099" dir="2700000" algn="ctr" rotWithShape="0">
                       <a:schemeClr val="bg2">
@@ -16235,14 +16235,14 @@
             <a:effectLst/>
             <a:extLst>
               <a:ext uri="{909E8E84-426E-40dd-AFC4-6F175D3DCCD1}">
-                <a14:hiddenFill xmlns="" xmlns:a14="http://schemas.microsoft.com/office/drawing/2010/main">
+                <a14:hiddenFill xmlns:a14="http://schemas.microsoft.com/office/drawing/2010/main" xmlns="">
                   <a:solidFill>
                     <a:schemeClr val="accent1"/>
                   </a:solidFill>
                 </a14:hiddenFill>
               </a:ext>
               <a:ext uri="{91240B29-F687-4f45-9708-019B960494DF}">
-                <a14:hiddenLine xmlns="" xmlns:a14="http://schemas.microsoft.com/office/drawing/2010/main" w="12700">
+                <a14:hiddenLine xmlns:a14="http://schemas.microsoft.com/office/drawing/2010/main" xmlns="" w="12700">
                   <a:solidFill>
                     <a:schemeClr val="tx1"/>
                   </a:solidFill>
@@ -16252,7 +16252,7 @@
                 </a14:hiddenLine>
               </a:ext>
               <a:ext uri="{AF507438-7753-43e0-B8FC-AC1667EBCBE1}">
-                <a14:hiddenEffects xmlns="" xmlns:a14="http://schemas.microsoft.com/office/drawing/2010/main">
+                <a14:hiddenEffects xmlns:a14="http://schemas.microsoft.com/office/drawing/2010/main" xmlns="">
                   <a:effectLst>
                     <a:outerShdw blurRad="63500" dist="38099" dir="2700000" algn="ctr" rotWithShape="0">
                       <a:schemeClr val="bg2">
@@ -16306,12 +16306,12 @@
           <a:effectLst/>
           <a:extLst>
             <a:ext uri="{909E8E84-426E-40dd-AFC4-6F175D3DCCD1}">
-              <a14:hiddenFill xmlns="" xmlns:a14="http://schemas.microsoft.com/office/drawing/2010/main">
+              <a14:hiddenFill xmlns:a14="http://schemas.microsoft.com/office/drawing/2010/main" xmlns="">
                 <a:noFill/>
               </a14:hiddenFill>
             </a:ext>
             <a:ext uri="{AF507438-7753-43e0-B8FC-AC1667EBCBE1}">
-              <a14:hiddenEffects xmlns="" xmlns:a14="http://schemas.microsoft.com/office/drawing/2010/main">
+              <a14:hiddenEffects xmlns:a14="http://schemas.microsoft.com/office/drawing/2010/main" xmlns="">
                 <a:effectLst>
                   <a:outerShdw blurRad="63500" dist="38099" dir="2700000" algn="ctr" rotWithShape="0">
                     <a:schemeClr val="bg2">
@@ -16354,14 +16354,14 @@
           <a:effectLst/>
           <a:extLst>
             <a:ext uri="{909E8E84-426E-40dd-AFC4-6F175D3DCCD1}">
-              <a14:hiddenFill xmlns="" xmlns:a14="http://schemas.microsoft.com/office/drawing/2010/main">
+              <a14:hiddenFill xmlns:a14="http://schemas.microsoft.com/office/drawing/2010/main" xmlns="">
                 <a:solidFill>
                   <a:schemeClr val="accent1"/>
                 </a:solidFill>
               </a14:hiddenFill>
             </a:ext>
             <a:ext uri="{91240B29-F687-4f45-9708-019B960494DF}">
-              <a14:hiddenLine xmlns="" xmlns:a14="http://schemas.microsoft.com/office/drawing/2010/main" w="12700">
+              <a14:hiddenLine xmlns:a14="http://schemas.microsoft.com/office/drawing/2010/main" xmlns="" w="12700">
                 <a:solidFill>
                   <a:schemeClr val="tx1"/>
                 </a:solidFill>
@@ -16371,7 +16371,7 @@
               </a14:hiddenLine>
             </a:ext>
             <a:ext uri="{AF507438-7753-43e0-B8FC-AC1667EBCBE1}">
-              <a14:hiddenEffects xmlns="" xmlns:a14="http://schemas.microsoft.com/office/drawing/2010/main">
+              <a14:hiddenEffects xmlns:a14="http://schemas.microsoft.com/office/drawing/2010/main" xmlns="">
                 <a:effectLst>
                   <a:outerShdw blurRad="63500" dist="38099" dir="2700000" algn="ctr" rotWithShape="0">
                     <a:schemeClr val="bg2">
@@ -16419,14 +16419,14 @@
           <a:effectLst/>
           <a:extLst>
             <a:ext uri="{909E8E84-426E-40dd-AFC4-6F175D3DCCD1}">
-              <a14:hiddenFill xmlns="" xmlns:a14="http://schemas.microsoft.com/office/drawing/2010/main">
+              <a14:hiddenFill xmlns:a14="http://schemas.microsoft.com/office/drawing/2010/main" xmlns="">
                 <a:solidFill>
                   <a:schemeClr val="accent1"/>
                 </a:solidFill>
               </a14:hiddenFill>
             </a:ext>
             <a:ext uri="{91240B29-F687-4f45-9708-019B960494DF}">
-              <a14:hiddenLine xmlns="" xmlns:a14="http://schemas.microsoft.com/office/drawing/2010/main" w="12700">
+              <a14:hiddenLine xmlns:a14="http://schemas.microsoft.com/office/drawing/2010/main" xmlns="" w="12700">
                 <a:solidFill>
                   <a:schemeClr val="tx1"/>
                 </a:solidFill>
@@ -16436,7 +16436,7 @@
               </a14:hiddenLine>
             </a:ext>
             <a:ext uri="{AF507438-7753-43e0-B8FC-AC1667EBCBE1}">
-              <a14:hiddenEffects xmlns="" xmlns:a14="http://schemas.microsoft.com/office/drawing/2010/main">
+              <a14:hiddenEffects xmlns:a14="http://schemas.microsoft.com/office/drawing/2010/main" xmlns="">
                 <a:effectLst>
                   <a:outerShdw blurRad="63500" dist="38099" dir="2700000" algn="ctr" rotWithShape="0">
                     <a:schemeClr val="bg2">
@@ -17529,14 +17529,14 @@
           <a:effectLst/>
           <a:extLst>
             <a:ext uri="{909E8E84-426E-40dd-AFC4-6F175D3DCCD1}">
-              <a14:hiddenFill xmlns="" xmlns:a14="http://schemas.microsoft.com/office/drawing/2010/main">
+              <a14:hiddenFill xmlns:a14="http://schemas.microsoft.com/office/drawing/2010/main" xmlns="">
                 <a:solidFill>
                   <a:schemeClr val="accent1"/>
                 </a:solidFill>
               </a14:hiddenFill>
             </a:ext>
             <a:ext uri="{91240B29-F687-4f45-9708-019B960494DF}">
-              <a14:hiddenLine xmlns="" xmlns:a14="http://schemas.microsoft.com/office/drawing/2010/main" w="9525">
+              <a14:hiddenLine xmlns:a14="http://schemas.microsoft.com/office/drawing/2010/main" xmlns="" w="9525">
                 <a:solidFill>
                   <a:schemeClr val="tx1"/>
                 </a:solidFill>
@@ -17546,7 +17546,7 @@
               </a14:hiddenLine>
             </a:ext>
             <a:ext uri="{AF507438-7753-43e0-B8FC-AC1667EBCBE1}">
-              <a14:hiddenEffects xmlns="" xmlns:a14="http://schemas.microsoft.com/office/drawing/2010/main">
+              <a14:hiddenEffects xmlns:a14="http://schemas.microsoft.com/office/drawing/2010/main" xmlns="">
                 <a:effectLst>
                   <a:outerShdw blurRad="63500" dist="38099" dir="2700000" algn="ctr" rotWithShape="0">
                     <a:schemeClr val="bg2">
@@ -17607,7 +17607,7 @@
           <a:effectLst/>
           <a:extLst>
             <a:ext uri="{AF507438-7753-43e0-B8FC-AC1667EBCBE1}">
-              <a14:hiddenEffects xmlns="" xmlns:a14="http://schemas.microsoft.com/office/drawing/2010/main">
+              <a14:hiddenEffects xmlns:a14="http://schemas.microsoft.com/office/drawing/2010/main" xmlns="">
                 <a:effectLst>
                   <a:outerShdw blurRad="63500" dist="38099" dir="2700000" algn="ctr" rotWithShape="0">
                     <a:schemeClr val="bg2">
@@ -18035,7 +18035,7 @@
             <a:effectLst/>
             <a:extLst>
               <a:ext uri="{AF507438-7753-43e0-B8FC-AC1667EBCBE1}">
-                <a14:hiddenEffects xmlns="" xmlns:a14="http://schemas.microsoft.com/office/drawing/2010/main">
+                <a14:hiddenEffects xmlns:a14="http://schemas.microsoft.com/office/drawing/2010/main" xmlns="">
                   <a:effectLst>
                     <a:outerShdw blurRad="63500" dist="38099" dir="2700000" algn="ctr" rotWithShape="0">
                       <a:schemeClr val="bg2">
@@ -18087,12 +18087,12 @@
           <a:effectLst/>
           <a:extLst>
             <a:ext uri="{909E8E84-426E-40dd-AFC4-6F175D3DCCD1}">
-              <a14:hiddenFill xmlns="" xmlns:a14="http://schemas.microsoft.com/office/drawing/2010/main">
+              <a14:hiddenFill xmlns:a14="http://schemas.microsoft.com/office/drawing/2010/main" xmlns="">
                 <a:noFill/>
               </a14:hiddenFill>
             </a:ext>
             <a:ext uri="{AF507438-7753-43e0-B8FC-AC1667EBCBE1}">
-              <a14:hiddenEffects xmlns="" xmlns:a14="http://schemas.microsoft.com/office/drawing/2010/main">
+              <a14:hiddenEffects xmlns:a14="http://schemas.microsoft.com/office/drawing/2010/main" xmlns="">
                 <a:effectLst>
                   <a:outerShdw blurRad="63500" dist="38099" dir="2700000" algn="ctr" rotWithShape="0">
                     <a:schemeClr val="bg2">
@@ -18497,14 +18497,14 @@
           <a:effectLst/>
           <a:extLst>
             <a:ext uri="{909E8E84-426E-40dd-AFC4-6F175D3DCCD1}">
-              <a14:hiddenFill xmlns="" xmlns:a14="http://schemas.microsoft.com/office/drawing/2010/main">
+              <a14:hiddenFill xmlns:a14="http://schemas.microsoft.com/office/drawing/2010/main" xmlns="">
                 <a:solidFill>
                   <a:schemeClr val="accent1"/>
                 </a:solidFill>
               </a14:hiddenFill>
             </a:ext>
             <a:ext uri="{91240B29-F687-4f45-9708-019B960494DF}">
-              <a14:hiddenLine xmlns="" xmlns:a14="http://schemas.microsoft.com/office/drawing/2010/main" w="9525">
+              <a14:hiddenLine xmlns:a14="http://schemas.microsoft.com/office/drawing/2010/main" xmlns="" w="9525">
                 <a:solidFill>
                   <a:schemeClr val="tx1"/>
                 </a:solidFill>
@@ -18514,7 +18514,7 @@
               </a14:hiddenLine>
             </a:ext>
             <a:ext uri="{AF507438-7753-43e0-B8FC-AC1667EBCBE1}">
-              <a14:hiddenEffects xmlns="" xmlns:a14="http://schemas.microsoft.com/office/drawing/2010/main">
+              <a14:hiddenEffects xmlns:a14="http://schemas.microsoft.com/office/drawing/2010/main" xmlns="">
                 <a:effectLst>
                   <a:outerShdw blurRad="63500" dist="38099" dir="2700000" algn="ctr" rotWithShape="0">
                     <a:schemeClr val="bg2">
@@ -18577,12 +18577,12 @@
           <a:effectLst/>
           <a:extLst>
             <a:ext uri="{909E8E84-426E-40dd-AFC4-6F175D3DCCD1}">
-              <a14:hiddenFill xmlns="" xmlns:a14="http://schemas.microsoft.com/office/drawing/2010/main">
+              <a14:hiddenFill xmlns:a14="http://schemas.microsoft.com/office/drawing/2010/main" xmlns="">
                 <a:noFill/>
               </a14:hiddenFill>
             </a:ext>
             <a:ext uri="{AF507438-7753-43e0-B8FC-AC1667EBCBE1}">
-              <a14:hiddenEffects xmlns="" xmlns:a14="http://schemas.microsoft.com/office/drawing/2010/main">
+              <a14:hiddenEffects xmlns:a14="http://schemas.microsoft.com/office/drawing/2010/main" xmlns="">
                 <a:effectLst>
                   <a:outerShdw blurRad="63500" dist="38099" dir="2700000" algn="ctr" rotWithShape="0">
                     <a:schemeClr val="bg2">
@@ -18634,12 +18634,12 @@
           <a:effectLst/>
           <a:extLst>
             <a:ext uri="{909E8E84-426E-40dd-AFC4-6F175D3DCCD1}">
-              <a14:hiddenFill xmlns="" xmlns:a14="http://schemas.microsoft.com/office/drawing/2010/main">
+              <a14:hiddenFill xmlns:a14="http://schemas.microsoft.com/office/drawing/2010/main" xmlns="">
                 <a:noFill/>
               </a14:hiddenFill>
             </a:ext>
             <a:ext uri="{AF507438-7753-43e0-B8FC-AC1667EBCBE1}">
-              <a14:hiddenEffects xmlns="" xmlns:a14="http://schemas.microsoft.com/office/drawing/2010/main">
+              <a14:hiddenEffects xmlns:a14="http://schemas.microsoft.com/office/drawing/2010/main" xmlns="">
                 <a:effectLst>
                   <a:outerShdw blurRad="63500" dist="38099" dir="2700000" algn="ctr" rotWithShape="0">
                     <a:schemeClr val="bg2">
@@ -19106,7 +19106,7 @@
           </a:xfrm>
           <a:extLst>
             <a:ext uri="{91240B29-F687-4f45-9708-019B960494DF}">
-              <a14:hiddenLine xmlns="" xmlns:a14="http://schemas.microsoft.com/office/drawing/2010/main" w="9525">
+              <a14:hiddenLine xmlns:a14="http://schemas.microsoft.com/office/drawing/2010/main" xmlns="" w="9525">
                 <a:solidFill>
                   <a:srgbClr val="000000"/>
                 </a:solidFill>
@@ -19181,7 +19181,7 @@
           </a:xfrm>
           <a:extLst>
             <a:ext uri="{91240B29-F687-4f45-9708-019B960494DF}">
-              <a14:hiddenLine xmlns="" xmlns:a14="http://schemas.microsoft.com/office/drawing/2010/main" w="9525">
+              <a14:hiddenLine xmlns:a14="http://schemas.microsoft.com/office/drawing/2010/main" xmlns="" w="9525">
                 <a:solidFill>
                   <a:srgbClr val="000000"/>
                 </a:solidFill>
@@ -19526,7 +19526,7 @@
           </a:xfrm>
           <a:extLst>
             <a:ext uri="{91240B29-F687-4f45-9708-019B960494DF}">
-              <a14:hiddenLine xmlns="" xmlns:a14="http://schemas.microsoft.com/office/drawing/2010/main" w="9525">
+              <a14:hiddenLine xmlns:a14="http://schemas.microsoft.com/office/drawing/2010/main" xmlns="" w="9525">
                 <a:solidFill>
                   <a:srgbClr val="000000"/>
                 </a:solidFill>
@@ -19595,7 +19595,7 @@
           </a:xfrm>
           <a:extLst>
             <a:ext uri="{91240B29-F687-4f45-9708-019B960494DF}">
-              <a14:hiddenLine xmlns="" xmlns:a14="http://schemas.microsoft.com/office/drawing/2010/main" w="9525">
+              <a14:hiddenLine xmlns:a14="http://schemas.microsoft.com/office/drawing/2010/main" xmlns="" w="9525">
                 <a:solidFill>
                   <a:srgbClr val="000000"/>
                 </a:solidFill>
@@ -19887,14 +19887,14 @@
           </a:ln>
           <a:extLst>
             <a:ext uri="{909E8E84-426E-40dd-AFC4-6F175D3DCCD1}">
-              <a14:hiddenFill xmlns="" xmlns:a14="http://schemas.microsoft.com/office/drawing/2010/main">
+              <a14:hiddenFill xmlns:a14="http://schemas.microsoft.com/office/drawing/2010/main" xmlns="">
                 <a:solidFill>
                   <a:srgbClr val="FFFFFF"/>
                 </a:solidFill>
               </a14:hiddenFill>
             </a:ext>
             <a:ext uri="{91240B29-F687-4f45-9708-019B960494DF}">
-              <a14:hiddenLine xmlns="" xmlns:a14="http://schemas.microsoft.com/office/drawing/2010/main" w="9525">
+              <a14:hiddenLine xmlns:a14="http://schemas.microsoft.com/office/drawing/2010/main" xmlns="" w="9525">
                 <a:solidFill>
                   <a:srgbClr val="000000"/>
                 </a:solidFill>
@@ -19979,14 +19979,14 @@
           </a:ln>
           <a:extLst>
             <a:ext uri="{909E8E84-426E-40dd-AFC4-6F175D3DCCD1}">
-              <a14:hiddenFill xmlns="" xmlns:a14="http://schemas.microsoft.com/office/drawing/2010/main">
+              <a14:hiddenFill xmlns:a14="http://schemas.microsoft.com/office/drawing/2010/main" xmlns="">
                 <a:solidFill>
                   <a:srgbClr val="FFFFFF"/>
                 </a:solidFill>
               </a14:hiddenFill>
             </a:ext>
             <a:ext uri="{91240B29-F687-4f45-9708-019B960494DF}">
-              <a14:hiddenLine xmlns="" xmlns:a14="http://schemas.microsoft.com/office/drawing/2010/main" w="9525">
+              <a14:hiddenLine xmlns:a14="http://schemas.microsoft.com/office/drawing/2010/main" xmlns="" w="9525">
                 <a:solidFill>
                   <a:srgbClr val="000000"/>
                 </a:solidFill>
@@ -20071,14 +20071,14 @@
           </a:ln>
           <a:extLst>
             <a:ext uri="{909E8E84-426E-40dd-AFC4-6F175D3DCCD1}">
-              <a14:hiddenFill xmlns="" xmlns:a14="http://schemas.microsoft.com/office/drawing/2010/main">
+              <a14:hiddenFill xmlns:a14="http://schemas.microsoft.com/office/drawing/2010/main" xmlns="">
                 <a:solidFill>
                   <a:srgbClr val="FFFFFF"/>
                 </a:solidFill>
               </a14:hiddenFill>
             </a:ext>
             <a:ext uri="{91240B29-F687-4f45-9708-019B960494DF}">
-              <a14:hiddenLine xmlns="" xmlns:a14="http://schemas.microsoft.com/office/drawing/2010/main" w="9525">
+              <a14:hiddenLine xmlns:a14="http://schemas.microsoft.com/office/drawing/2010/main" xmlns="" w="9525">
                 <a:solidFill>
                   <a:srgbClr val="000000"/>
                 </a:solidFill>
@@ -20166,7 +20166,7 @@
           </a:ln>
           <a:extLst>
             <a:ext uri="{909E8E84-426E-40dd-AFC4-6F175D3DCCD1}">
-              <a14:hiddenFill xmlns="" xmlns:a14="http://schemas.microsoft.com/office/drawing/2010/main">
+              <a14:hiddenFill xmlns:a14="http://schemas.microsoft.com/office/drawing/2010/main" xmlns="">
                 <a:noFill/>
               </a14:hiddenFill>
             </a:ext>
@@ -20204,14 +20204,14 @@
           </a:ln>
           <a:extLst>
             <a:ext uri="{909E8E84-426E-40dd-AFC4-6F175D3DCCD1}">
-              <a14:hiddenFill xmlns="" xmlns:a14="http://schemas.microsoft.com/office/drawing/2010/main">
+              <a14:hiddenFill xmlns:a14="http://schemas.microsoft.com/office/drawing/2010/main" xmlns="">
                 <a:solidFill>
                   <a:srgbClr val="FFFFFF"/>
                 </a:solidFill>
               </a14:hiddenFill>
             </a:ext>
             <a:ext uri="{91240B29-F687-4f45-9708-019B960494DF}">
-              <a14:hiddenLine xmlns="" xmlns:a14="http://schemas.microsoft.com/office/drawing/2010/main" w="9525">
+              <a14:hiddenLine xmlns:a14="http://schemas.microsoft.com/office/drawing/2010/main" xmlns="" w="9525">
                 <a:solidFill>
                   <a:srgbClr val="000000"/>
                 </a:solidFill>
@@ -20299,7 +20299,7 @@
           </a:ln>
           <a:extLst>
             <a:ext uri="{909E8E84-426E-40dd-AFC4-6F175D3DCCD1}">
-              <a14:hiddenFill xmlns="" xmlns:a14="http://schemas.microsoft.com/office/drawing/2010/main">
+              <a14:hiddenFill xmlns:a14="http://schemas.microsoft.com/office/drawing/2010/main" xmlns="">
                 <a:noFill/>
               </a14:hiddenFill>
             </a:ext>
@@ -20337,14 +20337,14 @@
           </a:ln>
           <a:extLst>
             <a:ext uri="{909E8E84-426E-40dd-AFC4-6F175D3DCCD1}">
-              <a14:hiddenFill xmlns="" xmlns:a14="http://schemas.microsoft.com/office/drawing/2010/main">
+              <a14:hiddenFill xmlns:a14="http://schemas.microsoft.com/office/drawing/2010/main" xmlns="">
                 <a:solidFill>
                   <a:srgbClr val="FFFFFF"/>
                 </a:solidFill>
               </a14:hiddenFill>
             </a:ext>
             <a:ext uri="{91240B29-F687-4f45-9708-019B960494DF}">
-              <a14:hiddenLine xmlns="" xmlns:a14="http://schemas.microsoft.com/office/drawing/2010/main" w="9525">
+              <a14:hiddenLine xmlns:a14="http://schemas.microsoft.com/office/drawing/2010/main" xmlns="" w="9525">
                 <a:solidFill>
                   <a:srgbClr val="000000"/>
                 </a:solidFill>
@@ -20432,7 +20432,7 @@
           </a:ln>
           <a:extLst>
             <a:ext uri="{909E8E84-426E-40dd-AFC4-6F175D3DCCD1}">
-              <a14:hiddenFill xmlns="" xmlns:a14="http://schemas.microsoft.com/office/drawing/2010/main">
+              <a14:hiddenFill xmlns:a14="http://schemas.microsoft.com/office/drawing/2010/main" xmlns="">
                 <a:noFill/>
               </a14:hiddenFill>
             </a:ext>
@@ -20473,7 +20473,7 @@
           </a:ln>
           <a:extLst>
             <a:ext uri="{909E8E84-426E-40dd-AFC4-6F175D3DCCD1}">
-              <a14:hiddenFill xmlns="" xmlns:a14="http://schemas.microsoft.com/office/drawing/2010/main">
+              <a14:hiddenFill xmlns:a14="http://schemas.microsoft.com/office/drawing/2010/main" xmlns="">
                 <a:noFill/>
               </a14:hiddenFill>
             </a:ext>
@@ -20511,14 +20511,14 @@
           </a:ln>
           <a:extLst>
             <a:ext uri="{909E8E84-426E-40dd-AFC4-6F175D3DCCD1}">
-              <a14:hiddenFill xmlns="" xmlns:a14="http://schemas.microsoft.com/office/drawing/2010/main">
+              <a14:hiddenFill xmlns:a14="http://schemas.microsoft.com/office/drawing/2010/main" xmlns="">
                 <a:solidFill>
                   <a:srgbClr val="FFFFFF"/>
                 </a:solidFill>
               </a14:hiddenFill>
             </a:ext>
             <a:ext uri="{91240B29-F687-4f45-9708-019B960494DF}">
-              <a14:hiddenLine xmlns="" xmlns:a14="http://schemas.microsoft.com/office/drawing/2010/main" w="9525">
+              <a14:hiddenLine xmlns:a14="http://schemas.microsoft.com/office/drawing/2010/main" xmlns="" w="9525">
                 <a:solidFill>
                   <a:srgbClr val="000000"/>
                 </a:solidFill>
@@ -20603,14 +20603,14 @@
           </a:ln>
           <a:extLst>
             <a:ext uri="{909E8E84-426E-40dd-AFC4-6F175D3DCCD1}">
-              <a14:hiddenFill xmlns="" xmlns:a14="http://schemas.microsoft.com/office/drawing/2010/main">
+              <a14:hiddenFill xmlns:a14="http://schemas.microsoft.com/office/drawing/2010/main" xmlns="">
                 <a:solidFill>
                   <a:srgbClr val="FFFFFF"/>
                 </a:solidFill>
               </a14:hiddenFill>
             </a:ext>
             <a:ext uri="{91240B29-F687-4f45-9708-019B960494DF}">
-              <a14:hiddenLine xmlns="" xmlns:a14="http://schemas.microsoft.com/office/drawing/2010/main" w="9525">
+              <a14:hiddenLine xmlns:a14="http://schemas.microsoft.com/office/drawing/2010/main" xmlns="" w="9525">
                 <a:solidFill>
                   <a:srgbClr val="000000"/>
                 </a:solidFill>
@@ -20856,7 +20856,7 @@
           </a:xfrm>
           <a:extLst>
             <a:ext uri="{91240B29-F687-4f45-9708-019B960494DF}">
-              <a14:hiddenLine xmlns="" xmlns:a14="http://schemas.microsoft.com/office/drawing/2010/main" w="9525">
+              <a14:hiddenLine xmlns:a14="http://schemas.microsoft.com/office/drawing/2010/main" xmlns="" w="9525">
                 <a:solidFill>
                   <a:srgbClr val="000000"/>
                 </a:solidFill>
@@ -20925,7 +20925,7 @@
           </a:xfrm>
           <a:extLst>
             <a:ext uri="{91240B29-F687-4f45-9708-019B960494DF}">
-              <a14:hiddenLine xmlns="" xmlns:a14="http://schemas.microsoft.com/office/drawing/2010/main" w="9525">
+              <a14:hiddenLine xmlns:a14="http://schemas.microsoft.com/office/drawing/2010/main" xmlns="" w="9525">
                 <a:solidFill>
                   <a:srgbClr val="000000"/>
                 </a:solidFill>
@@ -21344,7 +21344,7 @@
           </a:ln>
           <a:extLst>
             <a:ext uri="{909E8E84-426E-40dd-AFC4-6F175D3DCCD1}">
-              <a14:hiddenFill xmlns="" xmlns:a14="http://schemas.microsoft.com/office/drawing/2010/main">
+              <a14:hiddenFill xmlns:a14="http://schemas.microsoft.com/office/drawing/2010/main" xmlns="">
                 <a:noFill/>
               </a14:hiddenFill>
             </a:ext>
@@ -21385,7 +21385,7 @@
           </a:ln>
           <a:extLst>
             <a:ext uri="{909E8E84-426E-40dd-AFC4-6F175D3DCCD1}">
-              <a14:hiddenFill xmlns="" xmlns:a14="http://schemas.microsoft.com/office/drawing/2010/main">
+              <a14:hiddenFill xmlns:a14="http://schemas.microsoft.com/office/drawing/2010/main" xmlns="">
                 <a:noFill/>
               </a14:hiddenFill>
             </a:ext>
@@ -21426,7 +21426,7 @@
           </a:ln>
           <a:extLst>
             <a:ext uri="{909E8E84-426E-40dd-AFC4-6F175D3DCCD1}">
-              <a14:hiddenFill xmlns="" xmlns:a14="http://schemas.microsoft.com/office/drawing/2010/main">
+              <a14:hiddenFill xmlns:a14="http://schemas.microsoft.com/office/drawing/2010/main" xmlns="">
                 <a:noFill/>
               </a14:hiddenFill>
             </a:ext>
@@ -21467,7 +21467,7 @@
           </a:ln>
           <a:extLst>
             <a:ext uri="{909E8E84-426E-40dd-AFC4-6F175D3DCCD1}">
-              <a14:hiddenFill xmlns="" xmlns:a14="http://schemas.microsoft.com/office/drawing/2010/main">
+              <a14:hiddenFill xmlns:a14="http://schemas.microsoft.com/office/drawing/2010/main" xmlns="">
                 <a:noFill/>
               </a14:hiddenFill>
             </a:ext>
@@ -21508,7 +21508,7 @@
           </a:ln>
           <a:extLst>
             <a:ext uri="{909E8E84-426E-40dd-AFC4-6F175D3DCCD1}">
-              <a14:hiddenFill xmlns="" xmlns:a14="http://schemas.microsoft.com/office/drawing/2010/main">
+              <a14:hiddenFill xmlns:a14="http://schemas.microsoft.com/office/drawing/2010/main" xmlns="">
                 <a:noFill/>
               </a14:hiddenFill>
             </a:ext>
@@ -21544,14 +21544,14 @@
           </a:ln>
           <a:extLst>
             <a:ext uri="{909E8E84-426E-40dd-AFC4-6F175D3DCCD1}">
-              <a14:hiddenFill xmlns="" xmlns:a14="http://schemas.microsoft.com/office/drawing/2010/main">
+              <a14:hiddenFill xmlns:a14="http://schemas.microsoft.com/office/drawing/2010/main" xmlns="">
                 <a:solidFill>
                   <a:srgbClr val="FFFFFF"/>
                 </a:solidFill>
               </a14:hiddenFill>
             </a:ext>
             <a:ext uri="{91240B29-F687-4f45-9708-019B960494DF}">
-              <a14:hiddenLine xmlns="" xmlns:a14="http://schemas.microsoft.com/office/drawing/2010/main" w="9525">
+              <a14:hiddenLine xmlns:a14="http://schemas.microsoft.com/office/drawing/2010/main" xmlns="" w="9525">
                 <a:solidFill>
                   <a:srgbClr val="000000"/>
                 </a:solidFill>
@@ -21959,14 +21959,14 @@
           </a:ln>
           <a:extLst>
             <a:ext uri="{909E8E84-426E-40dd-AFC4-6F175D3DCCD1}">
-              <a14:hiddenFill xmlns="" xmlns:a14="http://schemas.microsoft.com/office/drawing/2010/main">
+              <a14:hiddenFill xmlns:a14="http://schemas.microsoft.com/office/drawing/2010/main" xmlns="">
                 <a:solidFill>
                   <a:srgbClr val="FFFFFF"/>
                 </a:solidFill>
               </a14:hiddenFill>
             </a:ext>
             <a:ext uri="{91240B29-F687-4f45-9708-019B960494DF}">
-              <a14:hiddenLine xmlns="" xmlns:a14="http://schemas.microsoft.com/office/drawing/2010/main" w="9525">
+              <a14:hiddenLine xmlns:a14="http://schemas.microsoft.com/office/drawing/2010/main" xmlns="" w="9525">
                 <a:solidFill>
                   <a:srgbClr val="000000"/>
                 </a:solidFill>
@@ -22425,14 +22425,14 @@
           </a:ln>
           <a:extLst>
             <a:ext uri="{909E8E84-426E-40dd-AFC4-6F175D3DCCD1}">
-              <a14:hiddenFill xmlns="" xmlns:a14="http://schemas.microsoft.com/office/drawing/2010/main">
+              <a14:hiddenFill xmlns:a14="http://schemas.microsoft.com/office/drawing/2010/main" xmlns="">
                 <a:solidFill>
                   <a:srgbClr val="FFFFFF"/>
                 </a:solidFill>
               </a14:hiddenFill>
             </a:ext>
             <a:ext uri="{91240B29-F687-4f45-9708-019B960494DF}">
-              <a14:hiddenLine xmlns="" xmlns:a14="http://schemas.microsoft.com/office/drawing/2010/main" w="9525">
+              <a14:hiddenLine xmlns:a14="http://schemas.microsoft.com/office/drawing/2010/main" xmlns="" w="9525">
                 <a:solidFill>
                   <a:srgbClr val="000000"/>
                 </a:solidFill>
@@ -22863,7 +22863,7 @@
           </a:ln>
           <a:extLst>
             <a:ext uri="{909E8E84-426E-40dd-AFC4-6F175D3DCCD1}">
-              <a14:hiddenFill xmlns="" xmlns:a14="http://schemas.microsoft.com/office/drawing/2010/main">
+              <a14:hiddenFill xmlns:a14="http://schemas.microsoft.com/office/drawing/2010/main" xmlns="">
                 <a:noFill/>
               </a14:hiddenFill>
             </a:ext>
@@ -22899,14 +22899,14 @@
           </a:ln>
           <a:extLst>
             <a:ext uri="{909E8E84-426E-40dd-AFC4-6F175D3DCCD1}">
-              <a14:hiddenFill xmlns="" xmlns:a14="http://schemas.microsoft.com/office/drawing/2010/main">
+              <a14:hiddenFill xmlns:a14="http://schemas.microsoft.com/office/drawing/2010/main" xmlns="">
                 <a:solidFill>
                   <a:srgbClr val="FFFFFF"/>
                 </a:solidFill>
               </a14:hiddenFill>
             </a:ext>
             <a:ext uri="{91240B29-F687-4f45-9708-019B960494DF}">
-              <a14:hiddenLine xmlns="" xmlns:a14="http://schemas.microsoft.com/office/drawing/2010/main" w="9525">
+              <a14:hiddenLine xmlns:a14="http://schemas.microsoft.com/office/drawing/2010/main" xmlns="" w="9525">
                 <a:solidFill>
                   <a:srgbClr val="000000"/>
                 </a:solidFill>
@@ -24246,12 +24246,12 @@
             <a:graphicData uri="http://schemas.openxmlformats.org/presentationml/2006/ole">
               <mc:AlternateContent xmlns:mc="http://schemas.openxmlformats.org/markup-compatibility/2006">
                 <mc:Choice xmlns:v="urn:schemas-microsoft-com:vml" Requires="v">
-                  <p:oleObj spid="_x0000_s1141" name="Visio" r:id="rId4" imgW="6096000" imgH="2755900" progId="Visio.Drawing.6">
+                  <p:oleObj name="Visio" r:id="rId3" imgW="6096000" imgH="2755900" progId="Visio.Drawing.6">
                     <p:embed/>
                   </p:oleObj>
                 </mc:Choice>
                 <mc:Fallback>
-                  <p:oleObj name="Visio" r:id="rId4" imgW="6096000" imgH="2755900" progId="Visio.Drawing.6">
+                  <p:oleObj name="Visio" r:id="rId3" imgW="6096000" imgH="2755900" progId="Visio.Drawing.6">
                     <p:embed/>
                     <p:pic>
                       <p:nvPicPr>
@@ -24262,7 +24262,7 @@
                         <p:nvPr/>
                       </p:nvPicPr>
                       <p:blipFill>
-                        <a:blip r:embed="rId5">
+                        <a:blip r:embed="rId4">
                           <a:extLst>
                             <a:ext uri="{28A0092B-C50C-407E-A947-70E740481C1C}">
                               <a14:useLocalDpi xmlns:a14="http://schemas.microsoft.com/office/drawing/2010/main" val="0"/>
@@ -24289,14 +24289,14 @@
                         <a:effectLst/>
                         <a:extLst>
                           <a:ext uri="{909E8E84-426E-40dd-AFC4-6F175D3DCCD1}">
-                            <a14:hiddenFill xmlns="" xmlns:a14="http://schemas.microsoft.com/office/drawing/2010/main">
+                            <a14:hiddenFill xmlns:a14="http://schemas.microsoft.com/office/drawing/2010/main" xmlns="">
                               <a:solidFill>
                                 <a:schemeClr val="accent1"/>
                               </a:solidFill>
                             </a14:hiddenFill>
                           </a:ext>
                           <a:ext uri="{91240B29-F687-4f45-9708-019B960494DF}">
-                            <a14:hiddenLine xmlns="" xmlns:a14="http://schemas.microsoft.com/office/drawing/2010/main" w="9525">
+                            <a14:hiddenLine xmlns:a14="http://schemas.microsoft.com/office/drawing/2010/main" xmlns="" w="9525">
                               <a:solidFill>
                                 <a:schemeClr val="tx1"/>
                               </a:solidFill>
@@ -24306,7 +24306,7 @@
                             </a14:hiddenLine>
                           </a:ext>
                           <a:ext uri="{AF507438-7753-43e0-B8FC-AC1667EBCBE1}">
-                            <a14:hiddenEffects xmlns="" xmlns:a14="http://schemas.microsoft.com/office/drawing/2010/main">
+                            <a14:hiddenEffects xmlns:a14="http://schemas.microsoft.com/office/drawing/2010/main" xmlns="">
                               <a:effectLst>
                                 <a:outerShdw blurRad="63500" dist="38099" dir="2700000" algn="ctr" rotWithShape="0">
                                   <a:schemeClr val="bg2">
@@ -24357,7 +24357,7 @@
             <a:effectLst/>
             <a:extLst>
               <a:ext uri="{AF507438-7753-43e0-B8FC-AC1667EBCBE1}">
-                <a14:hiddenEffects xmlns="" xmlns:a14="http://schemas.microsoft.com/office/drawing/2010/main">
+                <a14:hiddenEffects xmlns:a14="http://schemas.microsoft.com/office/drawing/2010/main" xmlns="">
                   <a:effectLst>
                     <a:outerShdw blurRad="63500" dist="38099" dir="2700000" algn="ctr" rotWithShape="0">
                       <a:schemeClr val="bg2">
@@ -24432,7 +24432,7 @@
             <a:effectLst/>
             <a:extLst>
               <a:ext uri="{AF507438-7753-43e0-B8FC-AC1667EBCBE1}">
-                <a14:hiddenEffects xmlns="" xmlns:a14="http://schemas.microsoft.com/office/drawing/2010/main">
+                <a14:hiddenEffects xmlns:a14="http://schemas.microsoft.com/office/drawing/2010/main" xmlns="">
                   <a:effectLst>
                     <a:outerShdw blurRad="63500" dist="38099" dir="2700000" algn="ctr" rotWithShape="0">
                       <a:schemeClr val="bg2">
@@ -24543,7 +24543,7 @@
             <a:effectLst/>
             <a:extLst>
               <a:ext uri="{AF507438-7753-43e0-B8FC-AC1667EBCBE1}">
-                <a14:hiddenEffects xmlns="" xmlns:a14="http://schemas.microsoft.com/office/drawing/2010/main">
+                <a14:hiddenEffects xmlns:a14="http://schemas.microsoft.com/office/drawing/2010/main" xmlns="">
                   <a:effectLst>
                     <a:outerShdw blurRad="63500" dist="38099" dir="2700000" algn="ctr" rotWithShape="0">
                       <a:schemeClr val="bg2">
@@ -24808,14 +24808,14 @@
           <a:effectLst/>
           <a:extLst>
             <a:ext uri="{909E8E84-426E-40dd-AFC4-6F175D3DCCD1}">
-              <a14:hiddenFill xmlns="" xmlns:a14="http://schemas.microsoft.com/office/drawing/2010/main">
+              <a14:hiddenFill xmlns:a14="http://schemas.microsoft.com/office/drawing/2010/main" xmlns="">
                 <a:solidFill>
                   <a:schemeClr val="accent1"/>
                 </a:solidFill>
               </a14:hiddenFill>
             </a:ext>
             <a:ext uri="{91240B29-F687-4f45-9708-019B960494DF}">
-              <a14:hiddenLine xmlns="" xmlns:a14="http://schemas.microsoft.com/office/drawing/2010/main" w="9525">
+              <a14:hiddenLine xmlns:a14="http://schemas.microsoft.com/office/drawing/2010/main" xmlns="" w="9525">
                 <a:solidFill>
                   <a:schemeClr val="tx1"/>
                 </a:solidFill>
@@ -24825,7 +24825,7 @@
               </a14:hiddenLine>
             </a:ext>
             <a:ext uri="{AF507438-7753-43e0-B8FC-AC1667EBCBE1}">
-              <a14:hiddenEffects xmlns="" xmlns:a14="http://schemas.microsoft.com/office/drawing/2010/main">
+              <a14:hiddenEffects xmlns:a14="http://schemas.microsoft.com/office/drawing/2010/main" xmlns="">
                 <a:effectLst>
                   <a:outerShdw blurRad="63500" dist="38099" dir="2700000" algn="ctr" rotWithShape="0">
                     <a:schemeClr val="bg2">
@@ -26057,7 +26057,7 @@
           <a:effectLst/>
           <a:extLst>
             <a:ext uri="{AF507438-7753-43e0-B8FC-AC1667EBCBE1}">
-              <a14:hiddenEffects xmlns="" xmlns:a14="http://schemas.microsoft.com/office/drawing/2010/main">
+              <a14:hiddenEffects xmlns:a14="http://schemas.microsoft.com/office/drawing/2010/main" xmlns="">
                 <a:effectLst>
                   <a:outerShdw blurRad="63500" dist="38099" dir="2700000" algn="ctr" rotWithShape="0">
                     <a:schemeClr val="bg2">
@@ -26105,7 +26105,7 @@
           <a:effectLst/>
           <a:extLst>
             <a:ext uri="{91240B29-F687-4f45-9708-019B960494DF}">
-              <a14:hiddenLine xmlns="" xmlns:a14="http://schemas.microsoft.com/office/drawing/2010/main" w="9525">
+              <a14:hiddenLine xmlns:a14="http://schemas.microsoft.com/office/drawing/2010/main" xmlns="" w="9525">
                 <a:solidFill>
                   <a:schemeClr val="tx1"/>
                 </a:solidFill>
@@ -26115,7 +26115,7 @@
               </a14:hiddenLine>
             </a:ext>
             <a:ext uri="{AF507438-7753-43e0-B8FC-AC1667EBCBE1}">
-              <a14:hiddenEffects xmlns="" xmlns:a14="http://schemas.microsoft.com/office/drawing/2010/main">
+              <a14:hiddenEffects xmlns:a14="http://schemas.microsoft.com/office/drawing/2010/main" xmlns="">
                 <a:effectLst>
                   <a:outerShdw blurRad="63500" dist="38099" dir="2700000" algn="ctr" rotWithShape="0">
                     <a:schemeClr val="bg2">
@@ -26180,7 +26180,7 @@
           <a:effectLst/>
           <a:extLst>
             <a:ext uri="{AF507438-7753-43e0-B8FC-AC1667EBCBE1}">
-              <a14:hiddenEffects xmlns="" xmlns:a14="http://schemas.microsoft.com/office/drawing/2010/main">
+              <a14:hiddenEffects xmlns:a14="http://schemas.microsoft.com/office/drawing/2010/main" xmlns="">
                 <a:effectLst>
                   <a:outerShdw blurRad="63500" dist="38099" dir="2700000" algn="ctr" rotWithShape="0">
                     <a:schemeClr val="bg2">
@@ -26228,7 +26228,7 @@
           <a:effectLst/>
           <a:extLst>
             <a:ext uri="{91240B29-F687-4f45-9708-019B960494DF}">
-              <a14:hiddenLine xmlns="" xmlns:a14="http://schemas.microsoft.com/office/drawing/2010/main" w="9525">
+              <a14:hiddenLine xmlns:a14="http://schemas.microsoft.com/office/drawing/2010/main" xmlns="" w="9525">
                 <a:solidFill>
                   <a:schemeClr val="tx1"/>
                 </a:solidFill>
@@ -26238,7 +26238,7 @@
               </a14:hiddenLine>
             </a:ext>
             <a:ext uri="{AF507438-7753-43e0-B8FC-AC1667EBCBE1}">
-              <a14:hiddenEffects xmlns="" xmlns:a14="http://schemas.microsoft.com/office/drawing/2010/main">
+              <a14:hiddenEffects xmlns:a14="http://schemas.microsoft.com/office/drawing/2010/main" xmlns="">
                 <a:effectLst>
                   <a:outerShdw blurRad="63500" dist="38099" dir="2700000" algn="ctr" rotWithShape="0">
                     <a:schemeClr val="bg2">
@@ -26301,12 +26301,12 @@
           <a:effectLst/>
           <a:extLst>
             <a:ext uri="{909E8E84-426E-40dd-AFC4-6F175D3DCCD1}">
-              <a14:hiddenFill xmlns="" xmlns:a14="http://schemas.microsoft.com/office/drawing/2010/main">
+              <a14:hiddenFill xmlns:a14="http://schemas.microsoft.com/office/drawing/2010/main" xmlns="">
                 <a:noFill/>
               </a14:hiddenFill>
             </a:ext>
             <a:ext uri="{AF507438-7753-43e0-B8FC-AC1667EBCBE1}">
-              <a14:hiddenEffects xmlns="" xmlns:a14="http://schemas.microsoft.com/office/drawing/2010/main">
+              <a14:hiddenEffects xmlns:a14="http://schemas.microsoft.com/office/drawing/2010/main" xmlns="">
                 <a:effectLst>
                   <a:outerShdw blurRad="63500" dist="38099" dir="2700000" algn="ctr" rotWithShape="0">
                     <a:schemeClr val="bg2">
@@ -26357,12 +26357,12 @@
           <a:effectLst/>
           <a:extLst>
             <a:ext uri="{909E8E84-426E-40dd-AFC4-6F175D3DCCD1}">
-              <a14:hiddenFill xmlns="" xmlns:a14="http://schemas.microsoft.com/office/drawing/2010/main">
+              <a14:hiddenFill xmlns:a14="http://schemas.microsoft.com/office/drawing/2010/main" xmlns="">
                 <a:noFill/>
               </a14:hiddenFill>
             </a:ext>
             <a:ext uri="{AF507438-7753-43e0-B8FC-AC1667EBCBE1}">
-              <a14:hiddenEffects xmlns="" xmlns:a14="http://schemas.microsoft.com/office/drawing/2010/main">
+              <a14:hiddenEffects xmlns:a14="http://schemas.microsoft.com/office/drawing/2010/main" xmlns="">
                 <a:effectLst>
                   <a:outerShdw blurRad="63500" dist="38099" dir="2700000" algn="ctr" rotWithShape="0">
                     <a:schemeClr val="bg2">
@@ -26413,12 +26413,12 @@
           <a:effectLst/>
           <a:extLst>
             <a:ext uri="{909E8E84-426E-40dd-AFC4-6F175D3DCCD1}">
-              <a14:hiddenFill xmlns="" xmlns:a14="http://schemas.microsoft.com/office/drawing/2010/main">
+              <a14:hiddenFill xmlns:a14="http://schemas.microsoft.com/office/drawing/2010/main" xmlns="">
                 <a:noFill/>
               </a14:hiddenFill>
             </a:ext>
             <a:ext uri="{AF507438-7753-43e0-B8FC-AC1667EBCBE1}">
-              <a14:hiddenEffects xmlns="" xmlns:a14="http://schemas.microsoft.com/office/drawing/2010/main">
+              <a14:hiddenEffects xmlns:a14="http://schemas.microsoft.com/office/drawing/2010/main" xmlns="">
                 <a:effectLst>
                   <a:outerShdw blurRad="63500" dist="38099" dir="2700000" algn="ctr" rotWithShape="0">
                     <a:schemeClr val="bg2">
@@ -26469,12 +26469,12 @@
           <a:effectLst/>
           <a:extLst>
             <a:ext uri="{909E8E84-426E-40dd-AFC4-6F175D3DCCD1}">
-              <a14:hiddenFill xmlns="" xmlns:a14="http://schemas.microsoft.com/office/drawing/2010/main">
+              <a14:hiddenFill xmlns:a14="http://schemas.microsoft.com/office/drawing/2010/main" xmlns="">
                 <a:noFill/>
               </a14:hiddenFill>
             </a:ext>
             <a:ext uri="{AF507438-7753-43e0-B8FC-AC1667EBCBE1}">
-              <a14:hiddenEffects xmlns="" xmlns:a14="http://schemas.microsoft.com/office/drawing/2010/main">
+              <a14:hiddenEffects xmlns:a14="http://schemas.microsoft.com/office/drawing/2010/main" xmlns="">
                 <a:effectLst>
                   <a:outerShdw blurRad="63500" dist="38099" dir="2700000" algn="ctr" rotWithShape="0">
                     <a:schemeClr val="bg2">

--- a/docs/slides/05-DoS.pptx
+++ b/docs/slides/05-DoS.pptx
@@ -246,7 +246,7 @@
           <a:p>
             <a:fld id="{C489DC69-7FD6-374A-A9ED-9FD6B5D82017}" type="datetimeFigureOut">
               <a:rPr lang="en-US" smtClean="0"/>
-              <a:t>1/23/23</a:t>
+              <a:t>10/16/24</a:t>
             </a:fld>
             <a:endParaRPr lang="en-US"/>
           </a:p>
@@ -702,7 +702,7 @@
           <a:ln/>
           <a:extLst>
             <a:ext uri="{FAA26D3D-D897-4be2-8F04-BA451C77F1D7}">
-              <ma14:placeholderFlag xmlns:ma14="http://schemas.microsoft.com/office/mac/drawingml/2011/main" xmlns="" val="1"/>
+              <ma14:placeholderFlag xmlns="" xmlns:ma14="http://schemas.microsoft.com/office/mac/drawingml/2011/main" val="1"/>
             </a:ext>
           </a:extLst>
         </p:spPr>
@@ -798,7 +798,7 @@
           <a:ln/>
           <a:extLst>
             <a:ext uri="{FAA26D3D-D897-4be2-8F04-BA451C77F1D7}">
-              <ma14:placeholderFlag xmlns:ma14="http://schemas.microsoft.com/office/mac/drawingml/2011/main" xmlns="" val="1"/>
+              <ma14:placeholderFlag xmlns="" xmlns:ma14="http://schemas.microsoft.com/office/mac/drawingml/2011/main" val="1"/>
             </a:ext>
           </a:extLst>
         </p:spPr>
@@ -906,7 +906,7 @@
           <a:ln/>
           <a:extLst>
             <a:ext uri="{FAA26D3D-D897-4be2-8F04-BA451C77F1D7}">
-              <ma14:placeholderFlag xmlns:ma14="http://schemas.microsoft.com/office/mac/drawingml/2011/main" xmlns="" val="1"/>
+              <ma14:placeholderFlag xmlns="" xmlns:ma14="http://schemas.microsoft.com/office/mac/drawingml/2011/main" val="1"/>
             </a:ext>
           </a:extLst>
         </p:spPr>
@@ -1017,7 +1017,7 @@
           <a:ln/>
           <a:extLst>
             <a:ext uri="{FAA26D3D-D897-4be2-8F04-BA451C77F1D7}">
-              <ma14:placeholderFlag xmlns:ma14="http://schemas.microsoft.com/office/mac/drawingml/2011/main" xmlns="" val="1"/>
+              <ma14:placeholderFlag xmlns="" xmlns:ma14="http://schemas.microsoft.com/office/mac/drawingml/2011/main" val="1"/>
             </a:ext>
           </a:extLst>
         </p:spPr>
@@ -1129,7 +1129,7 @@
           <a:ln/>
           <a:extLst>
             <a:ext uri="{FAA26D3D-D897-4be2-8F04-BA451C77F1D7}">
-              <ma14:placeholderFlag xmlns:ma14="http://schemas.microsoft.com/office/mac/drawingml/2011/main" xmlns="" val="1"/>
+              <ma14:placeholderFlag xmlns="" xmlns:ma14="http://schemas.microsoft.com/office/mac/drawingml/2011/main" val="1"/>
             </a:ext>
           </a:extLst>
         </p:spPr>
@@ -1353,7 +1353,7 @@
           <a:ln/>
           <a:extLst>
             <a:ext uri="{FAA26D3D-D897-4be2-8F04-BA451C77F1D7}">
-              <ma14:placeholderFlag xmlns:ma14="http://schemas.microsoft.com/office/mac/drawingml/2011/main" xmlns="" val="1"/>
+              <ma14:placeholderFlag xmlns="" xmlns:ma14="http://schemas.microsoft.com/office/mac/drawingml/2011/main" val="1"/>
             </a:ext>
           </a:extLst>
         </p:spPr>
@@ -1577,7 +1577,7 @@
           <a:ln/>
           <a:extLst>
             <a:ext uri="{FAA26D3D-D897-4be2-8F04-BA451C77F1D7}">
-              <ma14:placeholderFlag xmlns:ma14="http://schemas.microsoft.com/office/mac/drawingml/2011/main" xmlns="" val="1"/>
+              <ma14:placeholderFlag xmlns="" xmlns:ma14="http://schemas.microsoft.com/office/mac/drawingml/2011/main" val="1"/>
             </a:ext>
           </a:extLst>
         </p:spPr>
@@ -1790,7 +1790,7 @@
           <a:ln/>
           <a:extLst>
             <a:ext uri="{FAA26D3D-D897-4be2-8F04-BA451C77F1D7}">
-              <ma14:placeholderFlag xmlns:ma14="http://schemas.microsoft.com/office/mac/drawingml/2011/main" xmlns="" val="1"/>
+              <ma14:placeholderFlag xmlns="" xmlns:ma14="http://schemas.microsoft.com/office/mac/drawingml/2011/main" val="1"/>
             </a:ext>
           </a:extLst>
         </p:spPr>
@@ -1891,7 +1891,7 @@
           <a:ln/>
           <a:extLst>
             <a:ext uri="{FAA26D3D-D897-4be2-8F04-BA451C77F1D7}">
-              <ma14:placeholderFlag xmlns:ma14="http://schemas.microsoft.com/office/mac/drawingml/2011/main" xmlns="" val="1"/>
+              <ma14:placeholderFlag xmlns="" xmlns:ma14="http://schemas.microsoft.com/office/mac/drawingml/2011/main" val="1"/>
             </a:ext>
           </a:extLst>
         </p:spPr>
@@ -1992,7 +1992,7 @@
           <a:ln/>
           <a:extLst>
             <a:ext uri="{FAA26D3D-D897-4be2-8F04-BA451C77F1D7}">
-              <ma14:placeholderFlag xmlns:ma14="http://schemas.microsoft.com/office/mac/drawingml/2011/main" xmlns="" val="1"/>
+              <ma14:placeholderFlag xmlns="" xmlns:ma14="http://schemas.microsoft.com/office/mac/drawingml/2011/main" val="1"/>
             </a:ext>
           </a:extLst>
         </p:spPr>
@@ -2194,7 +2194,7 @@
           <a:ln/>
           <a:extLst>
             <a:ext uri="{FAA26D3D-D897-4be2-8F04-BA451C77F1D7}">
-              <ma14:placeholderFlag xmlns:ma14="http://schemas.microsoft.com/office/mac/drawingml/2011/main" xmlns="" val="1"/>
+              <ma14:placeholderFlag xmlns="" xmlns:ma14="http://schemas.microsoft.com/office/mac/drawingml/2011/main" val="1"/>
             </a:ext>
           </a:extLst>
         </p:spPr>
@@ -2306,7 +2306,7 @@
           <a:ln/>
           <a:extLst>
             <a:ext uri="{FAA26D3D-D897-4be2-8F04-BA451C77F1D7}">
-              <ma14:placeholderFlag xmlns:ma14="http://schemas.microsoft.com/office/mac/drawingml/2011/main" xmlns="" val="1"/>
+              <ma14:placeholderFlag xmlns="" xmlns:ma14="http://schemas.microsoft.com/office/mac/drawingml/2011/main" val="1"/>
             </a:ext>
           </a:extLst>
         </p:spPr>
@@ -2530,7 +2530,7 @@
           <a:ln/>
           <a:extLst>
             <a:ext uri="{FAA26D3D-D897-4be2-8F04-BA451C77F1D7}">
-              <ma14:placeholderFlag xmlns:ma14="http://schemas.microsoft.com/office/mac/drawingml/2011/main" xmlns="" val="1"/>
+              <ma14:placeholderFlag xmlns="" xmlns:ma14="http://schemas.microsoft.com/office/mac/drawingml/2011/main" val="1"/>
             </a:ext>
           </a:extLst>
         </p:spPr>
@@ -2754,7 +2754,7 @@
           <a:ln/>
           <a:extLst>
             <a:ext uri="{FAA26D3D-D897-4be2-8F04-BA451C77F1D7}">
-              <ma14:placeholderFlag xmlns:ma14="http://schemas.microsoft.com/office/mac/drawingml/2011/main" xmlns="" val="1"/>
+              <ma14:placeholderFlag xmlns="" xmlns:ma14="http://schemas.microsoft.com/office/mac/drawingml/2011/main" val="1"/>
             </a:ext>
           </a:extLst>
         </p:spPr>
@@ -2978,7 +2978,7 @@
           <a:ln/>
           <a:extLst>
             <a:ext uri="{FAA26D3D-D897-4be2-8F04-BA451C77F1D7}">
-              <ma14:placeholderFlag xmlns:ma14="http://schemas.microsoft.com/office/mac/drawingml/2011/main" xmlns="" val="1"/>
+              <ma14:placeholderFlag xmlns="" xmlns:ma14="http://schemas.microsoft.com/office/mac/drawingml/2011/main" val="1"/>
             </a:ext>
           </a:extLst>
         </p:spPr>
@@ -3188,7 +3188,7 @@
           <a:ln/>
           <a:extLst>
             <a:ext uri="{FAA26D3D-D897-4be2-8F04-BA451C77F1D7}">
-              <ma14:placeholderFlag xmlns:ma14="http://schemas.microsoft.com/office/mac/drawingml/2011/main" xmlns="" val="1"/>
+              <ma14:placeholderFlag xmlns="" xmlns:ma14="http://schemas.microsoft.com/office/mac/drawingml/2011/main" val="1"/>
             </a:ext>
           </a:extLst>
         </p:spPr>
@@ -3412,7 +3412,7 @@
           <a:p>
             <a:fld id="{F3D5891B-EC81-2D4E-B0F5-DB55AA43B06E}" type="datetimeFigureOut">
               <a:rPr lang="en-US" smtClean="0"/>
-              <a:t>1/23/23</a:t>
+              <a:t>10/16/24</a:t>
             </a:fld>
             <a:endParaRPr lang="en-US"/>
           </a:p>
@@ -3580,7 +3580,7 @@
           <a:p>
             <a:fld id="{F3D5891B-EC81-2D4E-B0F5-DB55AA43B06E}" type="datetimeFigureOut">
               <a:rPr lang="en-US" smtClean="0"/>
-              <a:t>1/23/23</a:t>
+              <a:t>10/16/24</a:t>
             </a:fld>
             <a:endParaRPr lang="en-US"/>
           </a:p>
@@ -3758,7 +3758,7 @@
           <a:p>
             <a:fld id="{F3D5891B-EC81-2D4E-B0F5-DB55AA43B06E}" type="datetimeFigureOut">
               <a:rPr lang="en-US" smtClean="0"/>
-              <a:t>1/23/23</a:t>
+              <a:t>10/16/24</a:t>
             </a:fld>
             <a:endParaRPr lang="en-US"/>
           </a:p>
@@ -3926,7 +3926,7 @@
           <a:p>
             <a:fld id="{F3D5891B-EC81-2D4E-B0F5-DB55AA43B06E}" type="datetimeFigureOut">
               <a:rPr lang="en-US" smtClean="0"/>
-              <a:t>1/23/23</a:t>
+              <a:t>10/16/24</a:t>
             </a:fld>
             <a:endParaRPr lang="en-US"/>
           </a:p>
@@ -4171,7 +4171,7 @@
           <a:p>
             <a:fld id="{F3D5891B-EC81-2D4E-B0F5-DB55AA43B06E}" type="datetimeFigureOut">
               <a:rPr lang="en-US" smtClean="0"/>
-              <a:t>1/23/23</a:t>
+              <a:t>10/16/24</a:t>
             </a:fld>
             <a:endParaRPr lang="en-US"/>
           </a:p>
@@ -4456,7 +4456,7 @@
           <a:p>
             <a:fld id="{F3D5891B-EC81-2D4E-B0F5-DB55AA43B06E}" type="datetimeFigureOut">
               <a:rPr lang="en-US" smtClean="0"/>
-              <a:t>1/23/23</a:t>
+              <a:t>10/16/24</a:t>
             </a:fld>
             <a:endParaRPr lang="en-US"/>
           </a:p>
@@ -4875,7 +4875,7 @@
           <a:p>
             <a:fld id="{F3D5891B-EC81-2D4E-B0F5-DB55AA43B06E}" type="datetimeFigureOut">
               <a:rPr lang="en-US" smtClean="0"/>
-              <a:t>1/23/23</a:t>
+              <a:t>10/16/24</a:t>
             </a:fld>
             <a:endParaRPr lang="en-US"/>
           </a:p>
@@ -4992,7 +4992,7 @@
           <a:p>
             <a:fld id="{F3D5891B-EC81-2D4E-B0F5-DB55AA43B06E}" type="datetimeFigureOut">
               <a:rPr lang="en-US" smtClean="0"/>
-              <a:t>1/23/23</a:t>
+              <a:t>10/16/24</a:t>
             </a:fld>
             <a:endParaRPr lang="en-US"/>
           </a:p>
@@ -5087,7 +5087,7 @@
           <a:p>
             <a:fld id="{F3D5891B-EC81-2D4E-B0F5-DB55AA43B06E}" type="datetimeFigureOut">
               <a:rPr lang="en-US" smtClean="0"/>
-              <a:t>1/23/23</a:t>
+              <a:t>10/16/24</a:t>
             </a:fld>
             <a:endParaRPr lang="en-US"/>
           </a:p>
@@ -5362,7 +5362,7 @@
           <a:p>
             <a:fld id="{F3D5891B-EC81-2D4E-B0F5-DB55AA43B06E}" type="datetimeFigureOut">
               <a:rPr lang="en-US" smtClean="0"/>
-              <a:t>1/23/23</a:t>
+              <a:t>10/16/24</a:t>
             </a:fld>
             <a:endParaRPr lang="en-US"/>
           </a:p>
@@ -5614,7 +5614,7 @@
           <a:p>
             <a:fld id="{F3D5891B-EC81-2D4E-B0F5-DB55AA43B06E}" type="datetimeFigureOut">
               <a:rPr lang="en-US" smtClean="0"/>
-              <a:t>1/23/23</a:t>
+              <a:t>10/16/24</a:t>
             </a:fld>
             <a:endParaRPr lang="en-US"/>
           </a:p>
@@ -5825,7 +5825,7 @@
           <a:p>
             <a:fld id="{F3D5891B-EC81-2D4E-B0F5-DB55AA43B06E}" type="datetimeFigureOut">
               <a:rPr lang="en-US" smtClean="0"/>
-              <a:t>1/23/23</a:t>
+              <a:t>10/16/24</a:t>
             </a:fld>
             <a:endParaRPr lang="en-US"/>
           </a:p>
@@ -6653,7 +6653,7 @@
           <a:noFill/>
           <a:extLst>
             <a:ext uri="{909E8E84-426E-40dd-AFC4-6F175D3DCCD1}">
-              <a14:hiddenFill xmlns:a14="http://schemas.microsoft.com/office/drawing/2010/main" xmlns="">
+              <a14:hiddenFill xmlns="" xmlns:a14="http://schemas.microsoft.com/office/drawing/2010/main">
                 <a:solidFill>
                   <a:srgbClr val="FFFFFF"/>
                 </a:solidFill>
@@ -6694,7 +6694,7 @@
           <a:noFill/>
           <a:extLst>
             <a:ext uri="{909E8E84-426E-40dd-AFC4-6F175D3DCCD1}">
-              <a14:hiddenFill xmlns:a14="http://schemas.microsoft.com/office/drawing/2010/main" xmlns="">
+              <a14:hiddenFill xmlns="" xmlns:a14="http://schemas.microsoft.com/office/drawing/2010/main">
                 <a:solidFill>
                   <a:srgbClr val="FFFFFF"/>
                 </a:solidFill>
@@ -6735,7 +6735,7 @@
           <a:noFill/>
           <a:extLst>
             <a:ext uri="{909E8E84-426E-40dd-AFC4-6F175D3DCCD1}">
-              <a14:hiddenFill xmlns:a14="http://schemas.microsoft.com/office/drawing/2010/main" xmlns="">
+              <a14:hiddenFill xmlns="" xmlns:a14="http://schemas.microsoft.com/office/drawing/2010/main">
                 <a:solidFill>
                   <a:srgbClr val="FFFFFF"/>
                 </a:solidFill>
@@ -6827,12 +6827,12 @@
           <a:effectLst/>
           <a:extLst>
             <a:ext uri="{909E8E84-426E-40dd-AFC4-6F175D3DCCD1}">
-              <a14:hiddenFill xmlns:a14="http://schemas.microsoft.com/office/drawing/2010/main" xmlns="">
+              <a14:hiddenFill xmlns="" xmlns:a14="http://schemas.microsoft.com/office/drawing/2010/main">
                 <a:noFill/>
               </a14:hiddenFill>
             </a:ext>
             <a:ext uri="{AF507438-7753-43e0-B8FC-AC1667EBCBE1}">
-              <a14:hiddenEffects xmlns:a14="http://schemas.microsoft.com/office/drawing/2010/main" xmlns="">
+              <a14:hiddenEffects xmlns="" xmlns:a14="http://schemas.microsoft.com/office/drawing/2010/main">
                 <a:effectLst>
                   <a:outerShdw blurRad="63500" dist="38099" dir="2700000" algn="ctr" rotWithShape="0">
                     <a:srgbClr val="000000">
@@ -6880,12 +6880,12 @@
           <a:effectLst/>
           <a:extLst>
             <a:ext uri="{909E8E84-426E-40dd-AFC4-6F175D3DCCD1}">
-              <a14:hiddenFill xmlns:a14="http://schemas.microsoft.com/office/drawing/2010/main" xmlns="">
+              <a14:hiddenFill xmlns="" xmlns:a14="http://schemas.microsoft.com/office/drawing/2010/main">
                 <a:noFill/>
               </a14:hiddenFill>
             </a:ext>
             <a:ext uri="{AF507438-7753-43e0-B8FC-AC1667EBCBE1}">
-              <a14:hiddenEffects xmlns:a14="http://schemas.microsoft.com/office/drawing/2010/main" xmlns="">
+              <a14:hiddenEffects xmlns="" xmlns:a14="http://schemas.microsoft.com/office/drawing/2010/main">
                 <a:effectLst>
                   <a:outerShdw blurRad="63500" dist="38099" dir="2700000" algn="ctr" rotWithShape="0">
                     <a:srgbClr val="000000">
@@ -6933,12 +6933,12 @@
           <a:effectLst/>
           <a:extLst>
             <a:ext uri="{909E8E84-426E-40dd-AFC4-6F175D3DCCD1}">
-              <a14:hiddenFill xmlns:a14="http://schemas.microsoft.com/office/drawing/2010/main" xmlns="">
+              <a14:hiddenFill xmlns="" xmlns:a14="http://schemas.microsoft.com/office/drawing/2010/main">
                 <a:noFill/>
               </a14:hiddenFill>
             </a:ext>
             <a:ext uri="{AF507438-7753-43e0-B8FC-AC1667EBCBE1}">
-              <a14:hiddenEffects xmlns:a14="http://schemas.microsoft.com/office/drawing/2010/main" xmlns="">
+              <a14:hiddenEffects xmlns="" xmlns:a14="http://schemas.microsoft.com/office/drawing/2010/main">
                 <a:effectLst>
                   <a:outerShdw blurRad="63500" dist="38099" dir="2700000" algn="ctr" rotWithShape="0">
                     <a:srgbClr val="000000">
@@ -6986,12 +6986,12 @@
           <a:effectLst/>
           <a:extLst>
             <a:ext uri="{909E8E84-426E-40dd-AFC4-6F175D3DCCD1}">
-              <a14:hiddenFill xmlns:a14="http://schemas.microsoft.com/office/drawing/2010/main" xmlns="">
+              <a14:hiddenFill xmlns="" xmlns:a14="http://schemas.microsoft.com/office/drawing/2010/main">
                 <a:noFill/>
               </a14:hiddenFill>
             </a:ext>
             <a:ext uri="{AF507438-7753-43e0-B8FC-AC1667EBCBE1}">
-              <a14:hiddenEffects xmlns:a14="http://schemas.microsoft.com/office/drawing/2010/main" xmlns="">
+              <a14:hiddenEffects xmlns="" xmlns:a14="http://schemas.microsoft.com/office/drawing/2010/main">
                 <a:effectLst>
                   <a:outerShdw blurRad="63500" dist="38099" dir="2700000" algn="ctr" rotWithShape="0">
                     <a:srgbClr val="000000">
@@ -7043,7 +7043,7 @@
           <a:noFill/>
           <a:extLst>
             <a:ext uri="{909E8E84-426E-40dd-AFC4-6F175D3DCCD1}">
-              <a14:hiddenFill xmlns:a14="http://schemas.microsoft.com/office/drawing/2010/main" xmlns="">
+              <a14:hiddenFill xmlns="" xmlns:a14="http://schemas.microsoft.com/office/drawing/2010/main">
                 <a:solidFill>
                   <a:srgbClr val="FFFFFF"/>
                 </a:solidFill>
@@ -7075,14 +7075,14 @@
           <a:effectLst/>
           <a:extLst>
             <a:ext uri="{909E8E84-426E-40dd-AFC4-6F175D3DCCD1}">
-              <a14:hiddenFill xmlns:a14="http://schemas.microsoft.com/office/drawing/2010/main" xmlns="">
+              <a14:hiddenFill xmlns="" xmlns:a14="http://schemas.microsoft.com/office/drawing/2010/main">
                 <a:solidFill>
                   <a:schemeClr val="accent1"/>
                 </a:solidFill>
               </a14:hiddenFill>
             </a:ext>
             <a:ext uri="{91240B29-F687-4f45-9708-019B960494DF}">
-              <a14:hiddenLine xmlns:a14="http://schemas.microsoft.com/office/drawing/2010/main" xmlns="" w="9525">
+              <a14:hiddenLine xmlns="" xmlns:a14="http://schemas.microsoft.com/office/drawing/2010/main" w="9525">
                 <a:solidFill>
                   <a:schemeClr val="tx1"/>
                 </a:solidFill>
@@ -7092,7 +7092,7 @@
               </a14:hiddenLine>
             </a:ext>
             <a:ext uri="{AF507438-7753-43e0-B8FC-AC1667EBCBE1}">
-              <a14:hiddenEffects xmlns:a14="http://schemas.microsoft.com/office/drawing/2010/main" xmlns="">
+              <a14:hiddenEffects xmlns="" xmlns:a14="http://schemas.microsoft.com/office/drawing/2010/main">
                 <a:effectLst>
                   <a:outerShdw blurRad="63500" dist="38099" dir="2700000" algn="ctr" rotWithShape="0">
                     <a:srgbClr val="000000">
@@ -7164,7 +7164,7 @@
           <a:noFill/>
           <a:extLst>
             <a:ext uri="{909E8E84-426E-40dd-AFC4-6F175D3DCCD1}">
-              <a14:hiddenFill xmlns:a14="http://schemas.microsoft.com/office/drawing/2010/main" xmlns="">
+              <a14:hiddenFill xmlns="" xmlns:a14="http://schemas.microsoft.com/office/drawing/2010/main">
                 <a:solidFill>
                   <a:srgbClr val="FFFFFF"/>
                 </a:solidFill>
@@ -7196,14 +7196,14 @@
           <a:effectLst/>
           <a:extLst>
             <a:ext uri="{909E8E84-426E-40dd-AFC4-6F175D3DCCD1}">
-              <a14:hiddenFill xmlns:a14="http://schemas.microsoft.com/office/drawing/2010/main" xmlns="">
+              <a14:hiddenFill xmlns="" xmlns:a14="http://schemas.microsoft.com/office/drawing/2010/main">
                 <a:solidFill>
                   <a:schemeClr val="accent1"/>
                 </a:solidFill>
               </a14:hiddenFill>
             </a:ext>
             <a:ext uri="{91240B29-F687-4f45-9708-019B960494DF}">
-              <a14:hiddenLine xmlns:a14="http://schemas.microsoft.com/office/drawing/2010/main" xmlns="" w="9525">
+              <a14:hiddenLine xmlns="" xmlns:a14="http://schemas.microsoft.com/office/drawing/2010/main" w="9525">
                 <a:solidFill>
                   <a:schemeClr val="tx1"/>
                 </a:solidFill>
@@ -7213,7 +7213,7 @@
               </a14:hiddenLine>
             </a:ext>
             <a:ext uri="{AF507438-7753-43e0-B8FC-AC1667EBCBE1}">
-              <a14:hiddenEffects xmlns:a14="http://schemas.microsoft.com/office/drawing/2010/main" xmlns="">
+              <a14:hiddenEffects xmlns="" xmlns:a14="http://schemas.microsoft.com/office/drawing/2010/main">
                 <a:effectLst>
                   <a:outerShdw blurRad="63500" dist="38099" dir="2700000" algn="ctr" rotWithShape="0">
                     <a:srgbClr val="000000">
@@ -7297,12 +7297,12 @@
             <a:effectLst/>
             <a:extLst>
               <a:ext uri="{909E8E84-426E-40dd-AFC4-6F175D3DCCD1}">
-                <a14:hiddenFill xmlns:a14="http://schemas.microsoft.com/office/drawing/2010/main" xmlns="">
+                <a14:hiddenFill xmlns="" xmlns:a14="http://schemas.microsoft.com/office/drawing/2010/main">
                   <a:noFill/>
                 </a14:hiddenFill>
               </a:ext>
               <a:ext uri="{AF507438-7753-43e0-B8FC-AC1667EBCBE1}">
-                <a14:hiddenEffects xmlns:a14="http://schemas.microsoft.com/office/drawing/2010/main" xmlns="">
+                <a14:hiddenEffects xmlns="" xmlns:a14="http://schemas.microsoft.com/office/drawing/2010/main">
                   <a:effectLst>
                     <a:outerShdw blurRad="63500" dist="38099" dir="2700000" algn="ctr" rotWithShape="0">
                       <a:srgbClr val="000000">
@@ -7350,12 +7350,12 @@
             <a:effectLst/>
             <a:extLst>
               <a:ext uri="{909E8E84-426E-40dd-AFC4-6F175D3DCCD1}">
-                <a14:hiddenFill xmlns:a14="http://schemas.microsoft.com/office/drawing/2010/main" xmlns="">
+                <a14:hiddenFill xmlns="" xmlns:a14="http://schemas.microsoft.com/office/drawing/2010/main">
                   <a:noFill/>
                 </a14:hiddenFill>
               </a:ext>
               <a:ext uri="{AF507438-7753-43e0-B8FC-AC1667EBCBE1}">
-                <a14:hiddenEffects xmlns:a14="http://schemas.microsoft.com/office/drawing/2010/main" xmlns="">
+                <a14:hiddenEffects xmlns="" xmlns:a14="http://schemas.microsoft.com/office/drawing/2010/main">
                   <a:effectLst>
                     <a:outerShdw blurRad="63500" dist="38099" dir="2700000" algn="ctr" rotWithShape="0">
                       <a:srgbClr val="000000">
@@ -7398,14 +7398,14 @@
             <a:effectLst/>
             <a:extLst>
               <a:ext uri="{909E8E84-426E-40dd-AFC4-6F175D3DCCD1}">
-                <a14:hiddenFill xmlns:a14="http://schemas.microsoft.com/office/drawing/2010/main" xmlns="">
+                <a14:hiddenFill xmlns="" xmlns:a14="http://schemas.microsoft.com/office/drawing/2010/main">
                   <a:solidFill>
                     <a:schemeClr val="accent1"/>
                   </a:solidFill>
                 </a14:hiddenFill>
               </a:ext>
               <a:ext uri="{91240B29-F687-4f45-9708-019B960494DF}">
-                <a14:hiddenLine xmlns:a14="http://schemas.microsoft.com/office/drawing/2010/main" xmlns="" w="9525">
+                <a14:hiddenLine xmlns="" xmlns:a14="http://schemas.microsoft.com/office/drawing/2010/main" w="9525">
                   <a:solidFill>
                     <a:schemeClr val="hlink"/>
                   </a:solidFill>
@@ -7415,7 +7415,7 @@
                 </a14:hiddenLine>
               </a:ext>
               <a:ext uri="{AF507438-7753-43e0-B8FC-AC1667EBCBE1}">
-                <a14:hiddenEffects xmlns:a14="http://schemas.microsoft.com/office/drawing/2010/main" xmlns="">
+                <a14:hiddenEffects xmlns="" xmlns:a14="http://schemas.microsoft.com/office/drawing/2010/main">
                   <a:effectLst>
                     <a:outerShdw blurRad="63500" dist="38099" dir="2700000" algn="ctr" rotWithShape="0">
                       <a:srgbClr val="000000">
@@ -7527,12 +7527,12 @@
             <a:effectLst/>
             <a:extLst>
               <a:ext uri="{909E8E84-426E-40dd-AFC4-6F175D3DCCD1}">
-                <a14:hiddenFill xmlns:a14="http://schemas.microsoft.com/office/drawing/2010/main" xmlns="">
+                <a14:hiddenFill xmlns="" xmlns:a14="http://schemas.microsoft.com/office/drawing/2010/main">
                   <a:noFill/>
                 </a14:hiddenFill>
               </a:ext>
               <a:ext uri="{AF507438-7753-43e0-B8FC-AC1667EBCBE1}">
-                <a14:hiddenEffects xmlns:a14="http://schemas.microsoft.com/office/drawing/2010/main" xmlns="">
+                <a14:hiddenEffects xmlns="" xmlns:a14="http://schemas.microsoft.com/office/drawing/2010/main">
                   <a:effectLst>
                     <a:outerShdw blurRad="63500" dist="38099" dir="2700000" algn="ctr" rotWithShape="0">
                       <a:srgbClr val="000000">
@@ -7580,12 +7580,12 @@
             <a:effectLst/>
             <a:extLst>
               <a:ext uri="{909E8E84-426E-40dd-AFC4-6F175D3DCCD1}">
-                <a14:hiddenFill xmlns:a14="http://schemas.microsoft.com/office/drawing/2010/main" xmlns="">
+                <a14:hiddenFill xmlns="" xmlns:a14="http://schemas.microsoft.com/office/drawing/2010/main">
                   <a:noFill/>
                 </a14:hiddenFill>
               </a:ext>
               <a:ext uri="{AF507438-7753-43e0-B8FC-AC1667EBCBE1}">
-                <a14:hiddenEffects xmlns:a14="http://schemas.microsoft.com/office/drawing/2010/main" xmlns="">
+                <a14:hiddenEffects xmlns="" xmlns:a14="http://schemas.microsoft.com/office/drawing/2010/main">
                   <a:effectLst>
                     <a:outerShdw blurRad="63500" dist="38099" dir="2700000" algn="ctr" rotWithShape="0">
                       <a:srgbClr val="000000">
@@ -7628,14 +7628,14 @@
             <a:effectLst/>
             <a:extLst>
               <a:ext uri="{909E8E84-426E-40dd-AFC4-6F175D3DCCD1}">
-                <a14:hiddenFill xmlns:a14="http://schemas.microsoft.com/office/drawing/2010/main" xmlns="">
+                <a14:hiddenFill xmlns="" xmlns:a14="http://schemas.microsoft.com/office/drawing/2010/main">
                   <a:solidFill>
                     <a:schemeClr val="accent1"/>
                   </a:solidFill>
                 </a14:hiddenFill>
               </a:ext>
               <a:ext uri="{91240B29-F687-4f45-9708-019B960494DF}">
-                <a14:hiddenLine xmlns:a14="http://schemas.microsoft.com/office/drawing/2010/main" xmlns="" w="38100">
+                <a14:hiddenLine xmlns="" xmlns:a14="http://schemas.microsoft.com/office/drawing/2010/main" w="38100">
                   <a:solidFill>
                     <a:schemeClr val="hlink"/>
                   </a:solidFill>
@@ -7645,7 +7645,7 @@
                 </a14:hiddenLine>
               </a:ext>
               <a:ext uri="{AF507438-7753-43e0-B8FC-AC1667EBCBE1}">
-                <a14:hiddenEffects xmlns:a14="http://schemas.microsoft.com/office/drawing/2010/main" xmlns="">
+                <a14:hiddenEffects xmlns="" xmlns:a14="http://schemas.microsoft.com/office/drawing/2010/main">
                   <a:effectLst>
                     <a:outerShdw blurRad="63500" dist="38099" dir="2700000" algn="ctr" rotWithShape="0">
                       <a:srgbClr val="000000">
@@ -7994,14 +7994,14 @@
           </a:ln>
           <a:extLst>
             <a:ext uri="{909E8E84-426E-40dd-AFC4-6F175D3DCCD1}">
-              <a14:hiddenFill xmlns:a14="http://schemas.microsoft.com/office/drawing/2010/main" xmlns="">
+              <a14:hiddenFill xmlns="" xmlns:a14="http://schemas.microsoft.com/office/drawing/2010/main">
                 <a:solidFill>
                   <a:srgbClr val="FFFFFF"/>
                 </a:solidFill>
               </a14:hiddenFill>
             </a:ext>
             <a:ext uri="{91240B29-F687-4f45-9708-019B960494DF}">
-              <a14:hiddenLine xmlns:a14="http://schemas.microsoft.com/office/drawing/2010/main" xmlns="" w="9525">
+              <a14:hiddenLine xmlns="" xmlns:a14="http://schemas.microsoft.com/office/drawing/2010/main" w="9525">
                 <a:solidFill>
                   <a:srgbClr val="000000"/>
                 </a:solidFill>
@@ -8429,7 +8429,7 @@
           </a:xfrm>
           <a:extLst>
             <a:ext uri="{91240B29-F687-4f45-9708-019B960494DF}">
-              <a14:hiddenLine xmlns:a14="http://schemas.microsoft.com/office/drawing/2010/main" xmlns="" w="9525">
+              <a14:hiddenLine xmlns="" xmlns:a14="http://schemas.microsoft.com/office/drawing/2010/main" w="9525">
                 <a:solidFill>
                   <a:srgbClr val="000000"/>
                 </a:solidFill>
@@ -8508,7 +8508,7 @@
           </a:ln>
           <a:extLst>
             <a:ext uri="{909E8E84-426E-40dd-AFC4-6F175D3DCCD1}">
-              <a14:hiddenFill xmlns:a14="http://schemas.microsoft.com/office/drawing/2010/main" xmlns="">
+              <a14:hiddenFill xmlns="" xmlns:a14="http://schemas.microsoft.com/office/drawing/2010/main">
                 <a:noFill/>
               </a14:hiddenFill>
             </a:ext>
@@ -8549,7 +8549,7 @@
           </a:ln>
           <a:extLst>
             <a:ext uri="{909E8E84-426E-40dd-AFC4-6F175D3DCCD1}">
-              <a14:hiddenFill xmlns:a14="http://schemas.microsoft.com/office/drawing/2010/main" xmlns="">
+              <a14:hiddenFill xmlns="" xmlns:a14="http://schemas.microsoft.com/office/drawing/2010/main">
                 <a:noFill/>
               </a14:hiddenFill>
             </a:ext>
@@ -8590,7 +8590,7 @@
           </a:ln>
           <a:extLst>
             <a:ext uri="{909E8E84-426E-40dd-AFC4-6F175D3DCCD1}">
-              <a14:hiddenFill xmlns:a14="http://schemas.microsoft.com/office/drawing/2010/main" xmlns="">
+              <a14:hiddenFill xmlns="" xmlns:a14="http://schemas.microsoft.com/office/drawing/2010/main">
                 <a:noFill/>
               </a14:hiddenFill>
             </a:ext>
@@ -8644,14 +8644,14 @@
             </a:ln>
             <a:extLst>
               <a:ext uri="{909E8E84-426E-40dd-AFC4-6F175D3DCCD1}">
-                <a14:hiddenFill xmlns:a14="http://schemas.microsoft.com/office/drawing/2010/main" xmlns="">
+                <a14:hiddenFill xmlns="" xmlns:a14="http://schemas.microsoft.com/office/drawing/2010/main">
                   <a:solidFill>
                     <a:srgbClr val="FFFFFF"/>
                   </a:solidFill>
                 </a14:hiddenFill>
               </a:ext>
               <a:ext uri="{91240B29-F687-4f45-9708-019B960494DF}">
-                <a14:hiddenLine xmlns:a14="http://schemas.microsoft.com/office/drawing/2010/main" xmlns="" w="9525">
+                <a14:hiddenLine xmlns="" xmlns:a14="http://schemas.microsoft.com/office/drawing/2010/main" w="9525">
                   <a:solidFill>
                     <a:srgbClr val="000000"/>
                   </a:solidFill>
@@ -8694,14 +8694,14 @@
             </a:ln>
             <a:extLst>
               <a:ext uri="{909E8E84-426E-40dd-AFC4-6F175D3DCCD1}">
-                <a14:hiddenFill xmlns:a14="http://schemas.microsoft.com/office/drawing/2010/main" xmlns="">
+                <a14:hiddenFill xmlns="" xmlns:a14="http://schemas.microsoft.com/office/drawing/2010/main">
                   <a:solidFill>
                     <a:srgbClr val="FFFFFF"/>
                   </a:solidFill>
                 </a14:hiddenFill>
               </a:ext>
               <a:ext uri="{91240B29-F687-4f45-9708-019B960494DF}">
-                <a14:hiddenLine xmlns:a14="http://schemas.microsoft.com/office/drawing/2010/main" xmlns="" w="9525">
+                <a14:hiddenLine xmlns="" xmlns:a14="http://schemas.microsoft.com/office/drawing/2010/main" w="9525">
                   <a:solidFill>
                     <a:srgbClr val="000000"/>
                   </a:solidFill>
@@ -8803,14 +8803,14 @@
             </a:ln>
             <a:extLst>
               <a:ext uri="{909E8E84-426E-40dd-AFC4-6F175D3DCCD1}">
-                <a14:hiddenFill xmlns:a14="http://schemas.microsoft.com/office/drawing/2010/main" xmlns="">
+                <a14:hiddenFill xmlns="" xmlns:a14="http://schemas.microsoft.com/office/drawing/2010/main">
                   <a:solidFill>
                     <a:srgbClr val="FFFFFF"/>
                   </a:solidFill>
                 </a14:hiddenFill>
               </a:ext>
               <a:ext uri="{91240B29-F687-4f45-9708-019B960494DF}">
-                <a14:hiddenLine xmlns:a14="http://schemas.microsoft.com/office/drawing/2010/main" xmlns="" w="9525">
+                <a14:hiddenLine xmlns="" xmlns:a14="http://schemas.microsoft.com/office/drawing/2010/main" w="9525">
                   <a:solidFill>
                     <a:srgbClr val="000000"/>
                   </a:solidFill>
@@ -8853,14 +8853,14 @@
             </a:ln>
             <a:extLst>
               <a:ext uri="{909E8E84-426E-40dd-AFC4-6F175D3DCCD1}">
-                <a14:hiddenFill xmlns:a14="http://schemas.microsoft.com/office/drawing/2010/main" xmlns="">
+                <a14:hiddenFill xmlns="" xmlns:a14="http://schemas.microsoft.com/office/drawing/2010/main">
                   <a:solidFill>
                     <a:srgbClr val="FFFFFF"/>
                   </a:solidFill>
                 </a14:hiddenFill>
               </a:ext>
               <a:ext uri="{91240B29-F687-4f45-9708-019B960494DF}">
-                <a14:hiddenLine xmlns:a14="http://schemas.microsoft.com/office/drawing/2010/main" xmlns="" w="9525">
+                <a14:hiddenLine xmlns="" xmlns:a14="http://schemas.microsoft.com/office/drawing/2010/main" w="9525">
                   <a:solidFill>
                     <a:srgbClr val="000000"/>
                   </a:solidFill>
@@ -8962,14 +8962,14 @@
             </a:ln>
             <a:extLst>
               <a:ext uri="{909E8E84-426E-40dd-AFC4-6F175D3DCCD1}">
-                <a14:hiddenFill xmlns:a14="http://schemas.microsoft.com/office/drawing/2010/main" xmlns="">
+                <a14:hiddenFill xmlns="" xmlns:a14="http://schemas.microsoft.com/office/drawing/2010/main">
                   <a:solidFill>
                     <a:srgbClr val="FFFFFF"/>
                   </a:solidFill>
                 </a14:hiddenFill>
               </a:ext>
               <a:ext uri="{91240B29-F687-4f45-9708-019B960494DF}">
-                <a14:hiddenLine xmlns:a14="http://schemas.microsoft.com/office/drawing/2010/main" xmlns="" w="9525">
+                <a14:hiddenLine xmlns="" xmlns:a14="http://schemas.microsoft.com/office/drawing/2010/main" w="9525">
                   <a:solidFill>
                     <a:srgbClr val="000000"/>
                   </a:solidFill>
@@ -9012,14 +9012,14 @@
             </a:ln>
             <a:extLst>
               <a:ext uri="{909E8E84-426E-40dd-AFC4-6F175D3DCCD1}">
-                <a14:hiddenFill xmlns:a14="http://schemas.microsoft.com/office/drawing/2010/main" xmlns="">
+                <a14:hiddenFill xmlns="" xmlns:a14="http://schemas.microsoft.com/office/drawing/2010/main">
                   <a:solidFill>
                     <a:srgbClr val="FFFFFF"/>
                   </a:solidFill>
                 </a14:hiddenFill>
               </a:ext>
               <a:ext uri="{91240B29-F687-4f45-9708-019B960494DF}">
-                <a14:hiddenLine xmlns:a14="http://schemas.microsoft.com/office/drawing/2010/main" xmlns="" w="9525">
+                <a14:hiddenLine xmlns="" xmlns:a14="http://schemas.microsoft.com/office/drawing/2010/main" w="9525">
                   <a:solidFill>
                     <a:srgbClr val="000000"/>
                   </a:solidFill>
@@ -9130,14 +9130,14 @@
             </a:ln>
             <a:extLst>
               <a:ext uri="{909E8E84-426E-40dd-AFC4-6F175D3DCCD1}">
-                <a14:hiddenFill xmlns:a14="http://schemas.microsoft.com/office/drawing/2010/main" xmlns="">
+                <a14:hiddenFill xmlns="" xmlns:a14="http://schemas.microsoft.com/office/drawing/2010/main">
                   <a:solidFill>
                     <a:srgbClr val="FFFFFF"/>
                   </a:solidFill>
                 </a14:hiddenFill>
               </a:ext>
               <a:ext uri="{91240B29-F687-4f45-9708-019B960494DF}">
-                <a14:hiddenLine xmlns:a14="http://schemas.microsoft.com/office/drawing/2010/main" xmlns="" w="9525">
+                <a14:hiddenLine xmlns="" xmlns:a14="http://schemas.microsoft.com/office/drawing/2010/main" w="9525">
                   <a:solidFill>
                     <a:srgbClr val="000000"/>
                   </a:solidFill>
@@ -9180,14 +9180,14 @@
             </a:ln>
             <a:extLst>
               <a:ext uri="{909E8E84-426E-40dd-AFC4-6F175D3DCCD1}">
-                <a14:hiddenFill xmlns:a14="http://schemas.microsoft.com/office/drawing/2010/main" xmlns="">
+                <a14:hiddenFill xmlns="" xmlns:a14="http://schemas.microsoft.com/office/drawing/2010/main">
                   <a:solidFill>
                     <a:srgbClr val="FFFFFF"/>
                   </a:solidFill>
                 </a14:hiddenFill>
               </a:ext>
               <a:ext uri="{91240B29-F687-4f45-9708-019B960494DF}">
-                <a14:hiddenLine xmlns:a14="http://schemas.microsoft.com/office/drawing/2010/main" xmlns="" w="9525">
+                <a14:hiddenLine xmlns="" xmlns:a14="http://schemas.microsoft.com/office/drawing/2010/main" w="9525">
                   <a:solidFill>
                     <a:srgbClr val="000000"/>
                   </a:solidFill>
@@ -9316,14 +9316,14 @@
             </a:ln>
             <a:extLst>
               <a:ext uri="{909E8E84-426E-40dd-AFC4-6F175D3DCCD1}">
-                <a14:hiddenFill xmlns:a14="http://schemas.microsoft.com/office/drawing/2010/main" xmlns="">
+                <a14:hiddenFill xmlns="" xmlns:a14="http://schemas.microsoft.com/office/drawing/2010/main">
                   <a:solidFill>
                     <a:srgbClr val="FFFFFF"/>
                   </a:solidFill>
                 </a14:hiddenFill>
               </a:ext>
               <a:ext uri="{91240B29-F687-4f45-9708-019B960494DF}">
-                <a14:hiddenLine xmlns:a14="http://schemas.microsoft.com/office/drawing/2010/main" xmlns="" w="9525">
+                <a14:hiddenLine xmlns="" xmlns:a14="http://schemas.microsoft.com/office/drawing/2010/main" w="9525">
                   <a:solidFill>
                     <a:srgbClr val="000000"/>
                   </a:solidFill>
@@ -9366,14 +9366,14 @@
             </a:ln>
             <a:extLst>
               <a:ext uri="{909E8E84-426E-40dd-AFC4-6F175D3DCCD1}">
-                <a14:hiddenFill xmlns:a14="http://schemas.microsoft.com/office/drawing/2010/main" xmlns="">
+                <a14:hiddenFill xmlns="" xmlns:a14="http://schemas.microsoft.com/office/drawing/2010/main">
                   <a:solidFill>
                     <a:srgbClr val="FFFFFF"/>
                   </a:solidFill>
                 </a14:hiddenFill>
               </a:ext>
               <a:ext uri="{91240B29-F687-4f45-9708-019B960494DF}">
-                <a14:hiddenLine xmlns:a14="http://schemas.microsoft.com/office/drawing/2010/main" xmlns="" w="9525">
+                <a14:hiddenLine xmlns="" xmlns:a14="http://schemas.microsoft.com/office/drawing/2010/main" w="9525">
                   <a:solidFill>
                     <a:srgbClr val="000000"/>
                   </a:solidFill>
@@ -9471,7 +9471,7 @@
           </a:ln>
           <a:extLst>
             <a:ext uri="{909E8E84-426E-40dd-AFC4-6F175D3DCCD1}">
-              <a14:hiddenFill xmlns:a14="http://schemas.microsoft.com/office/drawing/2010/main" xmlns="">
+              <a14:hiddenFill xmlns="" xmlns:a14="http://schemas.microsoft.com/office/drawing/2010/main">
                 <a:noFill/>
               </a14:hiddenFill>
             </a:ext>
@@ -9512,7 +9512,7 @@
           </a:ln>
           <a:extLst>
             <a:ext uri="{909E8E84-426E-40dd-AFC4-6F175D3DCCD1}">
-              <a14:hiddenFill xmlns:a14="http://schemas.microsoft.com/office/drawing/2010/main" xmlns="">
+              <a14:hiddenFill xmlns="" xmlns:a14="http://schemas.microsoft.com/office/drawing/2010/main">
                 <a:noFill/>
               </a14:hiddenFill>
             </a:ext>
@@ -9553,7 +9553,7 @@
           </a:ln>
           <a:extLst>
             <a:ext uri="{909E8E84-426E-40dd-AFC4-6F175D3DCCD1}">
-              <a14:hiddenFill xmlns:a14="http://schemas.microsoft.com/office/drawing/2010/main" xmlns="">
+              <a14:hiddenFill xmlns="" xmlns:a14="http://schemas.microsoft.com/office/drawing/2010/main">
                 <a:noFill/>
               </a14:hiddenFill>
             </a:ext>
@@ -9594,7 +9594,7 @@
           </a:ln>
           <a:extLst>
             <a:ext uri="{909E8E84-426E-40dd-AFC4-6F175D3DCCD1}">
-              <a14:hiddenFill xmlns:a14="http://schemas.microsoft.com/office/drawing/2010/main" xmlns="">
+              <a14:hiddenFill xmlns="" xmlns:a14="http://schemas.microsoft.com/office/drawing/2010/main">
                 <a:noFill/>
               </a14:hiddenFill>
             </a:ext>
@@ -9635,7 +9635,7 @@
           </a:ln>
           <a:extLst>
             <a:ext uri="{909E8E84-426E-40dd-AFC4-6F175D3DCCD1}">
-              <a14:hiddenFill xmlns:a14="http://schemas.microsoft.com/office/drawing/2010/main" xmlns="">
+              <a14:hiddenFill xmlns="" xmlns:a14="http://schemas.microsoft.com/office/drawing/2010/main">
                 <a:noFill/>
               </a14:hiddenFill>
             </a:ext>
@@ -9676,7 +9676,7 @@
           </a:ln>
           <a:extLst>
             <a:ext uri="{909E8E84-426E-40dd-AFC4-6F175D3DCCD1}">
-              <a14:hiddenFill xmlns:a14="http://schemas.microsoft.com/office/drawing/2010/main" xmlns="">
+              <a14:hiddenFill xmlns="" xmlns:a14="http://schemas.microsoft.com/office/drawing/2010/main">
                 <a:noFill/>
               </a14:hiddenFill>
             </a:ext>
@@ -9717,7 +9717,7 @@
           </a:ln>
           <a:extLst>
             <a:ext uri="{909E8E84-426E-40dd-AFC4-6F175D3DCCD1}">
-              <a14:hiddenFill xmlns:a14="http://schemas.microsoft.com/office/drawing/2010/main" xmlns="">
+              <a14:hiddenFill xmlns="" xmlns:a14="http://schemas.microsoft.com/office/drawing/2010/main">
                 <a:noFill/>
               </a14:hiddenFill>
             </a:ext>
@@ -9758,7 +9758,7 @@
           </a:ln>
           <a:extLst>
             <a:ext uri="{909E8E84-426E-40dd-AFC4-6F175D3DCCD1}">
-              <a14:hiddenFill xmlns:a14="http://schemas.microsoft.com/office/drawing/2010/main" xmlns="">
+              <a14:hiddenFill xmlns="" xmlns:a14="http://schemas.microsoft.com/office/drawing/2010/main">
                 <a:noFill/>
               </a14:hiddenFill>
             </a:ext>
@@ -9812,14 +9812,14 @@
             </a:ln>
             <a:extLst>
               <a:ext uri="{909E8E84-426E-40dd-AFC4-6F175D3DCCD1}">
-                <a14:hiddenFill xmlns:a14="http://schemas.microsoft.com/office/drawing/2010/main" xmlns="">
+                <a14:hiddenFill xmlns="" xmlns:a14="http://schemas.microsoft.com/office/drawing/2010/main">
                   <a:solidFill>
                     <a:srgbClr val="FFFFFF"/>
                   </a:solidFill>
                 </a14:hiddenFill>
               </a:ext>
               <a:ext uri="{91240B29-F687-4f45-9708-019B960494DF}">
-                <a14:hiddenLine xmlns:a14="http://schemas.microsoft.com/office/drawing/2010/main" xmlns="" w="9525">
+                <a14:hiddenLine xmlns="" xmlns:a14="http://schemas.microsoft.com/office/drawing/2010/main" w="9525">
                   <a:solidFill>
                     <a:srgbClr val="000000"/>
                   </a:solidFill>
@@ -9862,14 +9862,14 @@
             </a:ln>
             <a:extLst>
               <a:ext uri="{909E8E84-426E-40dd-AFC4-6F175D3DCCD1}">
-                <a14:hiddenFill xmlns:a14="http://schemas.microsoft.com/office/drawing/2010/main" xmlns="">
+                <a14:hiddenFill xmlns="" xmlns:a14="http://schemas.microsoft.com/office/drawing/2010/main">
                   <a:solidFill>
                     <a:srgbClr val="FFFFFF"/>
                   </a:solidFill>
                 </a14:hiddenFill>
               </a:ext>
               <a:ext uri="{91240B29-F687-4f45-9708-019B960494DF}">
-                <a14:hiddenLine xmlns:a14="http://schemas.microsoft.com/office/drawing/2010/main" xmlns="" w="9525">
+                <a14:hiddenLine xmlns="" xmlns:a14="http://schemas.microsoft.com/office/drawing/2010/main" w="9525">
                   <a:solidFill>
                     <a:srgbClr val="000000"/>
                   </a:solidFill>
@@ -9971,14 +9971,14 @@
             </a:ln>
             <a:extLst>
               <a:ext uri="{909E8E84-426E-40dd-AFC4-6F175D3DCCD1}">
-                <a14:hiddenFill xmlns:a14="http://schemas.microsoft.com/office/drawing/2010/main" xmlns="">
+                <a14:hiddenFill xmlns="" xmlns:a14="http://schemas.microsoft.com/office/drawing/2010/main">
                   <a:solidFill>
                     <a:srgbClr val="FFFFFF"/>
                   </a:solidFill>
                 </a14:hiddenFill>
               </a:ext>
               <a:ext uri="{91240B29-F687-4f45-9708-019B960494DF}">
-                <a14:hiddenLine xmlns:a14="http://schemas.microsoft.com/office/drawing/2010/main" xmlns="" w="9525">
+                <a14:hiddenLine xmlns="" xmlns:a14="http://schemas.microsoft.com/office/drawing/2010/main" w="9525">
                   <a:solidFill>
                     <a:srgbClr val="FF0000"/>
                   </a:solidFill>
@@ -10021,14 +10021,14 @@
             </a:ln>
             <a:extLst>
               <a:ext uri="{909E8E84-426E-40dd-AFC4-6F175D3DCCD1}">
-                <a14:hiddenFill xmlns:a14="http://schemas.microsoft.com/office/drawing/2010/main" xmlns="">
+                <a14:hiddenFill xmlns="" xmlns:a14="http://schemas.microsoft.com/office/drawing/2010/main">
                   <a:solidFill>
                     <a:srgbClr val="FFFFFF"/>
                   </a:solidFill>
                 </a14:hiddenFill>
               </a:ext>
               <a:ext uri="{91240B29-F687-4f45-9708-019B960494DF}">
-                <a14:hiddenLine xmlns:a14="http://schemas.microsoft.com/office/drawing/2010/main" xmlns="" w="9525">
+                <a14:hiddenLine xmlns="" xmlns:a14="http://schemas.microsoft.com/office/drawing/2010/main" w="9525">
                   <a:solidFill>
                     <a:srgbClr val="FF0000"/>
                   </a:solidFill>
@@ -10130,14 +10130,14 @@
             </a:ln>
             <a:extLst>
               <a:ext uri="{909E8E84-426E-40dd-AFC4-6F175D3DCCD1}">
-                <a14:hiddenFill xmlns:a14="http://schemas.microsoft.com/office/drawing/2010/main" xmlns="">
+                <a14:hiddenFill xmlns="" xmlns:a14="http://schemas.microsoft.com/office/drawing/2010/main">
                   <a:solidFill>
                     <a:srgbClr val="FFFFFF"/>
                   </a:solidFill>
                 </a14:hiddenFill>
               </a:ext>
               <a:ext uri="{91240B29-F687-4f45-9708-019B960494DF}">
-                <a14:hiddenLine xmlns:a14="http://schemas.microsoft.com/office/drawing/2010/main" xmlns="" w="9525">
+                <a14:hiddenLine xmlns="" xmlns:a14="http://schemas.microsoft.com/office/drawing/2010/main" w="9525">
                   <a:solidFill>
                     <a:schemeClr val="accent2"/>
                   </a:solidFill>
@@ -10180,14 +10180,14 @@
             </a:ln>
             <a:extLst>
               <a:ext uri="{909E8E84-426E-40dd-AFC4-6F175D3DCCD1}">
-                <a14:hiddenFill xmlns:a14="http://schemas.microsoft.com/office/drawing/2010/main" xmlns="">
+                <a14:hiddenFill xmlns="" xmlns:a14="http://schemas.microsoft.com/office/drawing/2010/main">
                   <a:solidFill>
                     <a:srgbClr val="FFFFFF"/>
                   </a:solidFill>
                 </a14:hiddenFill>
               </a:ext>
               <a:ext uri="{91240B29-F687-4f45-9708-019B960494DF}">
-                <a14:hiddenLine xmlns:a14="http://schemas.microsoft.com/office/drawing/2010/main" xmlns="" w="9525">
+                <a14:hiddenLine xmlns="" xmlns:a14="http://schemas.microsoft.com/office/drawing/2010/main" w="9525">
                   <a:solidFill>
                     <a:schemeClr val="accent2"/>
                   </a:solidFill>
@@ -10289,14 +10289,14 @@
             </a:ln>
             <a:extLst>
               <a:ext uri="{909E8E84-426E-40dd-AFC4-6F175D3DCCD1}">
-                <a14:hiddenFill xmlns:a14="http://schemas.microsoft.com/office/drawing/2010/main" xmlns="">
+                <a14:hiddenFill xmlns="" xmlns:a14="http://schemas.microsoft.com/office/drawing/2010/main">
                   <a:solidFill>
                     <a:srgbClr val="FFFFFF"/>
                   </a:solidFill>
                 </a14:hiddenFill>
               </a:ext>
               <a:ext uri="{91240B29-F687-4f45-9708-019B960494DF}">
-                <a14:hiddenLine xmlns:a14="http://schemas.microsoft.com/office/drawing/2010/main" xmlns="" w="9525">
+                <a14:hiddenLine xmlns="" xmlns:a14="http://schemas.microsoft.com/office/drawing/2010/main" w="9525">
                   <a:solidFill>
                     <a:srgbClr val="000000"/>
                   </a:solidFill>
@@ -10339,14 +10339,14 @@
             </a:ln>
             <a:extLst>
               <a:ext uri="{909E8E84-426E-40dd-AFC4-6F175D3DCCD1}">
-                <a14:hiddenFill xmlns:a14="http://schemas.microsoft.com/office/drawing/2010/main" xmlns="">
+                <a14:hiddenFill xmlns="" xmlns:a14="http://schemas.microsoft.com/office/drawing/2010/main">
                   <a:solidFill>
                     <a:srgbClr val="FFFFFF"/>
                   </a:solidFill>
                 </a14:hiddenFill>
               </a:ext>
               <a:ext uri="{91240B29-F687-4f45-9708-019B960494DF}">
-                <a14:hiddenLine xmlns:a14="http://schemas.microsoft.com/office/drawing/2010/main" xmlns="" w="9525">
+                <a14:hiddenLine xmlns="" xmlns:a14="http://schemas.microsoft.com/office/drawing/2010/main" w="9525">
                   <a:solidFill>
                     <a:srgbClr val="000000"/>
                   </a:solidFill>
@@ -10485,7 +10485,7 @@
           </a:xfrm>
           <a:extLst>
             <a:ext uri="{91240B29-F687-4f45-9708-019B960494DF}">
-              <a14:hiddenLine xmlns:a14="http://schemas.microsoft.com/office/drawing/2010/main" xmlns="" w="9525">
+              <a14:hiddenLine xmlns="" xmlns:a14="http://schemas.microsoft.com/office/drawing/2010/main" w="9525">
                 <a:solidFill>
                   <a:srgbClr val="000000"/>
                 </a:solidFill>
@@ -10554,7 +10554,7 @@
           </a:xfrm>
           <a:extLst>
             <a:ext uri="{91240B29-F687-4f45-9708-019B960494DF}">
-              <a14:hiddenLine xmlns:a14="http://schemas.microsoft.com/office/drawing/2010/main" xmlns="" w="9525">
+              <a14:hiddenLine xmlns="" xmlns:a14="http://schemas.microsoft.com/office/drawing/2010/main" w="9525">
                 <a:solidFill>
                   <a:srgbClr val="000000"/>
                 </a:solidFill>
@@ -10926,7 +10926,7 @@
           </a:xfrm>
           <a:extLst>
             <a:ext uri="{91240B29-F687-4f45-9708-019B960494DF}">
-              <a14:hiddenLine xmlns:a14="http://schemas.microsoft.com/office/drawing/2010/main" xmlns="" w="9525">
+              <a14:hiddenLine xmlns="" xmlns:a14="http://schemas.microsoft.com/office/drawing/2010/main" w="9525">
                 <a:solidFill>
                   <a:srgbClr val="000000"/>
                 </a:solidFill>
@@ -10995,7 +10995,7 @@
           </a:xfrm>
           <a:extLst>
             <a:ext uri="{91240B29-F687-4f45-9708-019B960494DF}">
-              <a14:hiddenLine xmlns:a14="http://schemas.microsoft.com/office/drawing/2010/main" xmlns="" w="9525">
+              <a14:hiddenLine xmlns="" xmlns:a14="http://schemas.microsoft.com/office/drawing/2010/main" w="9525">
                 <a:solidFill>
                   <a:srgbClr val="000000"/>
                 </a:solidFill>
@@ -11317,7 +11317,7 @@
           </a:xfrm>
           <a:extLst>
             <a:ext uri="{91240B29-F687-4f45-9708-019B960494DF}">
-              <a14:hiddenLine xmlns:a14="http://schemas.microsoft.com/office/drawing/2010/main" xmlns="" w="9525">
+              <a14:hiddenLine xmlns="" xmlns:a14="http://schemas.microsoft.com/office/drawing/2010/main" w="9525">
                 <a:solidFill>
                   <a:srgbClr val="000000"/>
                 </a:solidFill>
@@ -11396,7 +11396,7 @@
           </a:ln>
           <a:extLst>
             <a:ext uri="{909E8E84-426E-40dd-AFC4-6F175D3DCCD1}">
-              <a14:hiddenFill xmlns:a14="http://schemas.microsoft.com/office/drawing/2010/main" xmlns="">
+              <a14:hiddenFill xmlns="" xmlns:a14="http://schemas.microsoft.com/office/drawing/2010/main">
                 <a:noFill/>
               </a14:hiddenFill>
             </a:ext>
@@ -11450,14 +11450,14 @@
             </a:ln>
             <a:extLst>
               <a:ext uri="{909E8E84-426E-40dd-AFC4-6F175D3DCCD1}">
-                <a14:hiddenFill xmlns:a14="http://schemas.microsoft.com/office/drawing/2010/main" xmlns="">
+                <a14:hiddenFill xmlns="" xmlns:a14="http://schemas.microsoft.com/office/drawing/2010/main">
                   <a:solidFill>
                     <a:srgbClr val="FFFFFF"/>
                   </a:solidFill>
                 </a14:hiddenFill>
               </a:ext>
               <a:ext uri="{91240B29-F687-4f45-9708-019B960494DF}">
-                <a14:hiddenLine xmlns:a14="http://schemas.microsoft.com/office/drawing/2010/main" xmlns="" w="9525">
+                <a14:hiddenLine xmlns="" xmlns:a14="http://schemas.microsoft.com/office/drawing/2010/main" w="9525">
                   <a:solidFill>
                     <a:srgbClr val="000000"/>
                   </a:solidFill>
@@ -11500,14 +11500,14 @@
             </a:ln>
             <a:extLst>
               <a:ext uri="{909E8E84-426E-40dd-AFC4-6F175D3DCCD1}">
-                <a14:hiddenFill xmlns:a14="http://schemas.microsoft.com/office/drawing/2010/main" xmlns="">
+                <a14:hiddenFill xmlns="" xmlns:a14="http://schemas.microsoft.com/office/drawing/2010/main">
                   <a:solidFill>
                     <a:srgbClr val="FFFFFF"/>
                   </a:solidFill>
                 </a14:hiddenFill>
               </a:ext>
               <a:ext uri="{91240B29-F687-4f45-9708-019B960494DF}">
-                <a14:hiddenLine xmlns:a14="http://schemas.microsoft.com/office/drawing/2010/main" xmlns="" w="9525">
+                <a14:hiddenLine xmlns="" xmlns:a14="http://schemas.microsoft.com/office/drawing/2010/main" w="9525">
                   <a:solidFill>
                     <a:srgbClr val="000000"/>
                   </a:solidFill>
@@ -11609,14 +11609,14 @@
             </a:ln>
             <a:extLst>
               <a:ext uri="{909E8E84-426E-40dd-AFC4-6F175D3DCCD1}">
-                <a14:hiddenFill xmlns:a14="http://schemas.microsoft.com/office/drawing/2010/main" xmlns="">
+                <a14:hiddenFill xmlns="" xmlns:a14="http://schemas.microsoft.com/office/drawing/2010/main">
                   <a:solidFill>
                     <a:srgbClr val="FFFFFF"/>
                   </a:solidFill>
                 </a14:hiddenFill>
               </a:ext>
               <a:ext uri="{91240B29-F687-4f45-9708-019B960494DF}">
-                <a14:hiddenLine xmlns:a14="http://schemas.microsoft.com/office/drawing/2010/main" xmlns="" w="9525">
+                <a14:hiddenLine xmlns="" xmlns:a14="http://schemas.microsoft.com/office/drawing/2010/main" w="9525">
                   <a:solidFill>
                     <a:srgbClr val="000000"/>
                   </a:solidFill>
@@ -11659,14 +11659,14 @@
             </a:ln>
             <a:extLst>
               <a:ext uri="{909E8E84-426E-40dd-AFC4-6F175D3DCCD1}">
-                <a14:hiddenFill xmlns:a14="http://schemas.microsoft.com/office/drawing/2010/main" xmlns="">
+                <a14:hiddenFill xmlns="" xmlns:a14="http://schemas.microsoft.com/office/drawing/2010/main">
                   <a:solidFill>
                     <a:srgbClr val="FFFFFF"/>
                   </a:solidFill>
                 </a14:hiddenFill>
               </a:ext>
               <a:ext uri="{91240B29-F687-4f45-9708-019B960494DF}">
-                <a14:hiddenLine xmlns:a14="http://schemas.microsoft.com/office/drawing/2010/main" xmlns="" w="9525">
+                <a14:hiddenLine xmlns="" xmlns:a14="http://schemas.microsoft.com/office/drawing/2010/main" w="9525">
                   <a:solidFill>
                     <a:srgbClr val="000000"/>
                   </a:solidFill>
@@ -11768,14 +11768,14 @@
             </a:ln>
             <a:extLst>
               <a:ext uri="{909E8E84-426E-40dd-AFC4-6F175D3DCCD1}">
-                <a14:hiddenFill xmlns:a14="http://schemas.microsoft.com/office/drawing/2010/main" xmlns="">
+                <a14:hiddenFill xmlns="" xmlns:a14="http://schemas.microsoft.com/office/drawing/2010/main">
                   <a:solidFill>
                     <a:srgbClr val="FFFFFF"/>
                   </a:solidFill>
                 </a14:hiddenFill>
               </a:ext>
               <a:ext uri="{91240B29-F687-4f45-9708-019B960494DF}">
-                <a14:hiddenLine xmlns:a14="http://schemas.microsoft.com/office/drawing/2010/main" xmlns="" w="9525">
+                <a14:hiddenLine xmlns="" xmlns:a14="http://schemas.microsoft.com/office/drawing/2010/main" w="9525">
                   <a:solidFill>
                     <a:srgbClr val="000000"/>
                   </a:solidFill>
@@ -11818,14 +11818,14 @@
             </a:ln>
             <a:extLst>
               <a:ext uri="{909E8E84-426E-40dd-AFC4-6F175D3DCCD1}">
-                <a14:hiddenFill xmlns:a14="http://schemas.microsoft.com/office/drawing/2010/main" xmlns="">
+                <a14:hiddenFill xmlns="" xmlns:a14="http://schemas.microsoft.com/office/drawing/2010/main">
                   <a:solidFill>
                     <a:srgbClr val="FFFFFF"/>
                   </a:solidFill>
                 </a14:hiddenFill>
               </a:ext>
               <a:ext uri="{91240B29-F687-4f45-9708-019B960494DF}">
-                <a14:hiddenLine xmlns:a14="http://schemas.microsoft.com/office/drawing/2010/main" xmlns="" w="9525">
+                <a14:hiddenLine xmlns="" xmlns:a14="http://schemas.microsoft.com/office/drawing/2010/main" w="9525">
                   <a:solidFill>
                     <a:srgbClr val="000000"/>
                   </a:solidFill>
@@ -11923,7 +11923,7 @@
           </a:ln>
           <a:extLst>
             <a:ext uri="{909E8E84-426E-40dd-AFC4-6F175D3DCCD1}">
-              <a14:hiddenFill xmlns:a14="http://schemas.microsoft.com/office/drawing/2010/main" xmlns="">
+              <a14:hiddenFill xmlns="" xmlns:a14="http://schemas.microsoft.com/office/drawing/2010/main">
                 <a:noFill/>
               </a14:hiddenFill>
             </a:ext>
@@ -11964,7 +11964,7 @@
           </a:ln>
           <a:extLst>
             <a:ext uri="{909E8E84-426E-40dd-AFC4-6F175D3DCCD1}">
-              <a14:hiddenFill xmlns:a14="http://schemas.microsoft.com/office/drawing/2010/main" xmlns="">
+              <a14:hiddenFill xmlns="" xmlns:a14="http://schemas.microsoft.com/office/drawing/2010/main">
                 <a:noFill/>
               </a14:hiddenFill>
             </a:ext>
@@ -12018,14 +12018,14 @@
             </a:ln>
             <a:extLst>
               <a:ext uri="{909E8E84-426E-40dd-AFC4-6F175D3DCCD1}">
-                <a14:hiddenFill xmlns:a14="http://schemas.microsoft.com/office/drawing/2010/main" xmlns="">
+                <a14:hiddenFill xmlns="" xmlns:a14="http://schemas.microsoft.com/office/drawing/2010/main">
                   <a:solidFill>
                     <a:srgbClr val="FFFFFF"/>
                   </a:solidFill>
                 </a14:hiddenFill>
               </a:ext>
               <a:ext uri="{91240B29-F687-4f45-9708-019B960494DF}">
-                <a14:hiddenLine xmlns:a14="http://schemas.microsoft.com/office/drawing/2010/main" xmlns="" w="9525">
+                <a14:hiddenLine xmlns="" xmlns:a14="http://schemas.microsoft.com/office/drawing/2010/main" w="9525">
                   <a:solidFill>
                     <a:srgbClr val="FF0000"/>
                   </a:solidFill>
@@ -12068,14 +12068,14 @@
             </a:ln>
             <a:extLst>
               <a:ext uri="{909E8E84-426E-40dd-AFC4-6F175D3DCCD1}">
-                <a14:hiddenFill xmlns:a14="http://schemas.microsoft.com/office/drawing/2010/main" xmlns="">
+                <a14:hiddenFill xmlns="" xmlns:a14="http://schemas.microsoft.com/office/drawing/2010/main">
                   <a:solidFill>
                     <a:srgbClr val="FFFFFF"/>
                   </a:solidFill>
                 </a14:hiddenFill>
               </a:ext>
               <a:ext uri="{91240B29-F687-4f45-9708-019B960494DF}">
-                <a14:hiddenLine xmlns:a14="http://schemas.microsoft.com/office/drawing/2010/main" xmlns="" w="9525">
+                <a14:hiddenLine xmlns="" xmlns:a14="http://schemas.microsoft.com/office/drawing/2010/main" w="9525">
                   <a:solidFill>
                     <a:srgbClr val="FF0000"/>
                   </a:solidFill>
@@ -12177,14 +12177,14 @@
             </a:ln>
             <a:extLst>
               <a:ext uri="{909E8E84-426E-40dd-AFC4-6F175D3DCCD1}">
-                <a14:hiddenFill xmlns:a14="http://schemas.microsoft.com/office/drawing/2010/main" xmlns="">
+                <a14:hiddenFill xmlns="" xmlns:a14="http://schemas.microsoft.com/office/drawing/2010/main">
                   <a:solidFill>
                     <a:srgbClr val="FFFFFF"/>
                   </a:solidFill>
                 </a14:hiddenFill>
               </a:ext>
               <a:ext uri="{91240B29-F687-4f45-9708-019B960494DF}">
-                <a14:hiddenLine xmlns:a14="http://schemas.microsoft.com/office/drawing/2010/main" xmlns="" w="9525">
+                <a14:hiddenLine xmlns="" xmlns:a14="http://schemas.microsoft.com/office/drawing/2010/main" w="9525">
                   <a:solidFill>
                     <a:srgbClr val="FF0000"/>
                   </a:solidFill>
@@ -12227,14 +12227,14 @@
             </a:ln>
             <a:extLst>
               <a:ext uri="{909E8E84-426E-40dd-AFC4-6F175D3DCCD1}">
-                <a14:hiddenFill xmlns:a14="http://schemas.microsoft.com/office/drawing/2010/main" xmlns="">
+                <a14:hiddenFill xmlns="" xmlns:a14="http://schemas.microsoft.com/office/drawing/2010/main">
                   <a:solidFill>
                     <a:srgbClr val="FFFFFF"/>
                   </a:solidFill>
                 </a14:hiddenFill>
               </a:ext>
               <a:ext uri="{91240B29-F687-4f45-9708-019B960494DF}">
-                <a14:hiddenLine xmlns:a14="http://schemas.microsoft.com/office/drawing/2010/main" xmlns="" w="9525">
+                <a14:hiddenLine xmlns="" xmlns:a14="http://schemas.microsoft.com/office/drawing/2010/main" w="9525">
                   <a:solidFill>
                     <a:srgbClr val="FF0000"/>
                   </a:solidFill>
@@ -12323,7 +12323,7 @@
           </a:ln>
           <a:extLst>
             <a:ext uri="{909E8E84-426E-40dd-AFC4-6F175D3DCCD1}">
-              <a14:hiddenFill xmlns:a14="http://schemas.microsoft.com/office/drawing/2010/main" xmlns="">
+              <a14:hiddenFill xmlns="" xmlns:a14="http://schemas.microsoft.com/office/drawing/2010/main">
                 <a:noFill/>
               </a14:hiddenFill>
             </a:ext>
@@ -12364,7 +12364,7 @@
           </a:ln>
           <a:extLst>
             <a:ext uri="{909E8E84-426E-40dd-AFC4-6F175D3DCCD1}">
-              <a14:hiddenFill xmlns:a14="http://schemas.microsoft.com/office/drawing/2010/main" xmlns="">
+              <a14:hiddenFill xmlns="" xmlns:a14="http://schemas.microsoft.com/office/drawing/2010/main">
                 <a:noFill/>
               </a14:hiddenFill>
             </a:ext>
@@ -12418,14 +12418,14 @@
             </a:ln>
             <a:extLst>
               <a:ext uri="{909E8E84-426E-40dd-AFC4-6F175D3DCCD1}">
-                <a14:hiddenFill xmlns:a14="http://schemas.microsoft.com/office/drawing/2010/main" xmlns="">
+                <a14:hiddenFill xmlns="" xmlns:a14="http://schemas.microsoft.com/office/drawing/2010/main">
                   <a:solidFill>
                     <a:srgbClr val="FFFFFF"/>
                   </a:solidFill>
                 </a14:hiddenFill>
               </a:ext>
               <a:ext uri="{91240B29-F687-4f45-9708-019B960494DF}">
-                <a14:hiddenLine xmlns:a14="http://schemas.microsoft.com/office/drawing/2010/main" xmlns="" w="9525">
+                <a14:hiddenLine xmlns="" xmlns:a14="http://schemas.microsoft.com/office/drawing/2010/main" w="9525">
                   <a:solidFill>
                     <a:srgbClr val="000000"/>
                   </a:solidFill>
@@ -12468,14 +12468,14 @@
             </a:ln>
             <a:extLst>
               <a:ext uri="{909E8E84-426E-40dd-AFC4-6F175D3DCCD1}">
-                <a14:hiddenFill xmlns:a14="http://schemas.microsoft.com/office/drawing/2010/main" xmlns="">
+                <a14:hiddenFill xmlns="" xmlns:a14="http://schemas.microsoft.com/office/drawing/2010/main">
                   <a:solidFill>
                     <a:srgbClr val="FFFFFF"/>
                   </a:solidFill>
                 </a14:hiddenFill>
               </a:ext>
               <a:ext uri="{91240B29-F687-4f45-9708-019B960494DF}">
-                <a14:hiddenLine xmlns:a14="http://schemas.microsoft.com/office/drawing/2010/main" xmlns="" w="9525">
+                <a14:hiddenLine xmlns="" xmlns:a14="http://schemas.microsoft.com/office/drawing/2010/main" w="9525">
                   <a:solidFill>
                     <a:srgbClr val="000000"/>
                   </a:solidFill>
@@ -12573,7 +12573,7 @@
           </a:ln>
           <a:extLst>
             <a:ext uri="{909E8E84-426E-40dd-AFC4-6F175D3DCCD1}">
-              <a14:hiddenFill xmlns:a14="http://schemas.microsoft.com/office/drawing/2010/main" xmlns="">
+              <a14:hiddenFill xmlns="" xmlns:a14="http://schemas.microsoft.com/office/drawing/2010/main">
                 <a:noFill/>
               </a14:hiddenFill>
             </a:ext>
@@ -12614,7 +12614,7 @@
           </a:ln>
           <a:extLst>
             <a:ext uri="{909E8E84-426E-40dd-AFC4-6F175D3DCCD1}">
-              <a14:hiddenFill xmlns:a14="http://schemas.microsoft.com/office/drawing/2010/main" xmlns="">
+              <a14:hiddenFill xmlns="" xmlns:a14="http://schemas.microsoft.com/office/drawing/2010/main">
                 <a:noFill/>
               </a14:hiddenFill>
             </a:ext>
@@ -12668,14 +12668,14 @@
             </a:ln>
             <a:extLst>
               <a:ext uri="{909E8E84-426E-40dd-AFC4-6F175D3DCCD1}">
-                <a14:hiddenFill xmlns:a14="http://schemas.microsoft.com/office/drawing/2010/main" xmlns="">
+                <a14:hiddenFill xmlns="" xmlns:a14="http://schemas.microsoft.com/office/drawing/2010/main">
                   <a:solidFill>
                     <a:srgbClr val="FFFFFF"/>
                   </a:solidFill>
                 </a14:hiddenFill>
               </a:ext>
               <a:ext uri="{91240B29-F687-4f45-9708-019B960494DF}">
-                <a14:hiddenLine xmlns:a14="http://schemas.microsoft.com/office/drawing/2010/main" xmlns="" w="9525">
+                <a14:hiddenLine xmlns="" xmlns:a14="http://schemas.microsoft.com/office/drawing/2010/main" w="9525">
                   <a:solidFill>
                     <a:srgbClr val="000000"/>
                   </a:solidFill>
@@ -12718,14 +12718,14 @@
             </a:ln>
             <a:extLst>
               <a:ext uri="{909E8E84-426E-40dd-AFC4-6F175D3DCCD1}">
-                <a14:hiddenFill xmlns:a14="http://schemas.microsoft.com/office/drawing/2010/main" xmlns="">
+                <a14:hiddenFill xmlns="" xmlns:a14="http://schemas.microsoft.com/office/drawing/2010/main">
                   <a:solidFill>
                     <a:srgbClr val="FFFFFF"/>
                   </a:solidFill>
                 </a14:hiddenFill>
               </a:ext>
               <a:ext uri="{91240B29-F687-4f45-9708-019B960494DF}">
-                <a14:hiddenLine xmlns:a14="http://schemas.microsoft.com/office/drawing/2010/main" xmlns="" w="9525">
+                <a14:hiddenLine xmlns="" xmlns:a14="http://schemas.microsoft.com/office/drawing/2010/main" w="9525">
                   <a:solidFill>
                     <a:srgbClr val="000000"/>
                   </a:solidFill>
@@ -12823,7 +12823,7 @@
           </a:ln>
           <a:extLst>
             <a:ext uri="{909E8E84-426E-40dd-AFC4-6F175D3DCCD1}">
-              <a14:hiddenFill xmlns:a14="http://schemas.microsoft.com/office/drawing/2010/main" xmlns="">
+              <a14:hiddenFill xmlns="" xmlns:a14="http://schemas.microsoft.com/office/drawing/2010/main">
                 <a:noFill/>
               </a14:hiddenFill>
             </a:ext>
@@ -12864,7 +12864,7 @@
           </a:ln>
           <a:extLst>
             <a:ext uri="{909E8E84-426E-40dd-AFC4-6F175D3DCCD1}">
-              <a14:hiddenFill xmlns:a14="http://schemas.microsoft.com/office/drawing/2010/main" xmlns="">
+              <a14:hiddenFill xmlns="" xmlns:a14="http://schemas.microsoft.com/office/drawing/2010/main">
                 <a:noFill/>
               </a14:hiddenFill>
             </a:ext>
@@ -12918,14 +12918,14 @@
             </a:ln>
             <a:extLst>
               <a:ext uri="{909E8E84-426E-40dd-AFC4-6F175D3DCCD1}">
-                <a14:hiddenFill xmlns:a14="http://schemas.microsoft.com/office/drawing/2010/main" xmlns="">
+                <a14:hiddenFill xmlns="" xmlns:a14="http://schemas.microsoft.com/office/drawing/2010/main">
                   <a:solidFill>
                     <a:srgbClr val="FFFFFF"/>
                   </a:solidFill>
                 </a14:hiddenFill>
               </a:ext>
               <a:ext uri="{91240B29-F687-4f45-9708-019B960494DF}">
-                <a14:hiddenLine xmlns:a14="http://schemas.microsoft.com/office/drawing/2010/main" xmlns="" w="9525">
+                <a14:hiddenLine xmlns="" xmlns:a14="http://schemas.microsoft.com/office/drawing/2010/main" w="9525">
                   <a:solidFill>
                     <a:srgbClr val="000000"/>
                   </a:solidFill>
@@ -12968,14 +12968,14 @@
             </a:ln>
             <a:extLst>
               <a:ext uri="{909E8E84-426E-40dd-AFC4-6F175D3DCCD1}">
-                <a14:hiddenFill xmlns:a14="http://schemas.microsoft.com/office/drawing/2010/main" xmlns="">
+                <a14:hiddenFill xmlns="" xmlns:a14="http://schemas.microsoft.com/office/drawing/2010/main">
                   <a:solidFill>
                     <a:srgbClr val="FFFFFF"/>
                   </a:solidFill>
                 </a14:hiddenFill>
               </a:ext>
               <a:ext uri="{91240B29-F687-4f45-9708-019B960494DF}">
-                <a14:hiddenLine xmlns:a14="http://schemas.microsoft.com/office/drawing/2010/main" xmlns="" w="9525">
+                <a14:hiddenLine xmlns="" xmlns:a14="http://schemas.microsoft.com/office/drawing/2010/main" w="9525">
                   <a:solidFill>
                     <a:srgbClr val="000000"/>
                   </a:solidFill>
@@ -13073,7 +13073,7 @@
           </a:ln>
           <a:extLst>
             <a:ext uri="{909E8E84-426E-40dd-AFC4-6F175D3DCCD1}">
-              <a14:hiddenFill xmlns:a14="http://schemas.microsoft.com/office/drawing/2010/main" xmlns="">
+              <a14:hiddenFill xmlns="" xmlns:a14="http://schemas.microsoft.com/office/drawing/2010/main">
                 <a:noFill/>
               </a14:hiddenFill>
             </a:ext>
@@ -13114,7 +13114,7 @@
           </a:ln>
           <a:extLst>
             <a:ext uri="{909E8E84-426E-40dd-AFC4-6F175D3DCCD1}">
-              <a14:hiddenFill xmlns:a14="http://schemas.microsoft.com/office/drawing/2010/main" xmlns="">
+              <a14:hiddenFill xmlns="" xmlns:a14="http://schemas.microsoft.com/office/drawing/2010/main">
                 <a:noFill/>
               </a14:hiddenFill>
             </a:ext>
@@ -13168,14 +13168,14 @@
             </a:ln>
             <a:extLst>
               <a:ext uri="{909E8E84-426E-40dd-AFC4-6F175D3DCCD1}">
-                <a14:hiddenFill xmlns:a14="http://schemas.microsoft.com/office/drawing/2010/main" xmlns="">
+                <a14:hiddenFill xmlns="" xmlns:a14="http://schemas.microsoft.com/office/drawing/2010/main">
                   <a:solidFill>
                     <a:srgbClr val="FFFFFF"/>
                   </a:solidFill>
                 </a14:hiddenFill>
               </a:ext>
               <a:ext uri="{91240B29-F687-4f45-9708-019B960494DF}">
-                <a14:hiddenLine xmlns:a14="http://schemas.microsoft.com/office/drawing/2010/main" xmlns="" w="9525">
+                <a14:hiddenLine xmlns="" xmlns:a14="http://schemas.microsoft.com/office/drawing/2010/main" w="9525">
                   <a:solidFill>
                     <a:srgbClr val="000000"/>
                   </a:solidFill>
@@ -13218,14 +13218,14 @@
             </a:ln>
             <a:extLst>
               <a:ext uri="{909E8E84-426E-40dd-AFC4-6F175D3DCCD1}">
-                <a14:hiddenFill xmlns:a14="http://schemas.microsoft.com/office/drawing/2010/main" xmlns="">
+                <a14:hiddenFill xmlns="" xmlns:a14="http://schemas.microsoft.com/office/drawing/2010/main">
                   <a:solidFill>
                     <a:srgbClr val="FFFFFF"/>
                   </a:solidFill>
                 </a14:hiddenFill>
               </a:ext>
               <a:ext uri="{91240B29-F687-4f45-9708-019B960494DF}">
-                <a14:hiddenLine xmlns:a14="http://schemas.microsoft.com/office/drawing/2010/main" xmlns="" w="9525">
+                <a14:hiddenLine xmlns="" xmlns:a14="http://schemas.microsoft.com/office/drawing/2010/main" w="9525">
                   <a:solidFill>
                     <a:srgbClr val="000000"/>
                   </a:solidFill>
@@ -13323,7 +13323,7 @@
           </a:ln>
           <a:extLst>
             <a:ext uri="{909E8E84-426E-40dd-AFC4-6F175D3DCCD1}">
-              <a14:hiddenFill xmlns:a14="http://schemas.microsoft.com/office/drawing/2010/main" xmlns="">
+              <a14:hiddenFill xmlns="" xmlns:a14="http://schemas.microsoft.com/office/drawing/2010/main">
                 <a:noFill/>
               </a14:hiddenFill>
             </a:ext>
@@ -14304,7 +14304,7 @@
           <a:effectLst/>
           <a:extLst>
             <a:ext uri="{91240B29-F687-4f45-9708-019B960494DF}">
-              <a14:hiddenLine xmlns:a14="http://schemas.microsoft.com/office/drawing/2010/main" xmlns="" w="12700">
+              <a14:hiddenLine xmlns="" xmlns:a14="http://schemas.microsoft.com/office/drawing/2010/main" w="12700">
                 <a:solidFill>
                   <a:schemeClr val="tx1"/>
                 </a:solidFill>
@@ -14314,7 +14314,7 @@
               </a14:hiddenLine>
             </a:ext>
             <a:ext uri="{AF507438-7753-43e0-B8FC-AC1667EBCBE1}">
-              <a14:hiddenEffects xmlns:a14="http://schemas.microsoft.com/office/drawing/2010/main" xmlns="">
+              <a14:hiddenEffects xmlns="" xmlns:a14="http://schemas.microsoft.com/office/drawing/2010/main">
                 <a:effectLst>
                   <a:outerShdw blurRad="63500" dist="38099" dir="2700000" algn="ctr" rotWithShape="0">
                     <a:schemeClr val="bg2">
@@ -14577,14 +14577,14 @@
           <a:effectLst/>
           <a:extLst>
             <a:ext uri="{909E8E84-426E-40dd-AFC4-6F175D3DCCD1}">
-              <a14:hiddenFill xmlns:a14="http://schemas.microsoft.com/office/drawing/2010/main" xmlns="">
+              <a14:hiddenFill xmlns="" xmlns:a14="http://schemas.microsoft.com/office/drawing/2010/main">
                 <a:solidFill>
                   <a:schemeClr val="accent1"/>
                 </a:solidFill>
               </a14:hiddenFill>
             </a:ext>
             <a:ext uri="{91240B29-F687-4f45-9708-019B960494DF}">
-              <a14:hiddenLine xmlns:a14="http://schemas.microsoft.com/office/drawing/2010/main" xmlns="" w="9525">
+              <a14:hiddenLine xmlns="" xmlns:a14="http://schemas.microsoft.com/office/drawing/2010/main" w="9525">
                 <a:solidFill>
                   <a:schemeClr val="tx1"/>
                 </a:solidFill>
@@ -14594,7 +14594,7 @@
               </a14:hiddenLine>
             </a:ext>
             <a:ext uri="{AF507438-7753-43e0-B8FC-AC1667EBCBE1}">
-              <a14:hiddenEffects xmlns:a14="http://schemas.microsoft.com/office/drawing/2010/main" xmlns="">
+              <a14:hiddenEffects xmlns="" xmlns:a14="http://schemas.microsoft.com/office/drawing/2010/main">
                 <a:effectLst>
                   <a:outerShdw blurRad="63500" dist="38099" dir="2700000" algn="ctr" rotWithShape="0">
                     <a:srgbClr val="000000">
@@ -14661,7 +14661,7 @@
           <a:effectLst/>
           <a:extLst>
             <a:ext uri="{AF507438-7753-43e0-B8FC-AC1667EBCBE1}">
-              <a14:hiddenEffects xmlns:a14="http://schemas.microsoft.com/office/drawing/2010/main" xmlns="">
+              <a14:hiddenEffects xmlns="" xmlns:a14="http://schemas.microsoft.com/office/drawing/2010/main">
                 <a:effectLst>
                   <a:outerShdw blurRad="63500" dist="38099" dir="2700000" algn="ctr" rotWithShape="0">
                     <a:srgbClr val="000000">
@@ -14731,7 +14731,7 @@
           <a:noFill/>
           <a:extLst>
             <a:ext uri="{909E8E84-426E-40dd-AFC4-6F175D3DCCD1}">
-              <a14:hiddenFill xmlns:a14="http://schemas.microsoft.com/office/drawing/2010/main" xmlns="">
+              <a14:hiddenFill xmlns="" xmlns:a14="http://schemas.microsoft.com/office/drawing/2010/main">
                 <a:solidFill>
                   <a:srgbClr val="FFFFFF"/>
                 </a:solidFill>
@@ -14763,14 +14763,14 @@
           <a:effectLst/>
           <a:extLst>
             <a:ext uri="{909E8E84-426E-40dd-AFC4-6F175D3DCCD1}">
-              <a14:hiddenFill xmlns:a14="http://schemas.microsoft.com/office/drawing/2010/main" xmlns="">
+              <a14:hiddenFill xmlns="" xmlns:a14="http://schemas.microsoft.com/office/drawing/2010/main">
                 <a:solidFill>
                   <a:schemeClr val="accent1"/>
                 </a:solidFill>
               </a14:hiddenFill>
             </a:ext>
             <a:ext uri="{91240B29-F687-4f45-9708-019B960494DF}">
-              <a14:hiddenLine xmlns:a14="http://schemas.microsoft.com/office/drawing/2010/main" xmlns="" w="9525">
+              <a14:hiddenLine xmlns="" xmlns:a14="http://schemas.microsoft.com/office/drawing/2010/main" w="9525">
                 <a:solidFill>
                   <a:schemeClr val="tx1"/>
                 </a:solidFill>
@@ -14780,7 +14780,7 @@
               </a14:hiddenLine>
             </a:ext>
             <a:ext uri="{AF507438-7753-43e0-B8FC-AC1667EBCBE1}">
-              <a14:hiddenEffects xmlns:a14="http://schemas.microsoft.com/office/drawing/2010/main" xmlns="">
+              <a14:hiddenEffects xmlns="" xmlns:a14="http://schemas.microsoft.com/office/drawing/2010/main">
                 <a:effectLst>
                   <a:outerShdw blurRad="63500" dist="38099" dir="2700000" algn="ctr" rotWithShape="0">
                     <a:srgbClr val="000000">
@@ -14852,7 +14852,7 @@
           <a:noFill/>
           <a:extLst>
             <a:ext uri="{909E8E84-426E-40dd-AFC4-6F175D3DCCD1}">
-              <a14:hiddenFill xmlns:a14="http://schemas.microsoft.com/office/drawing/2010/main" xmlns="">
+              <a14:hiddenFill xmlns="" xmlns:a14="http://schemas.microsoft.com/office/drawing/2010/main">
                 <a:solidFill>
                   <a:srgbClr val="FFFFFF"/>
                 </a:solidFill>
@@ -14884,14 +14884,14 @@
           <a:effectLst/>
           <a:extLst>
             <a:ext uri="{909E8E84-426E-40dd-AFC4-6F175D3DCCD1}">
-              <a14:hiddenFill xmlns:a14="http://schemas.microsoft.com/office/drawing/2010/main" xmlns="">
+              <a14:hiddenFill xmlns="" xmlns:a14="http://schemas.microsoft.com/office/drawing/2010/main">
                 <a:solidFill>
                   <a:schemeClr val="accent1"/>
                 </a:solidFill>
               </a14:hiddenFill>
             </a:ext>
             <a:ext uri="{91240B29-F687-4f45-9708-019B960494DF}">
-              <a14:hiddenLine xmlns:a14="http://schemas.microsoft.com/office/drawing/2010/main" xmlns="" w="9525">
+              <a14:hiddenLine xmlns="" xmlns:a14="http://schemas.microsoft.com/office/drawing/2010/main" w="9525">
                 <a:solidFill>
                   <a:schemeClr val="tx1"/>
                 </a:solidFill>
@@ -14901,7 +14901,7 @@
               </a14:hiddenLine>
             </a:ext>
             <a:ext uri="{AF507438-7753-43e0-B8FC-AC1667EBCBE1}">
-              <a14:hiddenEffects xmlns:a14="http://schemas.microsoft.com/office/drawing/2010/main" xmlns="">
+              <a14:hiddenEffects xmlns="" xmlns:a14="http://schemas.microsoft.com/office/drawing/2010/main">
                 <a:effectLst>
                   <a:outerShdw blurRad="63500" dist="38099" dir="2700000" algn="ctr" rotWithShape="0">
                     <a:srgbClr val="000000">
@@ -14985,12 +14985,12 @@
             <a:effectLst/>
             <a:extLst>
               <a:ext uri="{909E8E84-426E-40dd-AFC4-6F175D3DCCD1}">
-                <a14:hiddenFill xmlns:a14="http://schemas.microsoft.com/office/drawing/2010/main" xmlns="">
+                <a14:hiddenFill xmlns="" xmlns:a14="http://schemas.microsoft.com/office/drawing/2010/main">
                   <a:noFill/>
                 </a14:hiddenFill>
               </a:ext>
               <a:ext uri="{AF507438-7753-43e0-B8FC-AC1667EBCBE1}">
-                <a14:hiddenEffects xmlns:a14="http://schemas.microsoft.com/office/drawing/2010/main" xmlns="">
+                <a14:hiddenEffects xmlns="" xmlns:a14="http://schemas.microsoft.com/office/drawing/2010/main">
                   <a:effectLst>
                     <a:outerShdw blurRad="63500" dist="38099" dir="2700000" algn="ctr" rotWithShape="0">
                       <a:srgbClr val="000000">
@@ -15038,12 +15038,12 @@
             <a:effectLst/>
             <a:extLst>
               <a:ext uri="{909E8E84-426E-40dd-AFC4-6F175D3DCCD1}">
-                <a14:hiddenFill xmlns:a14="http://schemas.microsoft.com/office/drawing/2010/main" xmlns="">
+                <a14:hiddenFill xmlns="" xmlns:a14="http://schemas.microsoft.com/office/drawing/2010/main">
                   <a:noFill/>
                 </a14:hiddenFill>
               </a:ext>
               <a:ext uri="{AF507438-7753-43e0-B8FC-AC1667EBCBE1}">
-                <a14:hiddenEffects xmlns:a14="http://schemas.microsoft.com/office/drawing/2010/main" xmlns="">
+                <a14:hiddenEffects xmlns="" xmlns:a14="http://schemas.microsoft.com/office/drawing/2010/main">
                   <a:effectLst>
                     <a:outerShdw blurRad="63500" dist="38099" dir="2700000" algn="ctr" rotWithShape="0">
                       <a:srgbClr val="000000">
@@ -15086,14 +15086,14 @@
             <a:effectLst/>
             <a:extLst>
               <a:ext uri="{909E8E84-426E-40dd-AFC4-6F175D3DCCD1}">
-                <a14:hiddenFill xmlns:a14="http://schemas.microsoft.com/office/drawing/2010/main" xmlns="">
+                <a14:hiddenFill xmlns="" xmlns:a14="http://schemas.microsoft.com/office/drawing/2010/main">
                   <a:solidFill>
                     <a:schemeClr val="accent1"/>
                   </a:solidFill>
                 </a14:hiddenFill>
               </a:ext>
               <a:ext uri="{91240B29-F687-4f45-9708-019B960494DF}">
-                <a14:hiddenLine xmlns:a14="http://schemas.microsoft.com/office/drawing/2010/main" xmlns="" w="9525">
+                <a14:hiddenLine xmlns="" xmlns:a14="http://schemas.microsoft.com/office/drawing/2010/main" w="9525">
                   <a:solidFill>
                     <a:schemeClr val="hlink"/>
                   </a:solidFill>
@@ -15103,7 +15103,7 @@
                 </a14:hiddenLine>
               </a:ext>
               <a:ext uri="{AF507438-7753-43e0-B8FC-AC1667EBCBE1}">
-                <a14:hiddenEffects xmlns:a14="http://schemas.microsoft.com/office/drawing/2010/main" xmlns="">
+                <a14:hiddenEffects xmlns="" xmlns:a14="http://schemas.microsoft.com/office/drawing/2010/main">
                   <a:effectLst>
                     <a:outerShdw blurRad="63500" dist="38099" dir="2700000" algn="ctr" rotWithShape="0">
                       <a:srgbClr val="000000">
@@ -15202,12 +15202,12 @@
             <a:effectLst/>
             <a:extLst>
               <a:ext uri="{909E8E84-426E-40dd-AFC4-6F175D3DCCD1}">
-                <a14:hiddenFill xmlns:a14="http://schemas.microsoft.com/office/drawing/2010/main" xmlns="">
+                <a14:hiddenFill xmlns="" xmlns:a14="http://schemas.microsoft.com/office/drawing/2010/main">
                   <a:noFill/>
                 </a14:hiddenFill>
               </a:ext>
               <a:ext uri="{AF507438-7753-43e0-B8FC-AC1667EBCBE1}">
-                <a14:hiddenEffects xmlns:a14="http://schemas.microsoft.com/office/drawing/2010/main" xmlns="">
+                <a14:hiddenEffects xmlns="" xmlns:a14="http://schemas.microsoft.com/office/drawing/2010/main">
                   <a:effectLst>
                     <a:outerShdw blurRad="63500" dist="38099" dir="2700000" algn="ctr" rotWithShape="0">
                       <a:srgbClr val="000000">
@@ -15255,12 +15255,12 @@
             <a:effectLst/>
             <a:extLst>
               <a:ext uri="{909E8E84-426E-40dd-AFC4-6F175D3DCCD1}">
-                <a14:hiddenFill xmlns:a14="http://schemas.microsoft.com/office/drawing/2010/main" xmlns="">
+                <a14:hiddenFill xmlns="" xmlns:a14="http://schemas.microsoft.com/office/drawing/2010/main">
                   <a:noFill/>
                 </a14:hiddenFill>
               </a:ext>
               <a:ext uri="{AF507438-7753-43e0-B8FC-AC1667EBCBE1}">
-                <a14:hiddenEffects xmlns:a14="http://schemas.microsoft.com/office/drawing/2010/main" xmlns="">
+                <a14:hiddenEffects xmlns="" xmlns:a14="http://schemas.microsoft.com/office/drawing/2010/main">
                   <a:effectLst>
                     <a:outerShdw blurRad="63500" dist="38099" dir="2700000" algn="ctr" rotWithShape="0">
                       <a:srgbClr val="000000">
@@ -15303,14 +15303,14 @@
             <a:effectLst/>
             <a:extLst>
               <a:ext uri="{909E8E84-426E-40dd-AFC4-6F175D3DCCD1}">
-                <a14:hiddenFill xmlns:a14="http://schemas.microsoft.com/office/drawing/2010/main" xmlns="">
+                <a14:hiddenFill xmlns="" xmlns:a14="http://schemas.microsoft.com/office/drawing/2010/main">
                   <a:solidFill>
                     <a:schemeClr val="accent1"/>
                   </a:solidFill>
                 </a14:hiddenFill>
               </a:ext>
               <a:ext uri="{91240B29-F687-4f45-9708-019B960494DF}">
-                <a14:hiddenLine xmlns:a14="http://schemas.microsoft.com/office/drawing/2010/main" xmlns="" w="38100">
+                <a14:hiddenLine xmlns="" xmlns:a14="http://schemas.microsoft.com/office/drawing/2010/main" w="38100">
                   <a:solidFill>
                     <a:schemeClr val="hlink"/>
                   </a:solidFill>
@@ -15320,7 +15320,7 @@
                 </a14:hiddenLine>
               </a:ext>
               <a:ext uri="{AF507438-7753-43e0-B8FC-AC1667EBCBE1}">
-                <a14:hiddenEffects xmlns:a14="http://schemas.microsoft.com/office/drawing/2010/main" xmlns="">
+                <a14:hiddenEffects xmlns="" xmlns:a14="http://schemas.microsoft.com/office/drawing/2010/main">
                   <a:effectLst>
                     <a:outerShdw blurRad="63500" dist="38099" dir="2700000" algn="ctr" rotWithShape="0">
                       <a:srgbClr val="000000">
@@ -15413,14 +15413,14 @@
           <a:effectLst/>
           <a:extLst>
             <a:ext uri="{909E8E84-426E-40dd-AFC4-6F175D3DCCD1}">
-              <a14:hiddenFill xmlns:a14="http://schemas.microsoft.com/office/drawing/2010/main" xmlns="">
+              <a14:hiddenFill xmlns="" xmlns:a14="http://schemas.microsoft.com/office/drawing/2010/main">
                 <a:solidFill>
                   <a:schemeClr val="accent1"/>
                 </a:solidFill>
               </a14:hiddenFill>
             </a:ext>
             <a:ext uri="{91240B29-F687-4f45-9708-019B960494DF}">
-              <a14:hiddenLine xmlns:a14="http://schemas.microsoft.com/office/drawing/2010/main" xmlns="" w="12700">
+              <a14:hiddenLine xmlns="" xmlns:a14="http://schemas.microsoft.com/office/drawing/2010/main" w="12700">
                 <a:solidFill>
                   <a:schemeClr val="tx1"/>
                 </a:solidFill>
@@ -15430,7 +15430,7 @@
               </a14:hiddenLine>
             </a:ext>
             <a:ext uri="{AF507438-7753-43e0-B8FC-AC1667EBCBE1}">
-              <a14:hiddenEffects xmlns:a14="http://schemas.microsoft.com/office/drawing/2010/main" xmlns="">
+              <a14:hiddenEffects xmlns="" xmlns:a14="http://schemas.microsoft.com/office/drawing/2010/main">
                 <a:effectLst>
                   <a:outerShdw blurRad="63500" dist="38099" dir="2700000" algn="ctr" rotWithShape="0">
                     <a:schemeClr val="bg2">
@@ -15709,7 +15709,7 @@
           <a:effectLst/>
           <a:extLst>
             <a:ext uri="{91240B29-F687-4f45-9708-019B960494DF}">
-              <a14:hiddenLine xmlns:a14="http://schemas.microsoft.com/office/drawing/2010/main" xmlns="" w="12700">
+              <a14:hiddenLine xmlns="" xmlns:a14="http://schemas.microsoft.com/office/drawing/2010/main" w="12700">
                 <a:solidFill>
                   <a:schemeClr val="tx1"/>
                 </a:solidFill>
@@ -15719,7 +15719,7 @@
               </a14:hiddenLine>
             </a:ext>
             <a:ext uri="{AF507438-7753-43e0-B8FC-AC1667EBCBE1}">
-              <a14:hiddenEffects xmlns:a14="http://schemas.microsoft.com/office/drawing/2010/main" xmlns="">
+              <a14:hiddenEffects xmlns="" xmlns:a14="http://schemas.microsoft.com/office/drawing/2010/main">
                 <a:effectLst>
                   <a:outerShdw blurRad="63500" dist="38099" dir="2700000" algn="ctr" rotWithShape="0">
                     <a:schemeClr val="bg2">
@@ -15938,7 +15938,7 @@
           <a:noFill/>
           <a:extLst>
             <a:ext uri="{909E8E84-426E-40dd-AFC4-6F175D3DCCD1}">
-              <a14:hiddenFill xmlns:a14="http://schemas.microsoft.com/office/drawing/2010/main" xmlns="">
+              <a14:hiddenFill xmlns="" xmlns:a14="http://schemas.microsoft.com/office/drawing/2010/main">
                 <a:solidFill>
                   <a:srgbClr val="FFFFFF"/>
                 </a:solidFill>
@@ -15977,7 +15977,7 @@
           <a:effectLst/>
           <a:extLst>
             <a:ext uri="{AF507438-7753-43e0-B8FC-AC1667EBCBE1}">
-              <a14:hiddenEffects xmlns:a14="http://schemas.microsoft.com/office/drawing/2010/main" xmlns="">
+              <a14:hiddenEffects xmlns="" xmlns:a14="http://schemas.microsoft.com/office/drawing/2010/main">
                 <a:effectLst>
                   <a:outerShdw blurRad="63500" dist="38099" dir="2700000" algn="ctr" rotWithShape="0">
                     <a:schemeClr val="bg2">
@@ -16052,12 +16052,12 @@
             <a:effectLst/>
             <a:extLst>
               <a:ext uri="{909E8E84-426E-40dd-AFC4-6F175D3DCCD1}">
-                <a14:hiddenFill xmlns:a14="http://schemas.microsoft.com/office/drawing/2010/main" xmlns="">
+                <a14:hiddenFill xmlns="" xmlns:a14="http://schemas.microsoft.com/office/drawing/2010/main">
                   <a:noFill/>
                 </a14:hiddenFill>
               </a:ext>
               <a:ext uri="{AF507438-7753-43e0-B8FC-AC1667EBCBE1}">
-                <a14:hiddenEffects xmlns:a14="http://schemas.microsoft.com/office/drawing/2010/main" xmlns="">
+                <a14:hiddenEffects xmlns="" xmlns:a14="http://schemas.microsoft.com/office/drawing/2010/main">
                   <a:effectLst>
                     <a:outerShdw blurRad="63500" dist="38099" dir="2700000" algn="ctr" rotWithShape="0">
                       <a:schemeClr val="bg2">
@@ -16100,14 +16100,14 @@
             <a:effectLst/>
             <a:extLst>
               <a:ext uri="{909E8E84-426E-40dd-AFC4-6F175D3DCCD1}">
-                <a14:hiddenFill xmlns:a14="http://schemas.microsoft.com/office/drawing/2010/main" xmlns="">
+                <a14:hiddenFill xmlns="" xmlns:a14="http://schemas.microsoft.com/office/drawing/2010/main">
                   <a:solidFill>
                     <a:schemeClr val="accent1"/>
                   </a:solidFill>
                 </a14:hiddenFill>
               </a:ext>
               <a:ext uri="{91240B29-F687-4f45-9708-019B960494DF}">
-                <a14:hiddenLine xmlns:a14="http://schemas.microsoft.com/office/drawing/2010/main" xmlns="" w="12700">
+                <a14:hiddenLine xmlns="" xmlns:a14="http://schemas.microsoft.com/office/drawing/2010/main" w="12700">
                   <a:solidFill>
                     <a:schemeClr val="tx1"/>
                   </a:solidFill>
@@ -16117,7 +16117,7 @@
                 </a14:hiddenLine>
               </a:ext>
               <a:ext uri="{AF507438-7753-43e0-B8FC-AC1667EBCBE1}">
-                <a14:hiddenEffects xmlns:a14="http://schemas.microsoft.com/office/drawing/2010/main" xmlns="">
+                <a14:hiddenEffects xmlns="" xmlns:a14="http://schemas.microsoft.com/office/drawing/2010/main">
                   <a:effectLst>
                     <a:outerShdw blurRad="63500" dist="38099" dir="2700000" algn="ctr" rotWithShape="0">
                       <a:schemeClr val="bg2">
@@ -16187,12 +16187,12 @@
             <a:effectLst/>
             <a:extLst>
               <a:ext uri="{909E8E84-426E-40dd-AFC4-6F175D3DCCD1}">
-                <a14:hiddenFill xmlns:a14="http://schemas.microsoft.com/office/drawing/2010/main" xmlns="">
+                <a14:hiddenFill xmlns="" xmlns:a14="http://schemas.microsoft.com/office/drawing/2010/main">
                   <a:noFill/>
                 </a14:hiddenFill>
               </a:ext>
               <a:ext uri="{AF507438-7753-43e0-B8FC-AC1667EBCBE1}">
-                <a14:hiddenEffects xmlns:a14="http://schemas.microsoft.com/office/drawing/2010/main" xmlns="">
+                <a14:hiddenEffects xmlns="" xmlns:a14="http://schemas.microsoft.com/office/drawing/2010/main">
                   <a:effectLst>
                     <a:outerShdw blurRad="63500" dist="38099" dir="2700000" algn="ctr" rotWithShape="0">
                       <a:schemeClr val="bg2">
@@ -16235,14 +16235,14 @@
             <a:effectLst/>
             <a:extLst>
               <a:ext uri="{909E8E84-426E-40dd-AFC4-6F175D3DCCD1}">
-                <a14:hiddenFill xmlns:a14="http://schemas.microsoft.com/office/drawing/2010/main" xmlns="">
+                <a14:hiddenFill xmlns="" xmlns:a14="http://schemas.microsoft.com/office/drawing/2010/main">
                   <a:solidFill>
                     <a:schemeClr val="accent1"/>
                   </a:solidFill>
                 </a14:hiddenFill>
               </a:ext>
               <a:ext uri="{91240B29-F687-4f45-9708-019B960494DF}">
-                <a14:hiddenLine xmlns:a14="http://schemas.microsoft.com/office/drawing/2010/main" xmlns="" w="12700">
+                <a14:hiddenLine xmlns="" xmlns:a14="http://schemas.microsoft.com/office/drawing/2010/main" w="12700">
                   <a:solidFill>
                     <a:schemeClr val="tx1"/>
                   </a:solidFill>
@@ -16252,7 +16252,7 @@
                 </a14:hiddenLine>
               </a:ext>
               <a:ext uri="{AF507438-7753-43e0-B8FC-AC1667EBCBE1}">
-                <a14:hiddenEffects xmlns:a14="http://schemas.microsoft.com/office/drawing/2010/main" xmlns="">
+                <a14:hiddenEffects xmlns="" xmlns:a14="http://schemas.microsoft.com/office/drawing/2010/main">
                   <a:effectLst>
                     <a:outerShdw blurRad="63500" dist="38099" dir="2700000" algn="ctr" rotWithShape="0">
                       <a:schemeClr val="bg2">
@@ -16306,12 +16306,12 @@
           <a:effectLst/>
           <a:extLst>
             <a:ext uri="{909E8E84-426E-40dd-AFC4-6F175D3DCCD1}">
-              <a14:hiddenFill xmlns:a14="http://schemas.microsoft.com/office/drawing/2010/main" xmlns="">
+              <a14:hiddenFill xmlns="" xmlns:a14="http://schemas.microsoft.com/office/drawing/2010/main">
                 <a:noFill/>
               </a14:hiddenFill>
             </a:ext>
             <a:ext uri="{AF507438-7753-43e0-B8FC-AC1667EBCBE1}">
-              <a14:hiddenEffects xmlns:a14="http://schemas.microsoft.com/office/drawing/2010/main" xmlns="">
+              <a14:hiddenEffects xmlns="" xmlns:a14="http://schemas.microsoft.com/office/drawing/2010/main">
                 <a:effectLst>
                   <a:outerShdw blurRad="63500" dist="38099" dir="2700000" algn="ctr" rotWithShape="0">
                     <a:schemeClr val="bg2">
@@ -16354,14 +16354,14 @@
           <a:effectLst/>
           <a:extLst>
             <a:ext uri="{909E8E84-426E-40dd-AFC4-6F175D3DCCD1}">
-              <a14:hiddenFill xmlns:a14="http://schemas.microsoft.com/office/drawing/2010/main" xmlns="">
+              <a14:hiddenFill xmlns="" xmlns:a14="http://schemas.microsoft.com/office/drawing/2010/main">
                 <a:solidFill>
                   <a:schemeClr val="accent1"/>
                 </a:solidFill>
               </a14:hiddenFill>
             </a:ext>
             <a:ext uri="{91240B29-F687-4f45-9708-019B960494DF}">
-              <a14:hiddenLine xmlns:a14="http://schemas.microsoft.com/office/drawing/2010/main" xmlns="" w="12700">
+              <a14:hiddenLine xmlns="" xmlns:a14="http://schemas.microsoft.com/office/drawing/2010/main" w="12700">
                 <a:solidFill>
                   <a:schemeClr val="tx1"/>
                 </a:solidFill>
@@ -16371,7 +16371,7 @@
               </a14:hiddenLine>
             </a:ext>
             <a:ext uri="{AF507438-7753-43e0-B8FC-AC1667EBCBE1}">
-              <a14:hiddenEffects xmlns:a14="http://schemas.microsoft.com/office/drawing/2010/main" xmlns="">
+              <a14:hiddenEffects xmlns="" xmlns:a14="http://schemas.microsoft.com/office/drawing/2010/main">
                 <a:effectLst>
                   <a:outerShdw blurRad="63500" dist="38099" dir="2700000" algn="ctr" rotWithShape="0">
                     <a:schemeClr val="bg2">
@@ -16419,14 +16419,14 @@
           <a:effectLst/>
           <a:extLst>
             <a:ext uri="{909E8E84-426E-40dd-AFC4-6F175D3DCCD1}">
-              <a14:hiddenFill xmlns:a14="http://schemas.microsoft.com/office/drawing/2010/main" xmlns="">
+              <a14:hiddenFill xmlns="" xmlns:a14="http://schemas.microsoft.com/office/drawing/2010/main">
                 <a:solidFill>
                   <a:schemeClr val="accent1"/>
                 </a:solidFill>
               </a14:hiddenFill>
             </a:ext>
             <a:ext uri="{91240B29-F687-4f45-9708-019B960494DF}">
-              <a14:hiddenLine xmlns:a14="http://schemas.microsoft.com/office/drawing/2010/main" xmlns="" w="12700">
+              <a14:hiddenLine xmlns="" xmlns:a14="http://schemas.microsoft.com/office/drawing/2010/main" w="12700">
                 <a:solidFill>
                   <a:schemeClr val="tx1"/>
                 </a:solidFill>
@@ -16436,7 +16436,7 @@
               </a14:hiddenLine>
             </a:ext>
             <a:ext uri="{AF507438-7753-43e0-B8FC-AC1667EBCBE1}">
-              <a14:hiddenEffects xmlns:a14="http://schemas.microsoft.com/office/drawing/2010/main" xmlns="">
+              <a14:hiddenEffects xmlns="" xmlns:a14="http://schemas.microsoft.com/office/drawing/2010/main">
                 <a:effectLst>
                   <a:outerShdw blurRad="63500" dist="38099" dir="2700000" algn="ctr" rotWithShape="0">
                     <a:schemeClr val="bg2">
@@ -17529,14 +17529,14 @@
           <a:effectLst/>
           <a:extLst>
             <a:ext uri="{909E8E84-426E-40dd-AFC4-6F175D3DCCD1}">
-              <a14:hiddenFill xmlns:a14="http://schemas.microsoft.com/office/drawing/2010/main" xmlns="">
+              <a14:hiddenFill xmlns="" xmlns:a14="http://schemas.microsoft.com/office/drawing/2010/main">
                 <a:solidFill>
                   <a:schemeClr val="accent1"/>
                 </a:solidFill>
               </a14:hiddenFill>
             </a:ext>
             <a:ext uri="{91240B29-F687-4f45-9708-019B960494DF}">
-              <a14:hiddenLine xmlns:a14="http://schemas.microsoft.com/office/drawing/2010/main" xmlns="" w="9525">
+              <a14:hiddenLine xmlns="" xmlns:a14="http://schemas.microsoft.com/office/drawing/2010/main" w="9525">
                 <a:solidFill>
                   <a:schemeClr val="tx1"/>
                 </a:solidFill>
@@ -17546,7 +17546,7 @@
               </a14:hiddenLine>
             </a:ext>
             <a:ext uri="{AF507438-7753-43e0-B8FC-AC1667EBCBE1}">
-              <a14:hiddenEffects xmlns:a14="http://schemas.microsoft.com/office/drawing/2010/main" xmlns="">
+              <a14:hiddenEffects xmlns="" xmlns:a14="http://schemas.microsoft.com/office/drawing/2010/main">
                 <a:effectLst>
                   <a:outerShdw blurRad="63500" dist="38099" dir="2700000" algn="ctr" rotWithShape="0">
                     <a:schemeClr val="bg2">
@@ -17607,7 +17607,7 @@
           <a:effectLst/>
           <a:extLst>
             <a:ext uri="{AF507438-7753-43e0-B8FC-AC1667EBCBE1}">
-              <a14:hiddenEffects xmlns:a14="http://schemas.microsoft.com/office/drawing/2010/main" xmlns="">
+              <a14:hiddenEffects xmlns="" xmlns:a14="http://schemas.microsoft.com/office/drawing/2010/main">
                 <a:effectLst>
                   <a:outerShdw blurRad="63500" dist="38099" dir="2700000" algn="ctr" rotWithShape="0">
                     <a:schemeClr val="bg2">
@@ -18035,7 +18035,7 @@
             <a:effectLst/>
             <a:extLst>
               <a:ext uri="{AF507438-7753-43e0-B8FC-AC1667EBCBE1}">
-                <a14:hiddenEffects xmlns:a14="http://schemas.microsoft.com/office/drawing/2010/main" xmlns="">
+                <a14:hiddenEffects xmlns="" xmlns:a14="http://schemas.microsoft.com/office/drawing/2010/main">
                   <a:effectLst>
                     <a:outerShdw blurRad="63500" dist="38099" dir="2700000" algn="ctr" rotWithShape="0">
                       <a:schemeClr val="bg2">
@@ -18087,12 +18087,12 @@
           <a:effectLst/>
           <a:extLst>
             <a:ext uri="{909E8E84-426E-40dd-AFC4-6F175D3DCCD1}">
-              <a14:hiddenFill xmlns:a14="http://schemas.microsoft.com/office/drawing/2010/main" xmlns="">
+              <a14:hiddenFill xmlns="" xmlns:a14="http://schemas.microsoft.com/office/drawing/2010/main">
                 <a:noFill/>
               </a14:hiddenFill>
             </a:ext>
             <a:ext uri="{AF507438-7753-43e0-B8FC-AC1667EBCBE1}">
-              <a14:hiddenEffects xmlns:a14="http://schemas.microsoft.com/office/drawing/2010/main" xmlns="">
+              <a14:hiddenEffects xmlns="" xmlns:a14="http://schemas.microsoft.com/office/drawing/2010/main">
                 <a:effectLst>
                   <a:outerShdw blurRad="63500" dist="38099" dir="2700000" algn="ctr" rotWithShape="0">
                     <a:schemeClr val="bg2">
@@ -18497,14 +18497,14 @@
           <a:effectLst/>
           <a:extLst>
             <a:ext uri="{909E8E84-426E-40dd-AFC4-6F175D3DCCD1}">
-              <a14:hiddenFill xmlns:a14="http://schemas.microsoft.com/office/drawing/2010/main" xmlns="">
+              <a14:hiddenFill xmlns="" xmlns:a14="http://schemas.microsoft.com/office/drawing/2010/main">
                 <a:solidFill>
                   <a:schemeClr val="accent1"/>
                 </a:solidFill>
               </a14:hiddenFill>
             </a:ext>
             <a:ext uri="{91240B29-F687-4f45-9708-019B960494DF}">
-              <a14:hiddenLine xmlns:a14="http://schemas.microsoft.com/office/drawing/2010/main" xmlns="" w="9525">
+              <a14:hiddenLine xmlns="" xmlns:a14="http://schemas.microsoft.com/office/drawing/2010/main" w="9525">
                 <a:solidFill>
                   <a:schemeClr val="tx1"/>
                 </a:solidFill>
@@ -18514,7 +18514,7 @@
               </a14:hiddenLine>
             </a:ext>
             <a:ext uri="{AF507438-7753-43e0-B8FC-AC1667EBCBE1}">
-              <a14:hiddenEffects xmlns:a14="http://schemas.microsoft.com/office/drawing/2010/main" xmlns="">
+              <a14:hiddenEffects xmlns="" xmlns:a14="http://schemas.microsoft.com/office/drawing/2010/main">
                 <a:effectLst>
                   <a:outerShdw blurRad="63500" dist="38099" dir="2700000" algn="ctr" rotWithShape="0">
                     <a:schemeClr val="bg2">
@@ -18577,12 +18577,12 @@
           <a:effectLst/>
           <a:extLst>
             <a:ext uri="{909E8E84-426E-40dd-AFC4-6F175D3DCCD1}">
-              <a14:hiddenFill xmlns:a14="http://schemas.microsoft.com/office/drawing/2010/main" xmlns="">
+              <a14:hiddenFill xmlns="" xmlns:a14="http://schemas.microsoft.com/office/drawing/2010/main">
                 <a:noFill/>
               </a14:hiddenFill>
             </a:ext>
             <a:ext uri="{AF507438-7753-43e0-B8FC-AC1667EBCBE1}">
-              <a14:hiddenEffects xmlns:a14="http://schemas.microsoft.com/office/drawing/2010/main" xmlns="">
+              <a14:hiddenEffects xmlns="" xmlns:a14="http://schemas.microsoft.com/office/drawing/2010/main">
                 <a:effectLst>
                   <a:outerShdw blurRad="63500" dist="38099" dir="2700000" algn="ctr" rotWithShape="0">
                     <a:schemeClr val="bg2">
@@ -18634,12 +18634,12 @@
           <a:effectLst/>
           <a:extLst>
             <a:ext uri="{909E8E84-426E-40dd-AFC4-6F175D3DCCD1}">
-              <a14:hiddenFill xmlns:a14="http://schemas.microsoft.com/office/drawing/2010/main" xmlns="">
+              <a14:hiddenFill xmlns="" xmlns:a14="http://schemas.microsoft.com/office/drawing/2010/main">
                 <a:noFill/>
               </a14:hiddenFill>
             </a:ext>
             <a:ext uri="{AF507438-7753-43e0-B8FC-AC1667EBCBE1}">
-              <a14:hiddenEffects xmlns:a14="http://schemas.microsoft.com/office/drawing/2010/main" xmlns="">
+              <a14:hiddenEffects xmlns="" xmlns:a14="http://schemas.microsoft.com/office/drawing/2010/main">
                 <a:effectLst>
                   <a:outerShdw blurRad="63500" dist="38099" dir="2700000" algn="ctr" rotWithShape="0">
                     <a:schemeClr val="bg2">
@@ -19106,7 +19106,7 @@
           </a:xfrm>
           <a:extLst>
             <a:ext uri="{91240B29-F687-4f45-9708-019B960494DF}">
-              <a14:hiddenLine xmlns:a14="http://schemas.microsoft.com/office/drawing/2010/main" xmlns="" w="9525">
+              <a14:hiddenLine xmlns="" xmlns:a14="http://schemas.microsoft.com/office/drawing/2010/main" w="9525">
                 <a:solidFill>
                   <a:srgbClr val="000000"/>
                 </a:solidFill>
@@ -19181,7 +19181,7 @@
           </a:xfrm>
           <a:extLst>
             <a:ext uri="{91240B29-F687-4f45-9708-019B960494DF}">
-              <a14:hiddenLine xmlns:a14="http://schemas.microsoft.com/office/drawing/2010/main" xmlns="" w="9525">
+              <a14:hiddenLine xmlns="" xmlns:a14="http://schemas.microsoft.com/office/drawing/2010/main" w="9525">
                 <a:solidFill>
                   <a:srgbClr val="000000"/>
                 </a:solidFill>
@@ -19526,7 +19526,7 @@
           </a:xfrm>
           <a:extLst>
             <a:ext uri="{91240B29-F687-4f45-9708-019B960494DF}">
-              <a14:hiddenLine xmlns:a14="http://schemas.microsoft.com/office/drawing/2010/main" xmlns="" w="9525">
+              <a14:hiddenLine xmlns="" xmlns:a14="http://schemas.microsoft.com/office/drawing/2010/main" w="9525">
                 <a:solidFill>
                   <a:srgbClr val="000000"/>
                 </a:solidFill>
@@ -19595,7 +19595,7 @@
           </a:xfrm>
           <a:extLst>
             <a:ext uri="{91240B29-F687-4f45-9708-019B960494DF}">
-              <a14:hiddenLine xmlns:a14="http://schemas.microsoft.com/office/drawing/2010/main" xmlns="" w="9525">
+              <a14:hiddenLine xmlns="" xmlns:a14="http://schemas.microsoft.com/office/drawing/2010/main" w="9525">
                 <a:solidFill>
                   <a:srgbClr val="000000"/>
                 </a:solidFill>
@@ -19887,14 +19887,14 @@
           </a:ln>
           <a:extLst>
             <a:ext uri="{909E8E84-426E-40dd-AFC4-6F175D3DCCD1}">
-              <a14:hiddenFill xmlns:a14="http://schemas.microsoft.com/office/drawing/2010/main" xmlns="">
+              <a14:hiddenFill xmlns="" xmlns:a14="http://schemas.microsoft.com/office/drawing/2010/main">
                 <a:solidFill>
                   <a:srgbClr val="FFFFFF"/>
                 </a:solidFill>
               </a14:hiddenFill>
             </a:ext>
             <a:ext uri="{91240B29-F687-4f45-9708-019B960494DF}">
-              <a14:hiddenLine xmlns:a14="http://schemas.microsoft.com/office/drawing/2010/main" xmlns="" w="9525">
+              <a14:hiddenLine xmlns="" xmlns:a14="http://schemas.microsoft.com/office/drawing/2010/main" w="9525">
                 <a:solidFill>
                   <a:srgbClr val="000000"/>
                 </a:solidFill>
@@ -19979,14 +19979,14 @@
           </a:ln>
           <a:extLst>
             <a:ext uri="{909E8E84-426E-40dd-AFC4-6F175D3DCCD1}">
-              <a14:hiddenFill xmlns:a14="http://schemas.microsoft.com/office/drawing/2010/main" xmlns="">
+              <a14:hiddenFill xmlns="" xmlns:a14="http://schemas.microsoft.com/office/drawing/2010/main">
                 <a:solidFill>
                   <a:srgbClr val="FFFFFF"/>
                 </a:solidFill>
               </a14:hiddenFill>
             </a:ext>
             <a:ext uri="{91240B29-F687-4f45-9708-019B960494DF}">
-              <a14:hiddenLine xmlns:a14="http://schemas.microsoft.com/office/drawing/2010/main" xmlns="" w="9525">
+              <a14:hiddenLine xmlns="" xmlns:a14="http://schemas.microsoft.com/office/drawing/2010/main" w="9525">
                 <a:solidFill>
                   <a:srgbClr val="000000"/>
                 </a:solidFill>
@@ -20071,14 +20071,14 @@
           </a:ln>
           <a:extLst>
             <a:ext uri="{909E8E84-426E-40dd-AFC4-6F175D3DCCD1}">
-              <a14:hiddenFill xmlns:a14="http://schemas.microsoft.com/office/drawing/2010/main" xmlns="">
+              <a14:hiddenFill xmlns="" xmlns:a14="http://schemas.microsoft.com/office/drawing/2010/main">
                 <a:solidFill>
                   <a:srgbClr val="FFFFFF"/>
                 </a:solidFill>
               </a14:hiddenFill>
             </a:ext>
             <a:ext uri="{91240B29-F687-4f45-9708-019B960494DF}">
-              <a14:hiddenLine xmlns:a14="http://schemas.microsoft.com/office/drawing/2010/main" xmlns="" w="9525">
+              <a14:hiddenLine xmlns="" xmlns:a14="http://schemas.microsoft.com/office/drawing/2010/main" w="9525">
                 <a:solidFill>
                   <a:srgbClr val="000000"/>
                 </a:solidFill>
@@ -20166,7 +20166,7 @@
           </a:ln>
           <a:extLst>
             <a:ext uri="{909E8E84-426E-40dd-AFC4-6F175D3DCCD1}">
-              <a14:hiddenFill xmlns:a14="http://schemas.microsoft.com/office/drawing/2010/main" xmlns="">
+              <a14:hiddenFill xmlns="" xmlns:a14="http://schemas.microsoft.com/office/drawing/2010/main">
                 <a:noFill/>
               </a14:hiddenFill>
             </a:ext>
@@ -20204,14 +20204,14 @@
           </a:ln>
           <a:extLst>
             <a:ext uri="{909E8E84-426E-40dd-AFC4-6F175D3DCCD1}">
-              <a14:hiddenFill xmlns:a14="http://schemas.microsoft.com/office/drawing/2010/main" xmlns="">
+              <a14:hiddenFill xmlns="" xmlns:a14="http://schemas.microsoft.com/office/drawing/2010/main">
                 <a:solidFill>
                   <a:srgbClr val="FFFFFF"/>
                 </a:solidFill>
               </a14:hiddenFill>
             </a:ext>
             <a:ext uri="{91240B29-F687-4f45-9708-019B960494DF}">
-              <a14:hiddenLine xmlns:a14="http://schemas.microsoft.com/office/drawing/2010/main" xmlns="" w="9525">
+              <a14:hiddenLine xmlns="" xmlns:a14="http://schemas.microsoft.com/office/drawing/2010/main" w="9525">
                 <a:solidFill>
                   <a:srgbClr val="000000"/>
                 </a:solidFill>
@@ -20299,7 +20299,7 @@
           </a:ln>
           <a:extLst>
             <a:ext uri="{909E8E84-426E-40dd-AFC4-6F175D3DCCD1}">
-              <a14:hiddenFill xmlns:a14="http://schemas.microsoft.com/office/drawing/2010/main" xmlns="">
+              <a14:hiddenFill xmlns="" xmlns:a14="http://schemas.microsoft.com/office/drawing/2010/main">
                 <a:noFill/>
               </a14:hiddenFill>
             </a:ext>
@@ -20337,14 +20337,14 @@
           </a:ln>
           <a:extLst>
             <a:ext uri="{909E8E84-426E-40dd-AFC4-6F175D3DCCD1}">
-              <a14:hiddenFill xmlns:a14="http://schemas.microsoft.com/office/drawing/2010/main" xmlns="">
+              <a14:hiddenFill xmlns="" xmlns:a14="http://schemas.microsoft.com/office/drawing/2010/main">
                 <a:solidFill>
                   <a:srgbClr val="FFFFFF"/>
                 </a:solidFill>
               </a14:hiddenFill>
             </a:ext>
             <a:ext uri="{91240B29-F687-4f45-9708-019B960494DF}">
-              <a14:hiddenLine xmlns:a14="http://schemas.microsoft.com/office/drawing/2010/main" xmlns="" w="9525">
+              <a14:hiddenLine xmlns="" xmlns:a14="http://schemas.microsoft.com/office/drawing/2010/main" w="9525">
                 <a:solidFill>
                   <a:srgbClr val="000000"/>
                 </a:solidFill>
@@ -20432,7 +20432,7 @@
           </a:ln>
           <a:extLst>
             <a:ext uri="{909E8E84-426E-40dd-AFC4-6F175D3DCCD1}">
-              <a14:hiddenFill xmlns:a14="http://schemas.microsoft.com/office/drawing/2010/main" xmlns="">
+              <a14:hiddenFill xmlns="" xmlns:a14="http://schemas.microsoft.com/office/drawing/2010/main">
                 <a:noFill/>
               </a14:hiddenFill>
             </a:ext>
@@ -20473,7 +20473,7 @@
           </a:ln>
           <a:extLst>
             <a:ext uri="{909E8E84-426E-40dd-AFC4-6F175D3DCCD1}">
-              <a14:hiddenFill xmlns:a14="http://schemas.microsoft.com/office/drawing/2010/main" xmlns="">
+              <a14:hiddenFill xmlns="" xmlns:a14="http://schemas.microsoft.com/office/drawing/2010/main">
                 <a:noFill/>
               </a14:hiddenFill>
             </a:ext>
@@ -20511,14 +20511,14 @@
           </a:ln>
           <a:extLst>
             <a:ext uri="{909E8E84-426E-40dd-AFC4-6F175D3DCCD1}">
-              <a14:hiddenFill xmlns:a14="http://schemas.microsoft.com/office/drawing/2010/main" xmlns="">
+              <a14:hiddenFill xmlns="" xmlns:a14="http://schemas.microsoft.com/office/drawing/2010/main">
                 <a:solidFill>
                   <a:srgbClr val="FFFFFF"/>
                 </a:solidFill>
               </a14:hiddenFill>
             </a:ext>
             <a:ext uri="{91240B29-F687-4f45-9708-019B960494DF}">
-              <a14:hiddenLine xmlns:a14="http://schemas.microsoft.com/office/drawing/2010/main" xmlns="" w="9525">
+              <a14:hiddenLine xmlns="" xmlns:a14="http://schemas.microsoft.com/office/drawing/2010/main" w="9525">
                 <a:solidFill>
                   <a:srgbClr val="000000"/>
                 </a:solidFill>
@@ -20603,14 +20603,14 @@
           </a:ln>
           <a:extLst>
             <a:ext uri="{909E8E84-426E-40dd-AFC4-6F175D3DCCD1}">
-              <a14:hiddenFill xmlns:a14="http://schemas.microsoft.com/office/drawing/2010/main" xmlns="">
+              <a14:hiddenFill xmlns="" xmlns:a14="http://schemas.microsoft.com/office/drawing/2010/main">
                 <a:solidFill>
                   <a:srgbClr val="FFFFFF"/>
                 </a:solidFill>
               </a14:hiddenFill>
             </a:ext>
             <a:ext uri="{91240B29-F687-4f45-9708-019B960494DF}">
-              <a14:hiddenLine xmlns:a14="http://schemas.microsoft.com/office/drawing/2010/main" xmlns="" w="9525">
+              <a14:hiddenLine xmlns="" xmlns:a14="http://schemas.microsoft.com/office/drawing/2010/main" w="9525">
                 <a:solidFill>
                   <a:srgbClr val="000000"/>
                 </a:solidFill>
@@ -20856,7 +20856,7 @@
           </a:xfrm>
           <a:extLst>
             <a:ext uri="{91240B29-F687-4f45-9708-019B960494DF}">
-              <a14:hiddenLine xmlns:a14="http://schemas.microsoft.com/office/drawing/2010/main" xmlns="" w="9525">
+              <a14:hiddenLine xmlns="" xmlns:a14="http://schemas.microsoft.com/office/drawing/2010/main" w="9525">
                 <a:solidFill>
                   <a:srgbClr val="000000"/>
                 </a:solidFill>
@@ -20925,7 +20925,7 @@
           </a:xfrm>
           <a:extLst>
             <a:ext uri="{91240B29-F687-4f45-9708-019B960494DF}">
-              <a14:hiddenLine xmlns:a14="http://schemas.microsoft.com/office/drawing/2010/main" xmlns="" w="9525">
+              <a14:hiddenLine xmlns="" xmlns:a14="http://schemas.microsoft.com/office/drawing/2010/main" w="9525">
                 <a:solidFill>
                   <a:srgbClr val="000000"/>
                 </a:solidFill>
@@ -21344,7 +21344,7 @@
           </a:ln>
           <a:extLst>
             <a:ext uri="{909E8E84-426E-40dd-AFC4-6F175D3DCCD1}">
-              <a14:hiddenFill xmlns:a14="http://schemas.microsoft.com/office/drawing/2010/main" xmlns="">
+              <a14:hiddenFill xmlns="" xmlns:a14="http://schemas.microsoft.com/office/drawing/2010/main">
                 <a:noFill/>
               </a14:hiddenFill>
             </a:ext>
@@ -21385,7 +21385,7 @@
           </a:ln>
           <a:extLst>
             <a:ext uri="{909E8E84-426E-40dd-AFC4-6F175D3DCCD1}">
-              <a14:hiddenFill xmlns:a14="http://schemas.microsoft.com/office/drawing/2010/main" xmlns="">
+              <a14:hiddenFill xmlns="" xmlns:a14="http://schemas.microsoft.com/office/drawing/2010/main">
                 <a:noFill/>
               </a14:hiddenFill>
             </a:ext>
@@ -21426,7 +21426,7 @@
           </a:ln>
           <a:extLst>
             <a:ext uri="{909E8E84-426E-40dd-AFC4-6F175D3DCCD1}">
-              <a14:hiddenFill xmlns:a14="http://schemas.microsoft.com/office/drawing/2010/main" xmlns="">
+              <a14:hiddenFill xmlns="" xmlns:a14="http://schemas.microsoft.com/office/drawing/2010/main">
                 <a:noFill/>
               </a14:hiddenFill>
             </a:ext>
@@ -21467,7 +21467,7 @@
           </a:ln>
           <a:extLst>
             <a:ext uri="{909E8E84-426E-40dd-AFC4-6F175D3DCCD1}">
-              <a14:hiddenFill xmlns:a14="http://schemas.microsoft.com/office/drawing/2010/main" xmlns="">
+              <a14:hiddenFill xmlns="" xmlns:a14="http://schemas.microsoft.com/office/drawing/2010/main">
                 <a:noFill/>
               </a14:hiddenFill>
             </a:ext>
@@ -21508,7 +21508,7 @@
           </a:ln>
           <a:extLst>
             <a:ext uri="{909E8E84-426E-40dd-AFC4-6F175D3DCCD1}">
-              <a14:hiddenFill xmlns:a14="http://schemas.microsoft.com/office/drawing/2010/main" xmlns="">
+              <a14:hiddenFill xmlns="" xmlns:a14="http://schemas.microsoft.com/office/drawing/2010/main">
                 <a:noFill/>
               </a14:hiddenFill>
             </a:ext>
@@ -21544,14 +21544,14 @@
           </a:ln>
           <a:extLst>
             <a:ext uri="{909E8E84-426E-40dd-AFC4-6F175D3DCCD1}">
-              <a14:hiddenFill xmlns:a14="http://schemas.microsoft.com/office/drawing/2010/main" xmlns="">
+              <a14:hiddenFill xmlns="" xmlns:a14="http://schemas.microsoft.com/office/drawing/2010/main">
                 <a:solidFill>
                   <a:srgbClr val="FFFFFF"/>
                 </a:solidFill>
               </a14:hiddenFill>
             </a:ext>
             <a:ext uri="{91240B29-F687-4f45-9708-019B960494DF}">
-              <a14:hiddenLine xmlns:a14="http://schemas.microsoft.com/office/drawing/2010/main" xmlns="" w="9525">
+              <a14:hiddenLine xmlns="" xmlns:a14="http://schemas.microsoft.com/office/drawing/2010/main" w="9525">
                 <a:solidFill>
                   <a:srgbClr val="000000"/>
                 </a:solidFill>
@@ -21959,14 +21959,14 @@
           </a:ln>
           <a:extLst>
             <a:ext uri="{909E8E84-426E-40dd-AFC4-6F175D3DCCD1}">
-              <a14:hiddenFill xmlns:a14="http://schemas.microsoft.com/office/drawing/2010/main" xmlns="">
+              <a14:hiddenFill xmlns="" xmlns:a14="http://schemas.microsoft.com/office/drawing/2010/main">
                 <a:solidFill>
                   <a:srgbClr val="FFFFFF"/>
                 </a:solidFill>
               </a14:hiddenFill>
             </a:ext>
             <a:ext uri="{91240B29-F687-4f45-9708-019B960494DF}">
-              <a14:hiddenLine xmlns:a14="http://schemas.microsoft.com/office/drawing/2010/main" xmlns="" w="9525">
+              <a14:hiddenLine xmlns="" xmlns:a14="http://schemas.microsoft.com/office/drawing/2010/main" w="9525">
                 <a:solidFill>
                   <a:srgbClr val="000000"/>
                 </a:solidFill>
@@ -22425,14 +22425,14 @@
           </a:ln>
           <a:extLst>
             <a:ext uri="{909E8E84-426E-40dd-AFC4-6F175D3DCCD1}">
-              <a14:hiddenFill xmlns:a14="http://schemas.microsoft.com/office/drawing/2010/main" xmlns="">
+              <a14:hiddenFill xmlns="" xmlns:a14="http://schemas.microsoft.com/office/drawing/2010/main">
                 <a:solidFill>
                   <a:srgbClr val="FFFFFF"/>
                 </a:solidFill>
               </a14:hiddenFill>
             </a:ext>
             <a:ext uri="{91240B29-F687-4f45-9708-019B960494DF}">
-              <a14:hiddenLine xmlns:a14="http://schemas.microsoft.com/office/drawing/2010/main" xmlns="" w="9525">
+              <a14:hiddenLine xmlns="" xmlns:a14="http://schemas.microsoft.com/office/drawing/2010/main" w="9525">
                 <a:solidFill>
                   <a:srgbClr val="000000"/>
                 </a:solidFill>
@@ -22863,7 +22863,7 @@
           </a:ln>
           <a:extLst>
             <a:ext uri="{909E8E84-426E-40dd-AFC4-6F175D3DCCD1}">
-              <a14:hiddenFill xmlns:a14="http://schemas.microsoft.com/office/drawing/2010/main" xmlns="">
+              <a14:hiddenFill xmlns="" xmlns:a14="http://schemas.microsoft.com/office/drawing/2010/main">
                 <a:noFill/>
               </a14:hiddenFill>
             </a:ext>
@@ -22899,14 +22899,14 @@
           </a:ln>
           <a:extLst>
             <a:ext uri="{909E8E84-426E-40dd-AFC4-6F175D3DCCD1}">
-              <a14:hiddenFill xmlns:a14="http://schemas.microsoft.com/office/drawing/2010/main" xmlns="">
+              <a14:hiddenFill xmlns="" xmlns:a14="http://schemas.microsoft.com/office/drawing/2010/main">
                 <a:solidFill>
                   <a:srgbClr val="FFFFFF"/>
                 </a:solidFill>
               </a14:hiddenFill>
             </a:ext>
             <a:ext uri="{91240B29-F687-4f45-9708-019B960494DF}">
-              <a14:hiddenLine xmlns:a14="http://schemas.microsoft.com/office/drawing/2010/main" xmlns="" w="9525">
+              <a14:hiddenLine xmlns="" xmlns:a14="http://schemas.microsoft.com/office/drawing/2010/main" w="9525">
                 <a:solidFill>
                   <a:srgbClr val="000000"/>
                 </a:solidFill>
@@ -24289,14 +24289,14 @@
                         <a:effectLst/>
                         <a:extLst>
                           <a:ext uri="{909E8E84-426E-40dd-AFC4-6F175D3DCCD1}">
-                            <a14:hiddenFill xmlns:a14="http://schemas.microsoft.com/office/drawing/2010/main" xmlns="">
+                            <a14:hiddenFill xmlns="" xmlns:a14="http://schemas.microsoft.com/office/drawing/2010/main">
                               <a:solidFill>
                                 <a:schemeClr val="accent1"/>
                               </a:solidFill>
                             </a14:hiddenFill>
                           </a:ext>
                           <a:ext uri="{91240B29-F687-4f45-9708-019B960494DF}">
-                            <a14:hiddenLine xmlns:a14="http://schemas.microsoft.com/office/drawing/2010/main" xmlns="" w="9525">
+                            <a14:hiddenLine xmlns="" xmlns:a14="http://schemas.microsoft.com/office/drawing/2010/main" w="9525">
                               <a:solidFill>
                                 <a:schemeClr val="tx1"/>
                               </a:solidFill>
@@ -24306,7 +24306,7 @@
                             </a14:hiddenLine>
                           </a:ext>
                           <a:ext uri="{AF507438-7753-43e0-B8FC-AC1667EBCBE1}">
-                            <a14:hiddenEffects xmlns:a14="http://schemas.microsoft.com/office/drawing/2010/main" xmlns="">
+                            <a14:hiddenEffects xmlns="" xmlns:a14="http://schemas.microsoft.com/office/drawing/2010/main">
                               <a:effectLst>
                                 <a:outerShdw blurRad="63500" dist="38099" dir="2700000" algn="ctr" rotWithShape="0">
                                   <a:schemeClr val="bg2">
@@ -24357,7 +24357,7 @@
             <a:effectLst/>
             <a:extLst>
               <a:ext uri="{AF507438-7753-43e0-B8FC-AC1667EBCBE1}">
-                <a14:hiddenEffects xmlns:a14="http://schemas.microsoft.com/office/drawing/2010/main" xmlns="">
+                <a14:hiddenEffects xmlns="" xmlns:a14="http://schemas.microsoft.com/office/drawing/2010/main">
                   <a:effectLst>
                     <a:outerShdw blurRad="63500" dist="38099" dir="2700000" algn="ctr" rotWithShape="0">
                       <a:schemeClr val="bg2">
@@ -24432,7 +24432,7 @@
             <a:effectLst/>
             <a:extLst>
               <a:ext uri="{AF507438-7753-43e0-B8FC-AC1667EBCBE1}">
-                <a14:hiddenEffects xmlns:a14="http://schemas.microsoft.com/office/drawing/2010/main" xmlns="">
+                <a14:hiddenEffects xmlns="" xmlns:a14="http://schemas.microsoft.com/office/drawing/2010/main">
                   <a:effectLst>
                     <a:outerShdw blurRad="63500" dist="38099" dir="2700000" algn="ctr" rotWithShape="0">
                       <a:schemeClr val="bg2">
@@ -24543,7 +24543,7 @@
             <a:effectLst/>
             <a:extLst>
               <a:ext uri="{AF507438-7753-43e0-B8FC-AC1667EBCBE1}">
-                <a14:hiddenEffects xmlns:a14="http://schemas.microsoft.com/office/drawing/2010/main" xmlns="">
+                <a14:hiddenEffects xmlns="" xmlns:a14="http://schemas.microsoft.com/office/drawing/2010/main">
                   <a:effectLst>
                     <a:outerShdw blurRad="63500" dist="38099" dir="2700000" algn="ctr" rotWithShape="0">
                       <a:schemeClr val="bg2">
@@ -24808,14 +24808,14 @@
           <a:effectLst/>
           <a:extLst>
             <a:ext uri="{909E8E84-426E-40dd-AFC4-6F175D3DCCD1}">
-              <a14:hiddenFill xmlns:a14="http://schemas.microsoft.com/office/drawing/2010/main" xmlns="">
+              <a14:hiddenFill xmlns="" xmlns:a14="http://schemas.microsoft.com/office/drawing/2010/main">
                 <a:solidFill>
                   <a:schemeClr val="accent1"/>
                 </a:solidFill>
               </a14:hiddenFill>
             </a:ext>
             <a:ext uri="{91240B29-F687-4f45-9708-019B960494DF}">
-              <a14:hiddenLine xmlns:a14="http://schemas.microsoft.com/office/drawing/2010/main" xmlns="" w="9525">
+              <a14:hiddenLine xmlns="" xmlns:a14="http://schemas.microsoft.com/office/drawing/2010/main" w="9525">
                 <a:solidFill>
                   <a:schemeClr val="tx1"/>
                 </a:solidFill>
@@ -24825,7 +24825,7 @@
               </a14:hiddenLine>
             </a:ext>
             <a:ext uri="{AF507438-7753-43e0-B8FC-AC1667EBCBE1}">
-              <a14:hiddenEffects xmlns:a14="http://schemas.microsoft.com/office/drawing/2010/main" xmlns="">
+              <a14:hiddenEffects xmlns="" xmlns:a14="http://schemas.microsoft.com/office/drawing/2010/main">
                 <a:effectLst>
                   <a:outerShdw blurRad="63500" dist="38099" dir="2700000" algn="ctr" rotWithShape="0">
                     <a:schemeClr val="bg2">
@@ -26057,7 +26057,7 @@
           <a:effectLst/>
           <a:extLst>
             <a:ext uri="{AF507438-7753-43e0-B8FC-AC1667EBCBE1}">
-              <a14:hiddenEffects xmlns:a14="http://schemas.microsoft.com/office/drawing/2010/main" xmlns="">
+              <a14:hiddenEffects xmlns="" xmlns:a14="http://schemas.microsoft.com/office/drawing/2010/main">
                 <a:effectLst>
                   <a:outerShdw blurRad="63500" dist="38099" dir="2700000" algn="ctr" rotWithShape="0">
                     <a:schemeClr val="bg2">
@@ -26105,7 +26105,7 @@
           <a:effectLst/>
           <a:extLst>
             <a:ext uri="{91240B29-F687-4f45-9708-019B960494DF}">
-              <a14:hiddenLine xmlns:a14="http://schemas.microsoft.com/office/drawing/2010/main" xmlns="" w="9525">
+              <a14:hiddenLine xmlns="" xmlns:a14="http://schemas.microsoft.com/office/drawing/2010/main" w="9525">
                 <a:solidFill>
                   <a:schemeClr val="tx1"/>
                 </a:solidFill>
@@ -26115,7 +26115,7 @@
               </a14:hiddenLine>
             </a:ext>
             <a:ext uri="{AF507438-7753-43e0-B8FC-AC1667EBCBE1}">
-              <a14:hiddenEffects xmlns:a14="http://schemas.microsoft.com/office/drawing/2010/main" xmlns="">
+              <a14:hiddenEffects xmlns="" xmlns:a14="http://schemas.microsoft.com/office/drawing/2010/main">
                 <a:effectLst>
                   <a:outerShdw blurRad="63500" dist="38099" dir="2700000" algn="ctr" rotWithShape="0">
                     <a:schemeClr val="bg2">
@@ -26180,7 +26180,7 @@
           <a:effectLst/>
           <a:extLst>
             <a:ext uri="{AF507438-7753-43e0-B8FC-AC1667EBCBE1}">
-              <a14:hiddenEffects xmlns:a14="http://schemas.microsoft.com/office/drawing/2010/main" xmlns="">
+              <a14:hiddenEffects xmlns="" xmlns:a14="http://schemas.microsoft.com/office/drawing/2010/main">
                 <a:effectLst>
                   <a:outerShdw blurRad="63500" dist="38099" dir="2700000" algn="ctr" rotWithShape="0">
                     <a:schemeClr val="bg2">
@@ -26228,7 +26228,7 @@
           <a:effectLst/>
           <a:extLst>
             <a:ext uri="{91240B29-F687-4f45-9708-019B960494DF}">
-              <a14:hiddenLine xmlns:a14="http://schemas.microsoft.com/office/drawing/2010/main" xmlns="" w="9525">
+              <a14:hiddenLine xmlns="" xmlns:a14="http://schemas.microsoft.com/office/drawing/2010/main" w="9525">
                 <a:solidFill>
                   <a:schemeClr val="tx1"/>
                 </a:solidFill>
@@ -26238,7 +26238,7 @@
               </a14:hiddenLine>
             </a:ext>
             <a:ext uri="{AF507438-7753-43e0-B8FC-AC1667EBCBE1}">
-              <a14:hiddenEffects xmlns:a14="http://schemas.microsoft.com/office/drawing/2010/main" xmlns="">
+              <a14:hiddenEffects xmlns="" xmlns:a14="http://schemas.microsoft.com/office/drawing/2010/main">
                 <a:effectLst>
                   <a:outerShdw blurRad="63500" dist="38099" dir="2700000" algn="ctr" rotWithShape="0">
                     <a:schemeClr val="bg2">
@@ -26301,12 +26301,12 @@
           <a:effectLst/>
           <a:extLst>
             <a:ext uri="{909E8E84-426E-40dd-AFC4-6F175D3DCCD1}">
-              <a14:hiddenFill xmlns:a14="http://schemas.microsoft.com/office/drawing/2010/main" xmlns="">
+              <a14:hiddenFill xmlns="" xmlns:a14="http://schemas.microsoft.com/office/drawing/2010/main">
                 <a:noFill/>
               </a14:hiddenFill>
             </a:ext>
             <a:ext uri="{AF507438-7753-43e0-B8FC-AC1667EBCBE1}">
-              <a14:hiddenEffects xmlns:a14="http://schemas.microsoft.com/office/drawing/2010/main" xmlns="">
+              <a14:hiddenEffects xmlns="" xmlns:a14="http://schemas.microsoft.com/office/drawing/2010/main">
                 <a:effectLst>
                   <a:outerShdw blurRad="63500" dist="38099" dir="2700000" algn="ctr" rotWithShape="0">
                     <a:schemeClr val="bg2">
@@ -26357,12 +26357,12 @@
           <a:effectLst/>
           <a:extLst>
             <a:ext uri="{909E8E84-426E-40dd-AFC4-6F175D3DCCD1}">
-              <a14:hiddenFill xmlns:a14="http://schemas.microsoft.com/office/drawing/2010/main" xmlns="">
+              <a14:hiddenFill xmlns="" xmlns:a14="http://schemas.microsoft.com/office/drawing/2010/main">
                 <a:noFill/>
               </a14:hiddenFill>
             </a:ext>
             <a:ext uri="{AF507438-7753-43e0-B8FC-AC1667EBCBE1}">
-              <a14:hiddenEffects xmlns:a14="http://schemas.microsoft.com/office/drawing/2010/main" xmlns="">
+              <a14:hiddenEffects xmlns="" xmlns:a14="http://schemas.microsoft.com/office/drawing/2010/main">
                 <a:effectLst>
                   <a:outerShdw blurRad="63500" dist="38099" dir="2700000" algn="ctr" rotWithShape="0">
                     <a:schemeClr val="bg2">
@@ -26413,12 +26413,12 @@
           <a:effectLst/>
           <a:extLst>
             <a:ext uri="{909E8E84-426E-40dd-AFC4-6F175D3DCCD1}">
-              <a14:hiddenFill xmlns:a14="http://schemas.microsoft.com/office/drawing/2010/main" xmlns="">
+              <a14:hiddenFill xmlns="" xmlns:a14="http://schemas.microsoft.com/office/drawing/2010/main">
                 <a:noFill/>
               </a14:hiddenFill>
             </a:ext>
             <a:ext uri="{AF507438-7753-43e0-B8FC-AC1667EBCBE1}">
-              <a14:hiddenEffects xmlns:a14="http://schemas.microsoft.com/office/drawing/2010/main" xmlns="">
+              <a14:hiddenEffects xmlns="" xmlns:a14="http://schemas.microsoft.com/office/drawing/2010/main">
                 <a:effectLst>
                   <a:outerShdw blurRad="63500" dist="38099" dir="2700000" algn="ctr" rotWithShape="0">
                     <a:schemeClr val="bg2">
@@ -26469,12 +26469,12 @@
           <a:effectLst/>
           <a:extLst>
             <a:ext uri="{909E8E84-426E-40dd-AFC4-6F175D3DCCD1}">
-              <a14:hiddenFill xmlns:a14="http://schemas.microsoft.com/office/drawing/2010/main" xmlns="">
+              <a14:hiddenFill xmlns="" xmlns:a14="http://schemas.microsoft.com/office/drawing/2010/main">
                 <a:noFill/>
               </a14:hiddenFill>
             </a:ext>
             <a:ext uri="{AF507438-7753-43e0-B8FC-AC1667EBCBE1}">
-              <a14:hiddenEffects xmlns:a14="http://schemas.microsoft.com/office/drawing/2010/main" xmlns="">
+              <a14:hiddenEffects xmlns="" xmlns:a14="http://schemas.microsoft.com/office/drawing/2010/main">
                 <a:effectLst>
                   <a:outerShdw blurRad="63500" dist="38099" dir="2700000" algn="ctr" rotWithShape="0">
                     <a:schemeClr val="bg2">
